--- a/BEst HA/PerformanceHightAvailability_draft.pptx
+++ b/BEst HA/PerformanceHightAvailability_draft.pptx
@@ -231,14 +231,14 @@
 
 <file path=ppt/commentAuthors.xml><?xml version="1.0" encoding="utf-8"?>
 <p:cmAuthorLst xmlns:a="http://schemas.openxmlformats.org/drawingml/2006/main" xmlns:r="http://schemas.openxmlformats.org/officeDocument/2006/relationships" xmlns:p="http://schemas.openxmlformats.org/presentationml/2006/main">
-  <p:cmAuthor id="3" name="Author" initials="A" lastIdx="0" clrIdx="2"/>
+  <p:cmAuthor id="4" name="Autor" initials="A" lastIdx="0" clrIdx="3"/>
 </p:cmAuthorLst>
 </file>
 
 <file path=ppt/charts/chart1.xml><?xml version="1.0" encoding="utf-8"?>
 <c:chartSpace xmlns:c="http://schemas.openxmlformats.org/drawingml/2006/chart" xmlns:a="http://schemas.openxmlformats.org/drawingml/2006/main" xmlns:r="http://schemas.openxmlformats.org/officeDocument/2006/relationships" xmlns:c16r2="http://schemas.microsoft.com/office/drawing/2015/06/chart">
   <c:date1904 val="0"/>
-  <c:lang val="en-US"/>
+  <c:lang val="es-ES"/>
   <c:roundedCorners val="0"/>
   <mc:AlternateContent xmlns:mc="http://schemas.openxmlformats.org/markup-compatibility/2006">
     <mc:Choice xmlns:c14="http://schemas.microsoft.com/office/drawing/2007/8/2/chart" Requires="c14">
@@ -1046,7 +1046,7 @@
               <a:rPr lang="en-US" smtClean="0">
                 <a:latin typeface="Arial" panose="020B0604020202020204" pitchFamily="34" charset="0"/>
               </a:rPr>
-              <a:t>3/7/2025</a:t>
+              <a:t>3/10/2025</a:t>
             </a:fld>
             <a:endParaRPr lang="en-US" dirty="0">
               <a:latin typeface="Arial" panose="020B0604020202020204" pitchFamily="34" charset="0"/>
@@ -1118,7 +1118,7 @@
               <a:rPr lang="en-US" smtClean="0">
                 <a:latin typeface="Arial" panose="020B0604020202020204" pitchFamily="34" charset="0"/>
               </a:rPr>
-              <a:t>‹#›</a:t>
+              <a:t>‹Nº›</a:t>
             </a:fld>
             <a:endParaRPr lang="en-US" dirty="0">
               <a:latin typeface="Arial" panose="020B0604020202020204" pitchFamily="34" charset="0"/>
@@ -1225,7 +1225,7 @@
             <a:fld id="{0BA5BBE4-AEA3-489A-A28E-0C2FAF2506E3}" type="datetimeFigureOut">
               <a:rPr lang="en-US" smtClean="0"/>
               <a:pPr/>
-              <a:t>3/7/2025</a:t>
+              <a:t>3/10/2025</a:t>
             </a:fld>
             <a:endParaRPr lang="en-US" dirty="0"/>
           </a:p>
@@ -1390,7 +1390,7 @@
             <a:fld id="{C0F4A2C8-6C88-4E71-83EE-698B9D4FE22F}" type="slidenum">
               <a:rPr lang="en-US" smtClean="0"/>
               <a:pPr/>
-              <a:t>‹#›</a:t>
+              <a:t>‹Nº›</a:t>
             </a:fld>
             <a:endParaRPr lang="en-US" dirty="0"/>
           </a:p>
@@ -1519,7 +1519,7 @@
       </p:grpSpPr>
       <p:sp>
         <p:nvSpPr>
-          <p:cNvPr id="2" name="Slide Image Placeholder 1"/>
+          <p:cNvPr id="2" name="Marcador de imagen de diapositiva 1"/>
           <p:cNvSpPr>
             <a:spLocks noGrp="1" noRot="1" noChangeAspect="1"/>
           </p:cNvSpPr>
@@ -1531,7 +1531,7 @@
       </p:sp>
       <p:sp>
         <p:nvSpPr>
-          <p:cNvPr id="3" name="Notes Placeholder 2"/>
+          <p:cNvPr id="3" name="Marcador de notas 2"/>
           <p:cNvSpPr>
             <a:spLocks noGrp="1"/>
           </p:cNvSpPr>
@@ -1545,20 +1545,44 @@
           <a:lstStyle/>
           <a:p>
             <a:r>
-              <a:rPr lang="en-US" dirty="0"/>
-              <a:t>Please share your </a:t>
-            </a:r>
-            <a:r>
-              <a:rPr lang="en-US" dirty="0" err="1"/>
-              <a:t>thougths</a:t>
-            </a:r>
+              <a:rPr lang="en-US" i="1" dirty="0"/>
+              <a:t>“Hi, everyone! Welcome to today’s session on </a:t>
+            </a:r>
+            <a:r>
+              <a:rPr lang="en-US" b="1" i="1" dirty="0"/>
+              <a:t>High Availability</a:t>
+            </a:r>
+            <a:r>
+              <a:rPr lang="en-US" i="1" dirty="0"/>
+              <a:t>. This is a crucial topic in IT, especially for businesses that rely on continuous service availability.“</a:t>
+            </a:r>
+          </a:p>
+          <a:p>
+            <a:endParaRPr lang="en-US" dirty="0"/>
+          </a:p>
+          <a:p>
+            <a:r>
+              <a:rPr lang="en-US" i="1" dirty="0"/>
+              <a:t>"Before we start, please </a:t>
+            </a:r>
+            <a:r>
+              <a:rPr lang="en-US" b="1" i="1" dirty="0"/>
+              <a:t>scan the QR code</a:t>
+            </a:r>
+            <a:r>
+              <a:rPr lang="en-US" i="1" dirty="0"/>
+              <a:t> on the screen. </a:t>
+            </a:r>
+            <a:endParaRPr lang="en-US" dirty="0"/>
+          </a:p>
+          <a:p>
             <a:endParaRPr lang="en-US" dirty="0"/>
           </a:p>
         </p:txBody>
       </p:sp>
       <p:sp>
         <p:nvSpPr>
-          <p:cNvPr id="4" name="Slide Number Placeholder 3"/>
+          <p:cNvPr id="4" name="Marcador de número de diapositiva 3"/>
           <p:cNvSpPr>
             <a:spLocks noGrp="1"/>
           </p:cNvSpPr>
@@ -1574,7 +1598,7 @@
             <a:fld id="{C0F4A2C8-6C88-4E71-83EE-698B9D4FE22F}" type="slidenum">
               <a:rPr lang="en-US" smtClean="0"/>
               <a:pPr/>
-              <a:t>2</a:t>
+              <a:t>1</a:t>
             </a:fld>
             <a:endParaRPr lang="en-US" dirty="0"/>
           </a:p>
@@ -1583,7 +1607,7 @@
     </p:spTree>
     <p:extLst>
       <p:ext uri="{BB962C8B-B14F-4D97-AF65-F5344CB8AC3E}">
-        <p14:creationId xmlns:p14="http://schemas.microsoft.com/office/powerpoint/2010/main" val="3280902127"/>
+        <p14:creationId xmlns:p14="http://schemas.microsoft.com/office/powerpoint/2010/main" val="2140936899"/>
       </p:ext>
     </p:extLst>
   </p:cSld>
@@ -1594,4253 +1618,6 @@
 </file>
 
 <file path=ppt/notesSlides/notesSlide10.xml><?xml version="1.0" encoding="utf-8"?>
-<p:notes xmlns:a="http://schemas.openxmlformats.org/drawingml/2006/main" xmlns:r="http://schemas.openxmlformats.org/officeDocument/2006/relationships" xmlns:p="http://schemas.openxmlformats.org/presentationml/2006/main">
-  <p:cSld>
-    <p:spTree>
-      <p:nvGrpSpPr>
-        <p:cNvPr id="1" name=""/>
-        <p:cNvGrpSpPr/>
-        <p:nvPr/>
-      </p:nvGrpSpPr>
-      <p:grpSpPr>
-        <a:xfrm>
-          <a:off x="0" y="0"/>
-          <a:ext cx="0" cy="0"/>
-          <a:chOff x="0" y="0"/>
-          <a:chExt cx="0" cy="0"/>
-        </a:xfrm>
-      </p:grpSpPr>
-      <p:sp>
-        <p:nvSpPr>
-          <p:cNvPr id="2" name="Slide Image Placeholder 1"/>
-          <p:cNvSpPr>
-            <a:spLocks noGrp="1" noRot="1" noChangeAspect="1"/>
-          </p:cNvSpPr>
-          <p:nvPr>
-            <p:ph type="sldImg"/>
-          </p:nvPr>
-        </p:nvSpPr>
-        <p:spPr>
-          <a:xfrm>
-            <a:off x="458788" y="720725"/>
-            <a:ext cx="6397625" cy="3598863"/>
-          </a:xfrm>
-        </p:spPr>
-      </p:sp>
-      <p:sp>
-        <p:nvSpPr>
-          <p:cNvPr id="3" name="Notes Placeholder 2"/>
-          <p:cNvSpPr>
-            <a:spLocks noGrp="1"/>
-          </p:cNvSpPr>
-          <p:nvPr>
-            <p:ph type="body" idx="1"/>
-          </p:nvPr>
-        </p:nvSpPr>
-        <p:spPr/>
-        <p:txBody>
-          <a:bodyPr/>
-          <a:lstStyle/>
-          <a:p>
-            <a:pPr algn="l">
-              <a:buFont typeface="Arial" panose="020B0604020202020204" pitchFamily="34" charset="0"/>
-              <a:buNone/>
-            </a:pPr>
-            <a:r>
-              <a:rPr lang="en-US" b="0" i="0" dirty="0">
-                <a:solidFill>
-                  <a:srgbClr val="0D0D0D"/>
-                </a:solidFill>
-                <a:effectLst/>
-                <a:latin typeface="Söhne"/>
-              </a:rPr>
-              <a:t>The primary goal of functional testing is to ensure that every component of the software application performs in accordance with the functional requirements and specifications.</a:t>
-            </a:r>
-          </a:p>
-          <a:p>
-            <a:pPr algn="l">
-              <a:buFont typeface="Arial" panose="020B0604020202020204" pitchFamily="34" charset="0"/>
-              <a:buNone/>
-            </a:pPr>
-            <a:endParaRPr lang="en-US" b="1" i="0" dirty="0">
-              <a:solidFill>
-                <a:srgbClr val="0D0D0D"/>
-              </a:solidFill>
-              <a:effectLst/>
-              <a:latin typeface="Söhne"/>
-            </a:endParaRPr>
-          </a:p>
-          <a:p>
-            <a:pPr algn="l">
-              <a:buFont typeface="Arial" panose="020B0604020202020204" pitchFamily="34" charset="0"/>
-              <a:buNone/>
-            </a:pPr>
-            <a:r>
-              <a:rPr lang="en-US" b="1" i="0" dirty="0">
-                <a:solidFill>
-                  <a:srgbClr val="0D0D0D"/>
-                </a:solidFill>
-                <a:effectLst/>
-                <a:latin typeface="Söhne"/>
-              </a:rPr>
-              <a:t>Focus Areas:</a:t>
-            </a:r>
-            <a:endParaRPr lang="en-US" b="0" i="0" dirty="0">
-              <a:solidFill>
-                <a:srgbClr val="0D0D0D"/>
-              </a:solidFill>
-              <a:effectLst/>
-              <a:latin typeface="Söhne"/>
-            </a:endParaRPr>
-          </a:p>
-          <a:p>
-            <a:pPr marL="742950" lvl="1" indent="-285750" algn="l">
-              <a:buFont typeface="Arial" panose="020B0604020202020204" pitchFamily="34" charset="0"/>
-              <a:buChar char="•"/>
-            </a:pPr>
-            <a:r>
-              <a:rPr lang="en-US" b="0" i="0" dirty="0">
-                <a:solidFill>
-                  <a:srgbClr val="0D0D0D"/>
-                </a:solidFill>
-                <a:effectLst/>
-                <a:latin typeface="Söhne"/>
-              </a:rPr>
-              <a:t>Input validation</a:t>
-            </a:r>
-          </a:p>
-          <a:p>
-            <a:pPr marL="742950" lvl="1" indent="-285750" algn="l">
-              <a:buFont typeface="Arial" panose="020B0604020202020204" pitchFamily="34" charset="0"/>
-              <a:buChar char="•"/>
-            </a:pPr>
-            <a:r>
-              <a:rPr lang="en-US" b="0" i="0" dirty="0">
-                <a:solidFill>
-                  <a:srgbClr val="0D0D0D"/>
-                </a:solidFill>
-                <a:effectLst/>
-                <a:latin typeface="Söhne"/>
-              </a:rPr>
-              <a:t>Output generation</a:t>
-            </a:r>
-          </a:p>
-          <a:p>
-            <a:pPr marL="742950" lvl="1" indent="-285750" algn="l">
-              <a:buFont typeface="Arial" panose="020B0604020202020204" pitchFamily="34" charset="0"/>
-              <a:buChar char="•"/>
-            </a:pPr>
-            <a:r>
-              <a:rPr lang="en-US" b="0" i="0" dirty="0">
-                <a:solidFill>
-                  <a:srgbClr val="0D0D0D"/>
-                </a:solidFill>
-                <a:effectLst/>
-                <a:latin typeface="Söhne"/>
-              </a:rPr>
-              <a:t>Data manipulation</a:t>
-            </a:r>
-          </a:p>
-          <a:p>
-            <a:pPr marL="742950" lvl="1" indent="-285750" algn="l">
-              <a:buFont typeface="Arial" panose="020B0604020202020204" pitchFamily="34" charset="0"/>
-              <a:buChar char="•"/>
-            </a:pPr>
-            <a:r>
-              <a:rPr lang="en-US" b="0" i="0" dirty="0">
-                <a:solidFill>
-                  <a:srgbClr val="0D0D0D"/>
-                </a:solidFill>
-                <a:effectLst/>
-                <a:latin typeface="Söhne"/>
-              </a:rPr>
-              <a:t>Interface functionality</a:t>
-            </a:r>
-          </a:p>
-          <a:p>
-            <a:pPr marL="742950" lvl="1" indent="-285750" algn="l">
-              <a:buFont typeface="Arial" panose="020B0604020202020204" pitchFamily="34" charset="0"/>
-              <a:buChar char="•"/>
-            </a:pPr>
-            <a:r>
-              <a:rPr lang="en-US" b="0" i="0" dirty="0">
-                <a:solidFill>
-                  <a:srgbClr val="0D0D0D"/>
-                </a:solidFill>
-                <a:effectLst/>
-                <a:latin typeface="Söhne"/>
-              </a:rPr>
-              <a:t>Application workflow</a:t>
-            </a:r>
-          </a:p>
-          <a:p>
-            <a:pPr marL="742950" lvl="1" indent="-285750" algn="l">
-              <a:buFont typeface="Arial" panose="020B0604020202020204" pitchFamily="34" charset="0"/>
-              <a:buChar char="•"/>
-            </a:pPr>
-            <a:endParaRPr lang="en-US" b="0" i="0" dirty="0">
-              <a:solidFill>
-                <a:srgbClr val="0D0D0D"/>
-              </a:solidFill>
-              <a:effectLst/>
-              <a:latin typeface="Söhne"/>
-            </a:endParaRPr>
-          </a:p>
-          <a:p>
-            <a:r>
-              <a:rPr lang="en-US" dirty="0"/>
-              <a:t>Some benefits of functional testing includes:</a:t>
-            </a:r>
-          </a:p>
-          <a:p>
-            <a:endParaRPr lang="en-US" dirty="0"/>
-          </a:p>
-          <a:p>
-            <a:pPr algn="l">
-              <a:buFont typeface="Arial" panose="020B0604020202020204" pitchFamily="34" charset="0"/>
-              <a:buNone/>
-            </a:pPr>
-            <a:r>
-              <a:rPr lang="en-US" b="1" i="0" dirty="0">
-                <a:solidFill>
-                  <a:srgbClr val="0D0D0D"/>
-                </a:solidFill>
-                <a:effectLst/>
-                <a:latin typeface="Söhne"/>
-              </a:rPr>
-              <a:t>Early Bug Detection:</a:t>
-            </a:r>
-            <a:r>
-              <a:rPr lang="en-US" b="0" i="0" dirty="0">
-                <a:solidFill>
-                  <a:srgbClr val="0D0D0D"/>
-                </a:solidFill>
-                <a:effectLst/>
-                <a:latin typeface="Söhne"/>
-              </a:rPr>
-              <a:t> Identifies issues in the early stages, reducing development costs.</a:t>
-            </a:r>
-          </a:p>
-          <a:p>
-            <a:pPr algn="l">
-              <a:buFont typeface="Arial" panose="020B0604020202020204" pitchFamily="34" charset="0"/>
-              <a:buNone/>
-            </a:pPr>
-            <a:r>
-              <a:rPr lang="en-US" b="1" i="0" dirty="0">
-                <a:solidFill>
-                  <a:srgbClr val="0D0D0D"/>
-                </a:solidFill>
-                <a:effectLst/>
-                <a:latin typeface="Söhne"/>
-              </a:rPr>
-              <a:t>Enhanced User Experience:</a:t>
-            </a:r>
-            <a:r>
-              <a:rPr lang="en-US" b="0" i="0" dirty="0">
-                <a:solidFill>
-                  <a:srgbClr val="0D0D0D"/>
-                </a:solidFill>
-                <a:effectLst/>
-                <a:latin typeface="Söhne"/>
-              </a:rPr>
-              <a:t> Ensures that the software meets user expectations and requirements.</a:t>
-            </a:r>
-          </a:p>
-          <a:p>
-            <a:pPr algn="l">
-              <a:buFont typeface="Arial" panose="020B0604020202020204" pitchFamily="34" charset="0"/>
-              <a:buNone/>
-            </a:pPr>
-            <a:r>
-              <a:rPr lang="en-US" b="1" i="0" dirty="0">
-                <a:solidFill>
-                  <a:srgbClr val="0D0D0D"/>
-                </a:solidFill>
-                <a:effectLst/>
-                <a:latin typeface="Söhne"/>
-              </a:rPr>
-              <a:t>Increased Reliability:</a:t>
-            </a:r>
-            <a:r>
-              <a:rPr lang="en-US" b="0" i="0" dirty="0">
-                <a:solidFill>
-                  <a:srgbClr val="0D0D0D"/>
-                </a:solidFill>
-                <a:effectLst/>
-                <a:latin typeface="Söhne"/>
-              </a:rPr>
-              <a:t> Validates that each function operates as intended, improving overall system reliability.</a:t>
-            </a:r>
-          </a:p>
-          <a:p>
-            <a:endParaRPr lang="en-US" dirty="0"/>
-          </a:p>
-        </p:txBody>
-      </p:sp>
-      <p:sp>
-        <p:nvSpPr>
-          <p:cNvPr id="4" name="Slide Number Placeholder 3"/>
-          <p:cNvSpPr>
-            <a:spLocks noGrp="1"/>
-          </p:cNvSpPr>
-          <p:nvPr>
-            <p:ph type="sldNum" sz="quarter" idx="10"/>
-          </p:nvPr>
-        </p:nvSpPr>
-        <p:spPr/>
-        <p:txBody>
-          <a:bodyPr/>
-          <a:lstStyle/>
-          <a:p>
-            <a:pPr>
-              <a:defRPr/>
-            </a:pPr>
-            <a:fld id="{DB19E439-0A36-4389-B1D4-036D35E9F4EA}" type="slidenum">
-              <a:rPr lang="en-US" smtClean="0"/>
-              <a:pPr>
-                <a:defRPr/>
-              </a:pPr>
-              <a:t>15</a:t>
-            </a:fld>
-            <a:endParaRPr lang="en-US" dirty="0"/>
-          </a:p>
-        </p:txBody>
-      </p:sp>
-    </p:spTree>
-    <p:extLst>
-      <p:ext uri="{BB962C8B-B14F-4D97-AF65-F5344CB8AC3E}">
-        <p14:creationId xmlns:p14="http://schemas.microsoft.com/office/powerpoint/2010/main" val="239590411"/>
-      </p:ext>
-    </p:extLst>
-  </p:cSld>
-  <p:clrMapOvr>
-    <a:masterClrMapping/>
-  </p:clrMapOvr>
-</p:notes>
-</file>
-
-<file path=ppt/notesSlides/notesSlide11.xml><?xml version="1.0" encoding="utf-8"?>
-<p:notes xmlns:a="http://schemas.openxmlformats.org/drawingml/2006/main" xmlns:r="http://schemas.openxmlformats.org/officeDocument/2006/relationships" xmlns:p="http://schemas.openxmlformats.org/presentationml/2006/main">
-  <p:cSld>
-    <p:spTree>
-      <p:nvGrpSpPr>
-        <p:cNvPr id="1" name=""/>
-        <p:cNvGrpSpPr/>
-        <p:nvPr/>
-      </p:nvGrpSpPr>
-      <p:grpSpPr>
-        <a:xfrm>
-          <a:off x="0" y="0"/>
-          <a:ext cx="0" cy="0"/>
-          <a:chOff x="0" y="0"/>
-          <a:chExt cx="0" cy="0"/>
-        </a:xfrm>
-      </p:grpSpPr>
-      <p:sp>
-        <p:nvSpPr>
-          <p:cNvPr id="2" name="Slide Image Placeholder 1"/>
-          <p:cNvSpPr>
-            <a:spLocks noGrp="1" noRot="1" noChangeAspect="1"/>
-          </p:cNvSpPr>
-          <p:nvPr>
-            <p:ph type="sldImg"/>
-          </p:nvPr>
-        </p:nvSpPr>
-        <p:spPr>
-          <a:xfrm>
-            <a:off x="458788" y="720725"/>
-            <a:ext cx="6397625" cy="3598863"/>
-          </a:xfrm>
-        </p:spPr>
-      </p:sp>
-      <p:sp>
-        <p:nvSpPr>
-          <p:cNvPr id="3" name="Notes Placeholder 2"/>
-          <p:cNvSpPr>
-            <a:spLocks noGrp="1"/>
-          </p:cNvSpPr>
-          <p:nvPr>
-            <p:ph type="body" idx="1"/>
-          </p:nvPr>
-        </p:nvSpPr>
-        <p:spPr/>
-        <p:txBody>
-          <a:bodyPr>
-            <a:normAutofit fontScale="92500" lnSpcReduction="20000"/>
-          </a:bodyPr>
-          <a:lstStyle/>
-          <a:p>
-            <a:pPr>
-              <a:tabLst/>
-              <a:defRPr/>
-            </a:pPr>
-            <a:r>
-              <a:rPr kumimoji="0" lang="en-US" sz="1600" b="1" i="0" u="none" strike="noStrike" kern="1200" cap="none" spc="0" normalizeH="0" baseline="0" noProof="0" dirty="0">
-                <a:ln>
-                  <a:noFill/>
-                </a:ln>
-                <a:solidFill>
-                  <a:schemeClr val="accent2"/>
-                </a:solidFill>
-                <a:effectLst/>
-                <a:uLnTx/>
-                <a:uFillTx/>
-                <a:latin typeface="+mj-lt"/>
-                <a:ea typeface="+mn-ea"/>
-                <a:cs typeface="Calibri Light"/>
-              </a:rPr>
-              <a:t>What is Performance Testing?</a:t>
-            </a:r>
-            <a:br>
-              <a:rPr lang="en-US" dirty="0"/>
-            </a:br>
-            <a:r>
-              <a:rPr kumimoji="0" lang="en-GB" sz="1200" b="0" i="0" u="none" strike="noStrike" kern="1200" cap="none" spc="0" normalizeH="0" baseline="0" noProof="0" dirty="0">
-                <a:ln>
-                  <a:noFill/>
-                </a:ln>
-                <a:solidFill>
-                  <a:srgbClr val="374151"/>
-                </a:solidFill>
-                <a:effectLst/>
-                <a:uLnTx/>
-                <a:uFillTx/>
-                <a:ea typeface="+mn-lt"/>
-                <a:cs typeface="+mn-lt"/>
-              </a:rPr>
-              <a:t>Performance testing is a </a:t>
-            </a:r>
-            <a:r>
-              <a:rPr lang="en-GB" dirty="0">
-                <a:solidFill>
-                  <a:srgbClr val="374151"/>
-                </a:solidFill>
-                <a:ea typeface="+mn-lt"/>
-                <a:cs typeface="+mn-lt"/>
-              </a:rPr>
-              <a:t>crucial aspect of software testing that focuses on evaluating the speed, responsiveness, and overall efficiency of a software application or system under various conditions. The primary goal is to assess how well the system performs under different workloads and to identify potential bottlenecks or performance issues.</a:t>
-            </a:r>
-            <a:endParaRPr lang="en-GB" dirty="0">
-              <a:solidFill>
-                <a:srgbClr val="000000"/>
-              </a:solidFill>
-              <a:ea typeface="+mn-lt"/>
-            </a:endParaRPr>
-          </a:p>
-          <a:p>
-            <a:pPr>
-              <a:tabLst/>
-              <a:defRPr/>
-            </a:pPr>
-            <a:endParaRPr lang="en-GB" dirty="0">
-              <a:solidFill>
-                <a:srgbClr val="374151"/>
-              </a:solidFill>
-              <a:ea typeface="+mn-lt"/>
-              <a:cs typeface="+mn-lt"/>
-            </a:endParaRPr>
-          </a:p>
-          <a:p>
-            <a:pPr>
-              <a:tabLst/>
-              <a:defRPr/>
-            </a:pPr>
-            <a:r>
-              <a:rPr lang="en-GB" dirty="0">
-                <a:solidFill>
-                  <a:srgbClr val="374151"/>
-                </a:solidFill>
-                <a:ea typeface="+mn-lt"/>
-                <a:cs typeface="+mn-lt"/>
-              </a:rPr>
-              <a:t> This </a:t>
-            </a:r>
-            <a:r>
-              <a:rPr kumimoji="0" lang="en-GB" sz="1200" b="0" i="0" u="none" strike="noStrike" kern="1200" cap="none" spc="0" normalizeH="0" baseline="0" noProof="0" dirty="0">
-                <a:ln>
-                  <a:noFill/>
-                </a:ln>
-                <a:solidFill>
-                  <a:srgbClr val="374151"/>
-                </a:solidFill>
-                <a:effectLst/>
-                <a:uLnTx/>
-                <a:uFillTx/>
-                <a:ea typeface="+mn-lt"/>
-                <a:cs typeface="+mn-lt"/>
-              </a:rPr>
-              <a:t>type of testing</a:t>
-            </a:r>
-            <a:r>
-              <a:rPr lang="en-GB" dirty="0">
-                <a:solidFill>
-                  <a:srgbClr val="374151"/>
-                </a:solidFill>
-                <a:ea typeface="+mn-lt"/>
-                <a:cs typeface="+mn-lt"/>
-              </a:rPr>
-              <a:t> helps ensure that the application meets performance requirements, delivers a satisfactory user experience, and can handle the expected load without degradation in performance</a:t>
-            </a:r>
-            <a:r>
-              <a:rPr kumimoji="0" lang="en-GB" sz="1200" b="0" i="0" u="none" strike="noStrike" kern="1200" cap="none" spc="0" normalizeH="0" baseline="0" noProof="0" dirty="0">
-                <a:ln>
-                  <a:noFill/>
-                </a:ln>
-                <a:solidFill>
-                  <a:srgbClr val="374151"/>
-                </a:solidFill>
-                <a:effectLst/>
-                <a:uLnTx/>
-                <a:uFillTx/>
-                <a:ea typeface="+mn-lt"/>
-                <a:cs typeface="+mn-lt"/>
-              </a:rPr>
-              <a:t>.</a:t>
-            </a:r>
-            <a:r>
-              <a:rPr lang="en-GB" dirty="0">
-                <a:solidFill>
-                  <a:srgbClr val="374151"/>
-                </a:solidFill>
-                <a:ea typeface="+mn-lt"/>
-                <a:cs typeface="+mn-lt"/>
-              </a:rPr>
-              <a:t> Performance testing typically involves activities such as load testing, stress testing, and scalability testing to simulate real-world usage scenarios and assess the system's robustness and stability.</a:t>
-            </a:r>
-          </a:p>
-          <a:p>
-            <a:pPr>
-              <a:tabLst/>
-              <a:defRPr/>
-            </a:pPr>
-            <a:endParaRPr lang="en-GB" dirty="0">
-              <a:solidFill>
-                <a:srgbClr val="374151"/>
-              </a:solidFill>
-              <a:ea typeface="+mn-lt"/>
-              <a:cs typeface="+mn-lt"/>
-            </a:endParaRPr>
-          </a:p>
-          <a:p>
-            <a:pPr>
-              <a:tabLst/>
-              <a:defRPr/>
-            </a:pPr>
-            <a:endParaRPr lang="en-GB" dirty="0">
-              <a:solidFill>
-                <a:srgbClr val="374151"/>
-              </a:solidFill>
-              <a:ea typeface="+mn-lt"/>
-              <a:cs typeface="+mn-lt"/>
-            </a:endParaRPr>
-          </a:p>
-          <a:p>
-            <a:pPr marL="0" marR="0" lvl="0" indent="0" algn="l" defTabSz="914400" rtl="0" eaLnBrk="1" fontAlgn="auto" latinLnBrk="0" hangingPunct="1">
-              <a:lnSpc>
-                <a:spcPct val="100000"/>
-              </a:lnSpc>
-              <a:spcBef>
-                <a:spcPts val="0"/>
-              </a:spcBef>
-              <a:spcAft>
-                <a:spcPts val="600"/>
-              </a:spcAft>
-              <a:buClrTx/>
-              <a:buSzPct val="100000"/>
-              <a:buFont typeface="Arial" panose="020B0604020202020204" pitchFamily="34" charset="0"/>
-              <a:buNone/>
-              <a:tabLst/>
-              <a:defRPr/>
-            </a:pPr>
-            <a:r>
-              <a:rPr kumimoji="0" lang="en-US" sz="1600" b="1" i="0" u="none" strike="noStrike" kern="1200" cap="none" spc="0" normalizeH="0" baseline="0" noProof="0" dirty="0">
-                <a:ln>
-                  <a:noFill/>
-                </a:ln>
-                <a:solidFill>
-                  <a:schemeClr val="accent2"/>
-                </a:solidFill>
-                <a:effectLst/>
-                <a:uLnTx/>
-                <a:uFillTx/>
-                <a:latin typeface="+mj-lt"/>
-                <a:ea typeface="+mn-ea"/>
-                <a:cs typeface="Calibri Light"/>
-              </a:rPr>
-              <a:t>Why is Important?</a:t>
-            </a:r>
-          </a:p>
-          <a:p>
-            <a:pPr>
-              <a:tabLst/>
-              <a:defRPr/>
-            </a:pPr>
-            <a:r>
-              <a:rPr lang="en-GB" b="1" dirty="0">
-                <a:solidFill>
-                  <a:prstClr val="black"/>
-                </a:solidFill>
-                <a:ea typeface="+mn-lt"/>
-                <a:cs typeface="+mn-lt"/>
-              </a:rPr>
-              <a:t>Risk Mitigation:</a:t>
-            </a:r>
-            <a:r>
-              <a:rPr lang="en-GB" dirty="0">
-                <a:solidFill>
-                  <a:srgbClr val="374151"/>
-                </a:solidFill>
-                <a:ea typeface="+mn-lt"/>
-                <a:cs typeface="+mn-lt"/>
-              </a:rPr>
-              <a:t> Performance testing aids in identifying and mitigating potential risks associated with system performance, providing confidence in the application's ability to handle varying workloads in real-world scenarios.</a:t>
-            </a:r>
-            <a:endParaRPr lang="en-GB" dirty="0">
-              <a:ea typeface="Calibri"/>
-            </a:endParaRPr>
-          </a:p>
-          <a:p>
-            <a:endParaRPr lang="en-GB" dirty="0">
-              <a:solidFill>
-                <a:srgbClr val="374151"/>
-              </a:solidFill>
-              <a:ea typeface="Calibri"/>
-              <a:cs typeface="Calibri"/>
-            </a:endParaRPr>
-          </a:p>
-          <a:p>
-            <a:r>
-              <a:rPr lang="en-GB" b="1" dirty="0">
-                <a:solidFill>
-                  <a:srgbClr val="374151"/>
-                </a:solidFill>
-                <a:ea typeface="+mn-lt"/>
-                <a:cs typeface="+mn-lt"/>
-              </a:rPr>
-              <a:t>User Experience Assurance:</a:t>
-            </a:r>
-            <a:r>
-              <a:rPr lang="en-GB" dirty="0">
-                <a:solidFill>
-                  <a:srgbClr val="374151"/>
-                </a:solidFill>
-                <a:ea typeface="+mn-lt"/>
-                <a:cs typeface="+mn-lt"/>
-              </a:rPr>
-              <a:t> Performance testing helps ensure that the software application delivers a seamless and responsive user experience, meeting user expectations for speed and reliability.</a:t>
-            </a:r>
-            <a:endParaRPr lang="en-GB" dirty="0"/>
-          </a:p>
-          <a:p>
-            <a:endParaRPr lang="en-GB" dirty="0">
-              <a:solidFill>
-                <a:srgbClr val="374151"/>
-              </a:solidFill>
-              <a:ea typeface="Calibri"/>
-              <a:cs typeface="Calibri"/>
-            </a:endParaRPr>
-          </a:p>
-          <a:p>
-            <a:r>
-              <a:rPr lang="en-GB" b="1" dirty="0">
-                <a:solidFill>
-                  <a:srgbClr val="374151"/>
-                </a:solidFill>
-                <a:ea typeface="+mn-lt"/>
-                <a:cs typeface="+mn-lt"/>
-              </a:rPr>
-              <a:t>Identifying Bottlenecks:</a:t>
-            </a:r>
-            <a:r>
-              <a:rPr lang="en-GB" dirty="0">
-                <a:solidFill>
-                  <a:srgbClr val="374151"/>
-                </a:solidFill>
-                <a:ea typeface="+mn-lt"/>
-                <a:cs typeface="+mn-lt"/>
-              </a:rPr>
-              <a:t> By simulating various levels of user loads, performance testing helps identify potential bottlenecks and weaknesses in the system, enabling proactive optimization before deployment.</a:t>
-            </a:r>
-            <a:endParaRPr lang="en-GB" dirty="0"/>
-          </a:p>
-          <a:p>
-            <a:endParaRPr lang="en-GB" dirty="0">
-              <a:solidFill>
-                <a:srgbClr val="374151"/>
-              </a:solidFill>
-              <a:ea typeface="Calibri"/>
-              <a:cs typeface="Calibri"/>
-            </a:endParaRPr>
-          </a:p>
-          <a:p>
-            <a:r>
-              <a:rPr lang="en-GB" b="1" dirty="0">
-                <a:solidFill>
-                  <a:srgbClr val="374151"/>
-                </a:solidFill>
-                <a:ea typeface="+mn-lt"/>
-                <a:cs typeface="+mn-lt"/>
-              </a:rPr>
-              <a:t>Scalability Assessment:</a:t>
-            </a:r>
-            <a:r>
-              <a:rPr lang="en-GB" dirty="0">
-                <a:solidFill>
-                  <a:srgbClr val="374151"/>
-                </a:solidFill>
-                <a:ea typeface="+mn-lt"/>
-                <a:cs typeface="+mn-lt"/>
-              </a:rPr>
-              <a:t> It assesses the system's scalability by testing its ability to handle increasing loads, helping organizations plan for future growth and ensuring the system's capacity aligns with business needs.</a:t>
-            </a:r>
-            <a:endParaRPr lang="en-GB" dirty="0">
-              <a:ea typeface="+mn-lt"/>
-              <a:cs typeface="+mn-lt"/>
-            </a:endParaRPr>
-          </a:p>
-          <a:p>
-            <a:endParaRPr lang="en-GB" dirty="0">
-              <a:solidFill>
-                <a:srgbClr val="374151"/>
-              </a:solidFill>
-              <a:ea typeface="Calibri"/>
-              <a:cs typeface="Calibri"/>
-            </a:endParaRPr>
-          </a:p>
-          <a:p>
-            <a:endParaRPr lang="en-GB" dirty="0">
-              <a:solidFill>
-                <a:srgbClr val="374151"/>
-              </a:solidFill>
-              <a:ea typeface="Calibri"/>
-              <a:cs typeface="Calibri"/>
-            </a:endParaRPr>
-          </a:p>
-          <a:p>
-            <a:endParaRPr lang="en-US" dirty="0">
-              <a:ea typeface="Calibri"/>
-            </a:endParaRPr>
-          </a:p>
-          <a:p>
-            <a:pPr>
-              <a:tabLst/>
-              <a:defRPr/>
-            </a:pPr>
-            <a:endParaRPr lang="en-GB" dirty="0">
-              <a:solidFill>
-                <a:prstClr val="black"/>
-              </a:solidFill>
-            </a:endParaRPr>
-          </a:p>
-        </p:txBody>
-      </p:sp>
-    </p:spTree>
-    <p:extLst>
-      <p:ext uri="{BB962C8B-B14F-4D97-AF65-F5344CB8AC3E}">
-        <p14:creationId xmlns:p14="http://schemas.microsoft.com/office/powerpoint/2010/main" val="1663820852"/>
-      </p:ext>
-    </p:extLst>
-  </p:cSld>
-  <p:clrMapOvr>
-    <a:masterClrMapping/>
-  </p:clrMapOvr>
-</p:notes>
-</file>
-
-<file path=ppt/notesSlides/notesSlide12.xml><?xml version="1.0" encoding="utf-8"?>
-<p:notes xmlns:a="http://schemas.openxmlformats.org/drawingml/2006/main" xmlns:r="http://schemas.openxmlformats.org/officeDocument/2006/relationships" xmlns:p="http://schemas.openxmlformats.org/presentationml/2006/main">
-  <p:cSld>
-    <p:spTree>
-      <p:nvGrpSpPr>
-        <p:cNvPr id="1" name=""/>
-        <p:cNvGrpSpPr/>
-        <p:nvPr/>
-      </p:nvGrpSpPr>
-      <p:grpSpPr>
-        <a:xfrm>
-          <a:off x="0" y="0"/>
-          <a:ext cx="0" cy="0"/>
-          <a:chOff x="0" y="0"/>
-          <a:chExt cx="0" cy="0"/>
-        </a:xfrm>
-      </p:grpSpPr>
-      <p:sp>
-        <p:nvSpPr>
-          <p:cNvPr id="2" name="Slide Image Placeholder 1"/>
-          <p:cNvSpPr>
-            <a:spLocks noGrp="1" noRot="1" noChangeAspect="1"/>
-          </p:cNvSpPr>
-          <p:nvPr>
-            <p:ph type="sldImg"/>
-          </p:nvPr>
-        </p:nvSpPr>
-        <p:spPr>
-          <a:xfrm>
-            <a:off x="458788" y="720725"/>
-            <a:ext cx="6397625" cy="3598863"/>
-          </a:xfrm>
-        </p:spPr>
-      </p:sp>
-      <p:sp>
-        <p:nvSpPr>
-          <p:cNvPr id="3" name="Notes Placeholder 2"/>
-          <p:cNvSpPr>
-            <a:spLocks noGrp="1"/>
-          </p:cNvSpPr>
-          <p:nvPr>
-            <p:ph type="body" idx="1"/>
-          </p:nvPr>
-        </p:nvSpPr>
-        <p:spPr/>
-        <p:txBody>
-          <a:bodyPr>
-            <a:normAutofit fontScale="92500" lnSpcReduction="20000"/>
-          </a:bodyPr>
-          <a:lstStyle/>
-          <a:p>
-            <a:pPr>
-              <a:tabLst/>
-              <a:defRPr/>
-            </a:pPr>
-            <a:r>
-              <a:rPr kumimoji="0" lang="en-US" sz="1600" b="1" i="0" u="none" strike="noStrike" kern="1200" cap="none" spc="0" normalizeH="0" baseline="0" noProof="0" dirty="0">
-                <a:ln>
-                  <a:noFill/>
-                </a:ln>
-                <a:solidFill>
-                  <a:schemeClr val="accent2"/>
-                </a:solidFill>
-                <a:effectLst/>
-                <a:uLnTx/>
-                <a:uFillTx/>
-                <a:latin typeface="+mj-lt"/>
-                <a:ea typeface="+mn-ea"/>
-                <a:cs typeface="Calibri Light"/>
-              </a:rPr>
-              <a:t>What is Performance Testing?</a:t>
-            </a:r>
-            <a:br>
-              <a:rPr lang="en-US" dirty="0"/>
-            </a:br>
-            <a:r>
-              <a:rPr kumimoji="0" lang="en-GB" sz="1200" b="0" i="0" u="none" strike="noStrike" kern="1200" cap="none" spc="0" normalizeH="0" baseline="0" noProof="0" dirty="0">
-                <a:ln>
-                  <a:noFill/>
-                </a:ln>
-                <a:solidFill>
-                  <a:srgbClr val="374151"/>
-                </a:solidFill>
-                <a:effectLst/>
-                <a:uLnTx/>
-                <a:uFillTx/>
-                <a:ea typeface="+mn-lt"/>
-                <a:cs typeface="+mn-lt"/>
-              </a:rPr>
-              <a:t>Performance testing is a </a:t>
-            </a:r>
-            <a:r>
-              <a:rPr lang="en-GB" dirty="0">
-                <a:solidFill>
-                  <a:srgbClr val="374151"/>
-                </a:solidFill>
-                <a:ea typeface="+mn-lt"/>
-                <a:cs typeface="+mn-lt"/>
-              </a:rPr>
-              <a:t>crucial aspect of software testing that focuses on evaluating the speed, responsiveness, and overall efficiency of a software application or system under various conditions. The primary goal is to assess how well the system performs under different workloads and to identify potential bottlenecks or performance issues.</a:t>
-            </a:r>
-            <a:endParaRPr lang="en-GB" dirty="0">
-              <a:solidFill>
-                <a:srgbClr val="000000"/>
-              </a:solidFill>
-              <a:ea typeface="+mn-lt"/>
-            </a:endParaRPr>
-          </a:p>
-          <a:p>
-            <a:pPr>
-              <a:tabLst/>
-              <a:defRPr/>
-            </a:pPr>
-            <a:endParaRPr lang="en-GB" dirty="0">
-              <a:solidFill>
-                <a:srgbClr val="374151"/>
-              </a:solidFill>
-              <a:ea typeface="+mn-lt"/>
-              <a:cs typeface="+mn-lt"/>
-            </a:endParaRPr>
-          </a:p>
-          <a:p>
-            <a:pPr>
-              <a:tabLst/>
-              <a:defRPr/>
-            </a:pPr>
-            <a:r>
-              <a:rPr lang="en-GB" dirty="0">
-                <a:solidFill>
-                  <a:srgbClr val="374151"/>
-                </a:solidFill>
-                <a:ea typeface="+mn-lt"/>
-                <a:cs typeface="+mn-lt"/>
-              </a:rPr>
-              <a:t> This </a:t>
-            </a:r>
-            <a:r>
-              <a:rPr kumimoji="0" lang="en-GB" sz="1200" b="0" i="0" u="none" strike="noStrike" kern="1200" cap="none" spc="0" normalizeH="0" baseline="0" noProof="0" dirty="0">
-                <a:ln>
-                  <a:noFill/>
-                </a:ln>
-                <a:solidFill>
-                  <a:srgbClr val="374151"/>
-                </a:solidFill>
-                <a:effectLst/>
-                <a:uLnTx/>
-                <a:uFillTx/>
-                <a:ea typeface="+mn-lt"/>
-                <a:cs typeface="+mn-lt"/>
-              </a:rPr>
-              <a:t>type of testing</a:t>
-            </a:r>
-            <a:r>
-              <a:rPr lang="en-GB" dirty="0">
-                <a:solidFill>
-                  <a:srgbClr val="374151"/>
-                </a:solidFill>
-                <a:ea typeface="+mn-lt"/>
-                <a:cs typeface="+mn-lt"/>
-              </a:rPr>
-              <a:t> helps ensure that the application meets performance requirements, delivers a satisfactory user experience, and can handle the expected load without degradation in performance</a:t>
-            </a:r>
-            <a:r>
-              <a:rPr kumimoji="0" lang="en-GB" sz="1200" b="0" i="0" u="none" strike="noStrike" kern="1200" cap="none" spc="0" normalizeH="0" baseline="0" noProof="0" dirty="0">
-                <a:ln>
-                  <a:noFill/>
-                </a:ln>
-                <a:solidFill>
-                  <a:srgbClr val="374151"/>
-                </a:solidFill>
-                <a:effectLst/>
-                <a:uLnTx/>
-                <a:uFillTx/>
-                <a:ea typeface="+mn-lt"/>
-                <a:cs typeface="+mn-lt"/>
-              </a:rPr>
-              <a:t>.</a:t>
-            </a:r>
-            <a:r>
-              <a:rPr lang="en-GB" dirty="0">
-                <a:solidFill>
-                  <a:srgbClr val="374151"/>
-                </a:solidFill>
-                <a:ea typeface="+mn-lt"/>
-                <a:cs typeface="+mn-lt"/>
-              </a:rPr>
-              <a:t> Performance testing typically involves activities such as load testing, stress testing, and scalability testing to simulate real-world usage scenarios and assess the system's robustness and stability.</a:t>
-            </a:r>
-          </a:p>
-          <a:p>
-            <a:pPr>
-              <a:tabLst/>
-              <a:defRPr/>
-            </a:pPr>
-            <a:endParaRPr lang="en-GB" dirty="0">
-              <a:solidFill>
-                <a:srgbClr val="374151"/>
-              </a:solidFill>
-              <a:ea typeface="+mn-lt"/>
-              <a:cs typeface="+mn-lt"/>
-            </a:endParaRPr>
-          </a:p>
-          <a:p>
-            <a:pPr>
-              <a:tabLst/>
-              <a:defRPr/>
-            </a:pPr>
-            <a:endParaRPr lang="en-GB" dirty="0">
-              <a:solidFill>
-                <a:srgbClr val="374151"/>
-              </a:solidFill>
-              <a:ea typeface="+mn-lt"/>
-              <a:cs typeface="+mn-lt"/>
-            </a:endParaRPr>
-          </a:p>
-          <a:p>
-            <a:pPr marL="0" marR="0" lvl="0" indent="0" algn="l" defTabSz="914400" rtl="0" eaLnBrk="1" fontAlgn="auto" latinLnBrk="0" hangingPunct="1">
-              <a:lnSpc>
-                <a:spcPct val="100000"/>
-              </a:lnSpc>
-              <a:spcBef>
-                <a:spcPts val="0"/>
-              </a:spcBef>
-              <a:spcAft>
-                <a:spcPts val="600"/>
-              </a:spcAft>
-              <a:buClrTx/>
-              <a:buSzPct val="100000"/>
-              <a:buFont typeface="Arial" panose="020B0604020202020204" pitchFamily="34" charset="0"/>
-              <a:buNone/>
-              <a:tabLst/>
-              <a:defRPr/>
-            </a:pPr>
-            <a:r>
-              <a:rPr kumimoji="0" lang="en-US" sz="1600" b="1" i="0" u="none" strike="noStrike" kern="1200" cap="none" spc="0" normalizeH="0" baseline="0" noProof="0" dirty="0">
-                <a:ln>
-                  <a:noFill/>
-                </a:ln>
-                <a:solidFill>
-                  <a:schemeClr val="accent2"/>
-                </a:solidFill>
-                <a:effectLst/>
-                <a:uLnTx/>
-                <a:uFillTx/>
-                <a:latin typeface="+mj-lt"/>
-                <a:ea typeface="+mn-ea"/>
-                <a:cs typeface="Calibri Light"/>
-              </a:rPr>
-              <a:t>Why is Important?</a:t>
-            </a:r>
-          </a:p>
-          <a:p>
-            <a:pPr>
-              <a:tabLst/>
-              <a:defRPr/>
-            </a:pPr>
-            <a:r>
-              <a:rPr lang="en-GB" b="1" dirty="0">
-                <a:solidFill>
-                  <a:prstClr val="black"/>
-                </a:solidFill>
-                <a:ea typeface="+mn-lt"/>
-                <a:cs typeface="+mn-lt"/>
-              </a:rPr>
-              <a:t>Risk Mitigation:</a:t>
-            </a:r>
-            <a:r>
-              <a:rPr lang="en-GB" dirty="0">
-                <a:solidFill>
-                  <a:srgbClr val="374151"/>
-                </a:solidFill>
-                <a:ea typeface="+mn-lt"/>
-                <a:cs typeface="+mn-lt"/>
-              </a:rPr>
-              <a:t> Performance testing aids in identifying and mitigating potential risks associated with system performance, providing confidence in the application's ability to handle varying workloads in real-world scenarios.</a:t>
-            </a:r>
-            <a:endParaRPr lang="en-GB" dirty="0">
-              <a:ea typeface="Calibri"/>
-            </a:endParaRPr>
-          </a:p>
-          <a:p>
-            <a:endParaRPr lang="en-GB" dirty="0">
-              <a:solidFill>
-                <a:srgbClr val="374151"/>
-              </a:solidFill>
-              <a:ea typeface="Calibri"/>
-              <a:cs typeface="Calibri"/>
-            </a:endParaRPr>
-          </a:p>
-          <a:p>
-            <a:r>
-              <a:rPr lang="en-GB" b="1" dirty="0">
-                <a:solidFill>
-                  <a:srgbClr val="374151"/>
-                </a:solidFill>
-                <a:ea typeface="+mn-lt"/>
-                <a:cs typeface="+mn-lt"/>
-              </a:rPr>
-              <a:t>User Experience Assurance:</a:t>
-            </a:r>
-            <a:r>
-              <a:rPr lang="en-GB" dirty="0">
-                <a:solidFill>
-                  <a:srgbClr val="374151"/>
-                </a:solidFill>
-                <a:ea typeface="+mn-lt"/>
-                <a:cs typeface="+mn-lt"/>
-              </a:rPr>
-              <a:t> Performance testing helps ensure that the software application delivers a seamless and responsive user experience, meeting user expectations for speed and reliability.</a:t>
-            </a:r>
-            <a:endParaRPr lang="en-GB" dirty="0"/>
-          </a:p>
-          <a:p>
-            <a:endParaRPr lang="en-GB" dirty="0">
-              <a:solidFill>
-                <a:srgbClr val="374151"/>
-              </a:solidFill>
-              <a:ea typeface="Calibri"/>
-              <a:cs typeface="Calibri"/>
-            </a:endParaRPr>
-          </a:p>
-          <a:p>
-            <a:r>
-              <a:rPr lang="en-GB" b="1" dirty="0">
-                <a:solidFill>
-                  <a:srgbClr val="374151"/>
-                </a:solidFill>
-                <a:ea typeface="+mn-lt"/>
-                <a:cs typeface="+mn-lt"/>
-              </a:rPr>
-              <a:t>Identifying Bottlenecks:</a:t>
-            </a:r>
-            <a:r>
-              <a:rPr lang="en-GB" dirty="0">
-                <a:solidFill>
-                  <a:srgbClr val="374151"/>
-                </a:solidFill>
-                <a:ea typeface="+mn-lt"/>
-                <a:cs typeface="+mn-lt"/>
-              </a:rPr>
-              <a:t> By simulating various levels of user loads, performance testing helps identify potential bottlenecks and weaknesses in the system, enabling proactive optimization before deployment.</a:t>
-            </a:r>
-            <a:endParaRPr lang="en-GB" dirty="0"/>
-          </a:p>
-          <a:p>
-            <a:endParaRPr lang="en-GB" dirty="0">
-              <a:solidFill>
-                <a:srgbClr val="374151"/>
-              </a:solidFill>
-              <a:ea typeface="Calibri"/>
-              <a:cs typeface="Calibri"/>
-            </a:endParaRPr>
-          </a:p>
-          <a:p>
-            <a:r>
-              <a:rPr lang="en-GB" b="1" dirty="0">
-                <a:solidFill>
-                  <a:srgbClr val="374151"/>
-                </a:solidFill>
-                <a:ea typeface="+mn-lt"/>
-                <a:cs typeface="+mn-lt"/>
-              </a:rPr>
-              <a:t>Scalability Assessment:</a:t>
-            </a:r>
-            <a:r>
-              <a:rPr lang="en-GB" dirty="0">
-                <a:solidFill>
-                  <a:srgbClr val="374151"/>
-                </a:solidFill>
-                <a:ea typeface="+mn-lt"/>
-                <a:cs typeface="+mn-lt"/>
-              </a:rPr>
-              <a:t> It assesses the system's scalability by testing its ability to handle increasing loads, helping organizations plan for future growth and ensuring the system's capacity aligns with business needs.</a:t>
-            </a:r>
-            <a:endParaRPr lang="en-GB" dirty="0">
-              <a:ea typeface="+mn-lt"/>
-              <a:cs typeface="+mn-lt"/>
-            </a:endParaRPr>
-          </a:p>
-          <a:p>
-            <a:endParaRPr lang="en-GB" dirty="0">
-              <a:solidFill>
-                <a:srgbClr val="374151"/>
-              </a:solidFill>
-              <a:ea typeface="Calibri"/>
-              <a:cs typeface="Calibri"/>
-            </a:endParaRPr>
-          </a:p>
-          <a:p>
-            <a:endParaRPr lang="en-GB" dirty="0">
-              <a:solidFill>
-                <a:srgbClr val="374151"/>
-              </a:solidFill>
-              <a:ea typeface="Calibri"/>
-              <a:cs typeface="Calibri"/>
-            </a:endParaRPr>
-          </a:p>
-          <a:p>
-            <a:endParaRPr lang="en-US" dirty="0">
-              <a:ea typeface="Calibri"/>
-            </a:endParaRPr>
-          </a:p>
-          <a:p>
-            <a:pPr>
-              <a:tabLst/>
-              <a:defRPr/>
-            </a:pPr>
-            <a:endParaRPr lang="en-GB" dirty="0">
-              <a:solidFill>
-                <a:prstClr val="black"/>
-              </a:solidFill>
-            </a:endParaRPr>
-          </a:p>
-        </p:txBody>
-      </p:sp>
-    </p:spTree>
-    <p:extLst>
-      <p:ext uri="{BB962C8B-B14F-4D97-AF65-F5344CB8AC3E}">
-        <p14:creationId xmlns:p14="http://schemas.microsoft.com/office/powerpoint/2010/main" val="2839893376"/>
-      </p:ext>
-    </p:extLst>
-  </p:cSld>
-  <p:clrMapOvr>
-    <a:masterClrMapping/>
-  </p:clrMapOvr>
-</p:notes>
-</file>
-
-<file path=ppt/notesSlides/notesSlide13.xml><?xml version="1.0" encoding="utf-8"?>
-<p:notes xmlns:a="http://schemas.openxmlformats.org/drawingml/2006/main" xmlns:r="http://schemas.openxmlformats.org/officeDocument/2006/relationships" xmlns:p="http://schemas.openxmlformats.org/presentationml/2006/main">
-  <p:cSld>
-    <p:spTree>
-      <p:nvGrpSpPr>
-        <p:cNvPr id="1" name=""/>
-        <p:cNvGrpSpPr/>
-        <p:nvPr/>
-      </p:nvGrpSpPr>
-      <p:grpSpPr>
-        <a:xfrm>
-          <a:off x="0" y="0"/>
-          <a:ext cx="0" cy="0"/>
-          <a:chOff x="0" y="0"/>
-          <a:chExt cx="0" cy="0"/>
-        </a:xfrm>
-      </p:grpSpPr>
-      <p:sp>
-        <p:nvSpPr>
-          <p:cNvPr id="2" name="Slide Image Placeholder 1"/>
-          <p:cNvSpPr>
-            <a:spLocks noGrp="1" noRot="1" noChangeAspect="1"/>
-          </p:cNvSpPr>
-          <p:nvPr>
-            <p:ph type="sldImg"/>
-          </p:nvPr>
-        </p:nvSpPr>
-        <p:spPr>
-          <a:xfrm>
-            <a:off x="458788" y="720725"/>
-            <a:ext cx="6397625" cy="3598863"/>
-          </a:xfrm>
-        </p:spPr>
-      </p:sp>
-      <p:sp>
-        <p:nvSpPr>
-          <p:cNvPr id="3" name="Notes Placeholder 2"/>
-          <p:cNvSpPr>
-            <a:spLocks noGrp="1"/>
-          </p:cNvSpPr>
-          <p:nvPr>
-            <p:ph type="body" idx="1"/>
-          </p:nvPr>
-        </p:nvSpPr>
-        <p:spPr/>
-        <p:txBody>
-          <a:bodyPr>
-            <a:normAutofit fontScale="92500" lnSpcReduction="20000"/>
-          </a:bodyPr>
-          <a:lstStyle/>
-          <a:p>
-            <a:pPr>
-              <a:tabLst/>
-              <a:defRPr/>
-            </a:pPr>
-            <a:r>
-              <a:rPr kumimoji="0" lang="en-US" sz="1600" b="1" i="0" u="none" strike="noStrike" kern="1200" cap="none" spc="0" normalizeH="0" baseline="0" noProof="0" dirty="0">
-                <a:ln>
-                  <a:noFill/>
-                </a:ln>
-                <a:solidFill>
-                  <a:schemeClr val="accent2"/>
-                </a:solidFill>
-                <a:effectLst/>
-                <a:uLnTx/>
-                <a:uFillTx/>
-                <a:latin typeface="+mj-lt"/>
-                <a:ea typeface="+mn-ea"/>
-                <a:cs typeface="Calibri Light"/>
-              </a:rPr>
-              <a:t>What is Performance Testing?</a:t>
-            </a:r>
-            <a:br>
-              <a:rPr lang="en-US" dirty="0"/>
-            </a:br>
-            <a:r>
-              <a:rPr kumimoji="0" lang="en-GB" sz="1200" b="0" i="0" u="none" strike="noStrike" kern="1200" cap="none" spc="0" normalizeH="0" baseline="0" noProof="0" dirty="0">
-                <a:ln>
-                  <a:noFill/>
-                </a:ln>
-                <a:solidFill>
-                  <a:srgbClr val="374151"/>
-                </a:solidFill>
-                <a:effectLst/>
-                <a:uLnTx/>
-                <a:uFillTx/>
-                <a:ea typeface="+mn-lt"/>
-                <a:cs typeface="+mn-lt"/>
-              </a:rPr>
-              <a:t>Performance testing is a </a:t>
-            </a:r>
-            <a:r>
-              <a:rPr lang="en-GB" dirty="0">
-                <a:solidFill>
-                  <a:srgbClr val="374151"/>
-                </a:solidFill>
-                <a:ea typeface="+mn-lt"/>
-                <a:cs typeface="+mn-lt"/>
-              </a:rPr>
-              <a:t>crucial aspect of software testing that focuses on evaluating the speed, responsiveness, and overall efficiency of a software application or system under various conditions. The primary goal is to assess how well the system performs under different workloads and to identify potential bottlenecks or performance issues.</a:t>
-            </a:r>
-            <a:endParaRPr lang="en-GB" dirty="0">
-              <a:solidFill>
-                <a:srgbClr val="000000"/>
-              </a:solidFill>
-              <a:ea typeface="+mn-lt"/>
-            </a:endParaRPr>
-          </a:p>
-          <a:p>
-            <a:pPr>
-              <a:tabLst/>
-              <a:defRPr/>
-            </a:pPr>
-            <a:endParaRPr lang="en-GB" dirty="0">
-              <a:solidFill>
-                <a:srgbClr val="374151"/>
-              </a:solidFill>
-              <a:ea typeface="+mn-lt"/>
-              <a:cs typeface="+mn-lt"/>
-            </a:endParaRPr>
-          </a:p>
-          <a:p>
-            <a:pPr>
-              <a:tabLst/>
-              <a:defRPr/>
-            </a:pPr>
-            <a:r>
-              <a:rPr lang="en-GB" dirty="0">
-                <a:solidFill>
-                  <a:srgbClr val="374151"/>
-                </a:solidFill>
-                <a:ea typeface="+mn-lt"/>
-                <a:cs typeface="+mn-lt"/>
-              </a:rPr>
-              <a:t> This </a:t>
-            </a:r>
-            <a:r>
-              <a:rPr kumimoji="0" lang="en-GB" sz="1200" b="0" i="0" u="none" strike="noStrike" kern="1200" cap="none" spc="0" normalizeH="0" baseline="0" noProof="0" dirty="0">
-                <a:ln>
-                  <a:noFill/>
-                </a:ln>
-                <a:solidFill>
-                  <a:srgbClr val="374151"/>
-                </a:solidFill>
-                <a:effectLst/>
-                <a:uLnTx/>
-                <a:uFillTx/>
-                <a:ea typeface="+mn-lt"/>
-                <a:cs typeface="+mn-lt"/>
-              </a:rPr>
-              <a:t>type of testing</a:t>
-            </a:r>
-            <a:r>
-              <a:rPr lang="en-GB" dirty="0">
-                <a:solidFill>
-                  <a:srgbClr val="374151"/>
-                </a:solidFill>
-                <a:ea typeface="+mn-lt"/>
-                <a:cs typeface="+mn-lt"/>
-              </a:rPr>
-              <a:t> helps ensure that the application meets performance requirements, delivers a satisfactory user experience, and can handle the expected load without degradation in performance</a:t>
-            </a:r>
-            <a:r>
-              <a:rPr kumimoji="0" lang="en-GB" sz="1200" b="0" i="0" u="none" strike="noStrike" kern="1200" cap="none" spc="0" normalizeH="0" baseline="0" noProof="0" dirty="0">
-                <a:ln>
-                  <a:noFill/>
-                </a:ln>
-                <a:solidFill>
-                  <a:srgbClr val="374151"/>
-                </a:solidFill>
-                <a:effectLst/>
-                <a:uLnTx/>
-                <a:uFillTx/>
-                <a:ea typeface="+mn-lt"/>
-                <a:cs typeface="+mn-lt"/>
-              </a:rPr>
-              <a:t>.</a:t>
-            </a:r>
-            <a:r>
-              <a:rPr lang="en-GB" dirty="0">
-                <a:solidFill>
-                  <a:srgbClr val="374151"/>
-                </a:solidFill>
-                <a:ea typeface="+mn-lt"/>
-                <a:cs typeface="+mn-lt"/>
-              </a:rPr>
-              <a:t> Performance testing typically involves activities such as load testing, stress testing, and scalability testing to simulate real-world usage scenarios and assess the system's robustness and stability.</a:t>
-            </a:r>
-          </a:p>
-          <a:p>
-            <a:pPr>
-              <a:tabLst/>
-              <a:defRPr/>
-            </a:pPr>
-            <a:endParaRPr lang="en-GB" dirty="0">
-              <a:solidFill>
-                <a:srgbClr val="374151"/>
-              </a:solidFill>
-              <a:ea typeface="+mn-lt"/>
-              <a:cs typeface="+mn-lt"/>
-            </a:endParaRPr>
-          </a:p>
-          <a:p>
-            <a:pPr>
-              <a:tabLst/>
-              <a:defRPr/>
-            </a:pPr>
-            <a:endParaRPr lang="en-GB" dirty="0">
-              <a:solidFill>
-                <a:srgbClr val="374151"/>
-              </a:solidFill>
-              <a:ea typeface="+mn-lt"/>
-              <a:cs typeface="+mn-lt"/>
-            </a:endParaRPr>
-          </a:p>
-          <a:p>
-            <a:pPr marL="0" marR="0" lvl="0" indent="0" algn="l" defTabSz="914400" rtl="0" eaLnBrk="1" fontAlgn="auto" latinLnBrk="0" hangingPunct="1">
-              <a:lnSpc>
-                <a:spcPct val="100000"/>
-              </a:lnSpc>
-              <a:spcBef>
-                <a:spcPts val="0"/>
-              </a:spcBef>
-              <a:spcAft>
-                <a:spcPts val="600"/>
-              </a:spcAft>
-              <a:buClrTx/>
-              <a:buSzPct val="100000"/>
-              <a:buFont typeface="Arial" panose="020B0604020202020204" pitchFamily="34" charset="0"/>
-              <a:buNone/>
-              <a:tabLst/>
-              <a:defRPr/>
-            </a:pPr>
-            <a:r>
-              <a:rPr kumimoji="0" lang="en-US" sz="1600" b="1" i="0" u="none" strike="noStrike" kern="1200" cap="none" spc="0" normalizeH="0" baseline="0" noProof="0" dirty="0">
-                <a:ln>
-                  <a:noFill/>
-                </a:ln>
-                <a:solidFill>
-                  <a:schemeClr val="accent2"/>
-                </a:solidFill>
-                <a:effectLst/>
-                <a:uLnTx/>
-                <a:uFillTx/>
-                <a:latin typeface="+mj-lt"/>
-                <a:ea typeface="+mn-ea"/>
-                <a:cs typeface="Calibri Light"/>
-              </a:rPr>
-              <a:t>Why is Important?</a:t>
-            </a:r>
-          </a:p>
-          <a:p>
-            <a:pPr>
-              <a:tabLst/>
-              <a:defRPr/>
-            </a:pPr>
-            <a:r>
-              <a:rPr lang="en-GB" b="1" dirty="0">
-                <a:solidFill>
-                  <a:prstClr val="black"/>
-                </a:solidFill>
-                <a:ea typeface="+mn-lt"/>
-                <a:cs typeface="+mn-lt"/>
-              </a:rPr>
-              <a:t>Risk Mitigation:</a:t>
-            </a:r>
-            <a:r>
-              <a:rPr lang="en-GB" dirty="0">
-                <a:solidFill>
-                  <a:srgbClr val="374151"/>
-                </a:solidFill>
-                <a:ea typeface="+mn-lt"/>
-                <a:cs typeface="+mn-lt"/>
-              </a:rPr>
-              <a:t> Performance testing aids in identifying and mitigating potential risks associated with system performance, providing confidence in the application's ability to handle varying workloads in real-world scenarios.</a:t>
-            </a:r>
-            <a:endParaRPr lang="en-GB" dirty="0">
-              <a:ea typeface="Calibri"/>
-            </a:endParaRPr>
-          </a:p>
-          <a:p>
-            <a:endParaRPr lang="en-GB" dirty="0">
-              <a:solidFill>
-                <a:srgbClr val="374151"/>
-              </a:solidFill>
-              <a:ea typeface="Calibri"/>
-              <a:cs typeface="Calibri"/>
-            </a:endParaRPr>
-          </a:p>
-          <a:p>
-            <a:r>
-              <a:rPr lang="en-GB" b="1" dirty="0">
-                <a:solidFill>
-                  <a:srgbClr val="374151"/>
-                </a:solidFill>
-                <a:ea typeface="+mn-lt"/>
-                <a:cs typeface="+mn-lt"/>
-              </a:rPr>
-              <a:t>User Experience Assurance:</a:t>
-            </a:r>
-            <a:r>
-              <a:rPr lang="en-GB" dirty="0">
-                <a:solidFill>
-                  <a:srgbClr val="374151"/>
-                </a:solidFill>
-                <a:ea typeface="+mn-lt"/>
-                <a:cs typeface="+mn-lt"/>
-              </a:rPr>
-              <a:t> Performance testing helps ensure that the software application delivers a seamless and responsive user experience, meeting user expectations for speed and reliability.</a:t>
-            </a:r>
-            <a:endParaRPr lang="en-GB" dirty="0"/>
-          </a:p>
-          <a:p>
-            <a:endParaRPr lang="en-GB" dirty="0">
-              <a:solidFill>
-                <a:srgbClr val="374151"/>
-              </a:solidFill>
-              <a:ea typeface="Calibri"/>
-              <a:cs typeface="Calibri"/>
-            </a:endParaRPr>
-          </a:p>
-          <a:p>
-            <a:r>
-              <a:rPr lang="en-GB" b="1" dirty="0">
-                <a:solidFill>
-                  <a:srgbClr val="374151"/>
-                </a:solidFill>
-                <a:ea typeface="+mn-lt"/>
-                <a:cs typeface="+mn-lt"/>
-              </a:rPr>
-              <a:t>Identifying Bottlenecks:</a:t>
-            </a:r>
-            <a:r>
-              <a:rPr lang="en-GB" dirty="0">
-                <a:solidFill>
-                  <a:srgbClr val="374151"/>
-                </a:solidFill>
-                <a:ea typeface="+mn-lt"/>
-                <a:cs typeface="+mn-lt"/>
-              </a:rPr>
-              <a:t> By simulating various levels of user loads, performance testing helps identify potential bottlenecks and weaknesses in the system, enabling proactive optimization before deployment.</a:t>
-            </a:r>
-            <a:endParaRPr lang="en-GB" dirty="0"/>
-          </a:p>
-          <a:p>
-            <a:endParaRPr lang="en-GB" dirty="0">
-              <a:solidFill>
-                <a:srgbClr val="374151"/>
-              </a:solidFill>
-              <a:ea typeface="Calibri"/>
-              <a:cs typeface="Calibri"/>
-            </a:endParaRPr>
-          </a:p>
-          <a:p>
-            <a:r>
-              <a:rPr lang="en-GB" b="1" dirty="0">
-                <a:solidFill>
-                  <a:srgbClr val="374151"/>
-                </a:solidFill>
-                <a:ea typeface="+mn-lt"/>
-                <a:cs typeface="+mn-lt"/>
-              </a:rPr>
-              <a:t>Scalability Assessment:</a:t>
-            </a:r>
-            <a:r>
-              <a:rPr lang="en-GB" dirty="0">
-                <a:solidFill>
-                  <a:srgbClr val="374151"/>
-                </a:solidFill>
-                <a:ea typeface="+mn-lt"/>
-                <a:cs typeface="+mn-lt"/>
-              </a:rPr>
-              <a:t> It assesses the system's scalability by testing its ability to handle increasing loads, helping organizations plan for future growth and ensuring the system's capacity aligns with business needs.</a:t>
-            </a:r>
-            <a:endParaRPr lang="en-GB" dirty="0">
-              <a:ea typeface="+mn-lt"/>
-              <a:cs typeface="+mn-lt"/>
-            </a:endParaRPr>
-          </a:p>
-          <a:p>
-            <a:endParaRPr lang="en-GB" dirty="0">
-              <a:solidFill>
-                <a:srgbClr val="374151"/>
-              </a:solidFill>
-              <a:ea typeface="Calibri"/>
-              <a:cs typeface="Calibri"/>
-            </a:endParaRPr>
-          </a:p>
-          <a:p>
-            <a:endParaRPr lang="en-GB" dirty="0">
-              <a:solidFill>
-                <a:srgbClr val="374151"/>
-              </a:solidFill>
-              <a:ea typeface="Calibri"/>
-              <a:cs typeface="Calibri"/>
-            </a:endParaRPr>
-          </a:p>
-          <a:p>
-            <a:endParaRPr lang="en-US" dirty="0">
-              <a:ea typeface="Calibri"/>
-            </a:endParaRPr>
-          </a:p>
-          <a:p>
-            <a:pPr>
-              <a:tabLst/>
-              <a:defRPr/>
-            </a:pPr>
-            <a:endParaRPr lang="en-GB" dirty="0">
-              <a:solidFill>
-                <a:prstClr val="black"/>
-              </a:solidFill>
-            </a:endParaRPr>
-          </a:p>
-        </p:txBody>
-      </p:sp>
-    </p:spTree>
-    <p:extLst>
-      <p:ext uri="{BB962C8B-B14F-4D97-AF65-F5344CB8AC3E}">
-        <p14:creationId xmlns:p14="http://schemas.microsoft.com/office/powerpoint/2010/main" val="3070044046"/>
-      </p:ext>
-    </p:extLst>
-  </p:cSld>
-  <p:clrMapOvr>
-    <a:masterClrMapping/>
-  </p:clrMapOvr>
-</p:notes>
-</file>
-
-<file path=ppt/notesSlides/notesSlide14.xml><?xml version="1.0" encoding="utf-8"?>
-<p:notes xmlns:a="http://schemas.openxmlformats.org/drawingml/2006/main" xmlns:r="http://schemas.openxmlformats.org/officeDocument/2006/relationships" xmlns:p="http://schemas.openxmlformats.org/presentationml/2006/main">
-  <p:cSld>
-    <p:spTree>
-      <p:nvGrpSpPr>
-        <p:cNvPr id="1" name=""/>
-        <p:cNvGrpSpPr/>
-        <p:nvPr/>
-      </p:nvGrpSpPr>
-      <p:grpSpPr>
-        <a:xfrm>
-          <a:off x="0" y="0"/>
-          <a:ext cx="0" cy="0"/>
-          <a:chOff x="0" y="0"/>
-          <a:chExt cx="0" cy="0"/>
-        </a:xfrm>
-      </p:grpSpPr>
-      <p:sp>
-        <p:nvSpPr>
-          <p:cNvPr id="2" name="Slide Image Placeholder 1"/>
-          <p:cNvSpPr>
-            <a:spLocks noGrp="1" noRot="1" noChangeAspect="1"/>
-          </p:cNvSpPr>
-          <p:nvPr>
-            <p:ph type="sldImg"/>
-          </p:nvPr>
-        </p:nvSpPr>
-        <p:spPr>
-          <a:xfrm>
-            <a:off x="458788" y="720725"/>
-            <a:ext cx="6397625" cy="3598863"/>
-          </a:xfrm>
-        </p:spPr>
-      </p:sp>
-      <p:sp>
-        <p:nvSpPr>
-          <p:cNvPr id="3" name="Notes Placeholder 2"/>
-          <p:cNvSpPr>
-            <a:spLocks noGrp="1"/>
-          </p:cNvSpPr>
-          <p:nvPr>
-            <p:ph type="body" idx="1"/>
-          </p:nvPr>
-        </p:nvSpPr>
-        <p:spPr/>
-        <p:txBody>
-          <a:bodyPr>
-            <a:normAutofit fontScale="92500" lnSpcReduction="20000"/>
-          </a:bodyPr>
-          <a:lstStyle/>
-          <a:p>
-            <a:pPr>
-              <a:tabLst/>
-              <a:defRPr/>
-            </a:pPr>
-            <a:r>
-              <a:rPr kumimoji="0" lang="en-US" sz="1600" b="1" i="0" u="none" strike="noStrike" kern="1200" cap="none" spc="0" normalizeH="0" baseline="0" noProof="0" dirty="0">
-                <a:ln>
-                  <a:noFill/>
-                </a:ln>
-                <a:solidFill>
-                  <a:schemeClr val="accent2"/>
-                </a:solidFill>
-                <a:effectLst/>
-                <a:uLnTx/>
-                <a:uFillTx/>
-                <a:latin typeface="+mj-lt"/>
-                <a:ea typeface="+mn-ea"/>
-                <a:cs typeface="Calibri Light"/>
-              </a:rPr>
-              <a:t>What is Performance Testing?</a:t>
-            </a:r>
-            <a:br>
-              <a:rPr lang="en-US" dirty="0"/>
-            </a:br>
-            <a:r>
-              <a:rPr kumimoji="0" lang="en-GB" sz="1200" b="0" i="0" u="none" strike="noStrike" kern="1200" cap="none" spc="0" normalizeH="0" baseline="0" noProof="0" dirty="0">
-                <a:ln>
-                  <a:noFill/>
-                </a:ln>
-                <a:solidFill>
-                  <a:srgbClr val="374151"/>
-                </a:solidFill>
-                <a:effectLst/>
-                <a:uLnTx/>
-                <a:uFillTx/>
-                <a:ea typeface="+mn-lt"/>
-                <a:cs typeface="+mn-lt"/>
-              </a:rPr>
-              <a:t>Performance testing is a </a:t>
-            </a:r>
-            <a:r>
-              <a:rPr lang="en-GB" dirty="0">
-                <a:solidFill>
-                  <a:srgbClr val="374151"/>
-                </a:solidFill>
-                <a:ea typeface="+mn-lt"/>
-                <a:cs typeface="+mn-lt"/>
-              </a:rPr>
-              <a:t>crucial aspect of software testing that focuses on evaluating the speed, responsiveness, and overall efficiency of a software application or system under various conditions. The primary goal is to assess how well the system performs under different workloads and to identify potential bottlenecks or performance issues.</a:t>
-            </a:r>
-            <a:endParaRPr lang="en-GB" dirty="0">
-              <a:solidFill>
-                <a:srgbClr val="000000"/>
-              </a:solidFill>
-              <a:ea typeface="+mn-lt"/>
-            </a:endParaRPr>
-          </a:p>
-          <a:p>
-            <a:pPr>
-              <a:tabLst/>
-              <a:defRPr/>
-            </a:pPr>
-            <a:endParaRPr lang="en-GB" dirty="0">
-              <a:solidFill>
-                <a:srgbClr val="374151"/>
-              </a:solidFill>
-              <a:ea typeface="+mn-lt"/>
-              <a:cs typeface="+mn-lt"/>
-            </a:endParaRPr>
-          </a:p>
-          <a:p>
-            <a:pPr>
-              <a:tabLst/>
-              <a:defRPr/>
-            </a:pPr>
-            <a:r>
-              <a:rPr lang="en-GB" dirty="0">
-                <a:solidFill>
-                  <a:srgbClr val="374151"/>
-                </a:solidFill>
-                <a:ea typeface="+mn-lt"/>
-                <a:cs typeface="+mn-lt"/>
-              </a:rPr>
-              <a:t> This </a:t>
-            </a:r>
-            <a:r>
-              <a:rPr kumimoji="0" lang="en-GB" sz="1200" b="0" i="0" u="none" strike="noStrike" kern="1200" cap="none" spc="0" normalizeH="0" baseline="0" noProof="0" dirty="0">
-                <a:ln>
-                  <a:noFill/>
-                </a:ln>
-                <a:solidFill>
-                  <a:srgbClr val="374151"/>
-                </a:solidFill>
-                <a:effectLst/>
-                <a:uLnTx/>
-                <a:uFillTx/>
-                <a:ea typeface="+mn-lt"/>
-                <a:cs typeface="+mn-lt"/>
-              </a:rPr>
-              <a:t>type of testing</a:t>
-            </a:r>
-            <a:r>
-              <a:rPr lang="en-GB" dirty="0">
-                <a:solidFill>
-                  <a:srgbClr val="374151"/>
-                </a:solidFill>
-                <a:ea typeface="+mn-lt"/>
-                <a:cs typeface="+mn-lt"/>
-              </a:rPr>
-              <a:t> helps ensure that the application meets performance requirements, delivers a satisfactory user experience, and can handle the expected load without degradation in performance</a:t>
-            </a:r>
-            <a:r>
-              <a:rPr kumimoji="0" lang="en-GB" sz="1200" b="0" i="0" u="none" strike="noStrike" kern="1200" cap="none" spc="0" normalizeH="0" baseline="0" noProof="0" dirty="0">
-                <a:ln>
-                  <a:noFill/>
-                </a:ln>
-                <a:solidFill>
-                  <a:srgbClr val="374151"/>
-                </a:solidFill>
-                <a:effectLst/>
-                <a:uLnTx/>
-                <a:uFillTx/>
-                <a:ea typeface="+mn-lt"/>
-                <a:cs typeface="+mn-lt"/>
-              </a:rPr>
-              <a:t>.</a:t>
-            </a:r>
-            <a:r>
-              <a:rPr lang="en-GB" dirty="0">
-                <a:solidFill>
-                  <a:srgbClr val="374151"/>
-                </a:solidFill>
-                <a:ea typeface="+mn-lt"/>
-                <a:cs typeface="+mn-lt"/>
-              </a:rPr>
-              <a:t> Performance testing typically involves activities such as load testing, stress testing, and scalability testing to simulate real-world usage scenarios and assess the system's robustness and stability.</a:t>
-            </a:r>
-          </a:p>
-          <a:p>
-            <a:pPr>
-              <a:tabLst/>
-              <a:defRPr/>
-            </a:pPr>
-            <a:endParaRPr lang="en-GB" dirty="0">
-              <a:solidFill>
-                <a:srgbClr val="374151"/>
-              </a:solidFill>
-              <a:ea typeface="+mn-lt"/>
-              <a:cs typeface="+mn-lt"/>
-            </a:endParaRPr>
-          </a:p>
-          <a:p>
-            <a:pPr>
-              <a:tabLst/>
-              <a:defRPr/>
-            </a:pPr>
-            <a:endParaRPr lang="en-GB" dirty="0">
-              <a:solidFill>
-                <a:srgbClr val="374151"/>
-              </a:solidFill>
-              <a:ea typeface="+mn-lt"/>
-              <a:cs typeface="+mn-lt"/>
-            </a:endParaRPr>
-          </a:p>
-          <a:p>
-            <a:pPr marL="0" marR="0" lvl="0" indent="0" algn="l" defTabSz="914400" rtl="0" eaLnBrk="1" fontAlgn="auto" latinLnBrk="0" hangingPunct="1">
-              <a:lnSpc>
-                <a:spcPct val="100000"/>
-              </a:lnSpc>
-              <a:spcBef>
-                <a:spcPts val="0"/>
-              </a:spcBef>
-              <a:spcAft>
-                <a:spcPts val="600"/>
-              </a:spcAft>
-              <a:buClrTx/>
-              <a:buSzPct val="100000"/>
-              <a:buFont typeface="Arial" panose="020B0604020202020204" pitchFamily="34" charset="0"/>
-              <a:buNone/>
-              <a:tabLst/>
-              <a:defRPr/>
-            </a:pPr>
-            <a:r>
-              <a:rPr kumimoji="0" lang="en-US" sz="1600" b="1" i="0" u="none" strike="noStrike" kern="1200" cap="none" spc="0" normalizeH="0" baseline="0" noProof="0" dirty="0">
-                <a:ln>
-                  <a:noFill/>
-                </a:ln>
-                <a:solidFill>
-                  <a:schemeClr val="accent2"/>
-                </a:solidFill>
-                <a:effectLst/>
-                <a:uLnTx/>
-                <a:uFillTx/>
-                <a:latin typeface="+mj-lt"/>
-                <a:ea typeface="+mn-ea"/>
-                <a:cs typeface="Calibri Light"/>
-              </a:rPr>
-              <a:t>Why is Important?</a:t>
-            </a:r>
-          </a:p>
-          <a:p>
-            <a:pPr>
-              <a:tabLst/>
-              <a:defRPr/>
-            </a:pPr>
-            <a:r>
-              <a:rPr lang="en-GB" b="1" dirty="0">
-                <a:solidFill>
-                  <a:prstClr val="black"/>
-                </a:solidFill>
-                <a:ea typeface="+mn-lt"/>
-                <a:cs typeface="+mn-lt"/>
-              </a:rPr>
-              <a:t>Risk Mitigation:</a:t>
-            </a:r>
-            <a:r>
-              <a:rPr lang="en-GB" dirty="0">
-                <a:solidFill>
-                  <a:srgbClr val="374151"/>
-                </a:solidFill>
-                <a:ea typeface="+mn-lt"/>
-                <a:cs typeface="+mn-lt"/>
-              </a:rPr>
-              <a:t> Performance testing aids in identifying and mitigating potential risks associated with system performance, providing confidence in the application's ability to handle varying workloads in real-world scenarios.</a:t>
-            </a:r>
-            <a:endParaRPr lang="en-GB" dirty="0">
-              <a:ea typeface="Calibri"/>
-            </a:endParaRPr>
-          </a:p>
-          <a:p>
-            <a:endParaRPr lang="en-GB" dirty="0">
-              <a:solidFill>
-                <a:srgbClr val="374151"/>
-              </a:solidFill>
-              <a:ea typeface="Calibri"/>
-              <a:cs typeface="Calibri"/>
-            </a:endParaRPr>
-          </a:p>
-          <a:p>
-            <a:r>
-              <a:rPr lang="en-GB" b="1" dirty="0">
-                <a:solidFill>
-                  <a:srgbClr val="374151"/>
-                </a:solidFill>
-                <a:ea typeface="+mn-lt"/>
-                <a:cs typeface="+mn-lt"/>
-              </a:rPr>
-              <a:t>User Experience Assurance:</a:t>
-            </a:r>
-            <a:r>
-              <a:rPr lang="en-GB" dirty="0">
-                <a:solidFill>
-                  <a:srgbClr val="374151"/>
-                </a:solidFill>
-                <a:ea typeface="+mn-lt"/>
-                <a:cs typeface="+mn-lt"/>
-              </a:rPr>
-              <a:t> Performance testing helps ensure that the software application delivers a seamless and responsive user experience, meeting user expectations for speed and reliability.</a:t>
-            </a:r>
-            <a:endParaRPr lang="en-GB" dirty="0"/>
-          </a:p>
-          <a:p>
-            <a:endParaRPr lang="en-GB" dirty="0">
-              <a:solidFill>
-                <a:srgbClr val="374151"/>
-              </a:solidFill>
-              <a:ea typeface="Calibri"/>
-              <a:cs typeface="Calibri"/>
-            </a:endParaRPr>
-          </a:p>
-          <a:p>
-            <a:r>
-              <a:rPr lang="en-GB" b="1" dirty="0">
-                <a:solidFill>
-                  <a:srgbClr val="374151"/>
-                </a:solidFill>
-                <a:ea typeface="+mn-lt"/>
-                <a:cs typeface="+mn-lt"/>
-              </a:rPr>
-              <a:t>Identifying Bottlenecks:</a:t>
-            </a:r>
-            <a:r>
-              <a:rPr lang="en-GB" dirty="0">
-                <a:solidFill>
-                  <a:srgbClr val="374151"/>
-                </a:solidFill>
-                <a:ea typeface="+mn-lt"/>
-                <a:cs typeface="+mn-lt"/>
-              </a:rPr>
-              <a:t> By simulating various levels of user loads, performance testing helps identify potential bottlenecks and weaknesses in the system, enabling proactive optimization before deployment.</a:t>
-            </a:r>
-            <a:endParaRPr lang="en-GB" dirty="0"/>
-          </a:p>
-          <a:p>
-            <a:endParaRPr lang="en-GB" dirty="0">
-              <a:solidFill>
-                <a:srgbClr val="374151"/>
-              </a:solidFill>
-              <a:ea typeface="Calibri"/>
-              <a:cs typeface="Calibri"/>
-            </a:endParaRPr>
-          </a:p>
-          <a:p>
-            <a:r>
-              <a:rPr lang="en-GB" b="1" dirty="0">
-                <a:solidFill>
-                  <a:srgbClr val="374151"/>
-                </a:solidFill>
-                <a:ea typeface="+mn-lt"/>
-                <a:cs typeface="+mn-lt"/>
-              </a:rPr>
-              <a:t>Scalability Assessment:</a:t>
-            </a:r>
-            <a:r>
-              <a:rPr lang="en-GB" dirty="0">
-                <a:solidFill>
-                  <a:srgbClr val="374151"/>
-                </a:solidFill>
-                <a:ea typeface="+mn-lt"/>
-                <a:cs typeface="+mn-lt"/>
-              </a:rPr>
-              <a:t> It assesses the system's scalability by testing its ability to handle increasing loads, helping organizations plan for future growth and ensuring the system's capacity aligns with business needs.</a:t>
-            </a:r>
-            <a:endParaRPr lang="en-GB" dirty="0">
-              <a:ea typeface="+mn-lt"/>
-              <a:cs typeface="+mn-lt"/>
-            </a:endParaRPr>
-          </a:p>
-          <a:p>
-            <a:endParaRPr lang="en-GB" dirty="0">
-              <a:solidFill>
-                <a:srgbClr val="374151"/>
-              </a:solidFill>
-              <a:ea typeface="Calibri"/>
-              <a:cs typeface="Calibri"/>
-            </a:endParaRPr>
-          </a:p>
-          <a:p>
-            <a:endParaRPr lang="en-GB" dirty="0">
-              <a:solidFill>
-                <a:srgbClr val="374151"/>
-              </a:solidFill>
-              <a:ea typeface="Calibri"/>
-              <a:cs typeface="Calibri"/>
-            </a:endParaRPr>
-          </a:p>
-          <a:p>
-            <a:endParaRPr lang="en-US" dirty="0">
-              <a:ea typeface="Calibri"/>
-            </a:endParaRPr>
-          </a:p>
-          <a:p>
-            <a:pPr>
-              <a:tabLst/>
-              <a:defRPr/>
-            </a:pPr>
-            <a:endParaRPr lang="en-GB" dirty="0">
-              <a:solidFill>
-                <a:prstClr val="black"/>
-              </a:solidFill>
-            </a:endParaRPr>
-          </a:p>
-        </p:txBody>
-      </p:sp>
-    </p:spTree>
-    <p:extLst>
-      <p:ext uri="{BB962C8B-B14F-4D97-AF65-F5344CB8AC3E}">
-        <p14:creationId xmlns:p14="http://schemas.microsoft.com/office/powerpoint/2010/main" val="370412200"/>
-      </p:ext>
-    </p:extLst>
-  </p:cSld>
-  <p:clrMapOvr>
-    <a:masterClrMapping/>
-  </p:clrMapOvr>
-</p:notes>
-</file>
-
-<file path=ppt/notesSlides/notesSlide15.xml><?xml version="1.0" encoding="utf-8"?>
-<p:notes xmlns:a="http://schemas.openxmlformats.org/drawingml/2006/main" xmlns:r="http://schemas.openxmlformats.org/officeDocument/2006/relationships" xmlns:p="http://schemas.openxmlformats.org/presentationml/2006/main">
-  <p:cSld>
-    <p:spTree>
-      <p:nvGrpSpPr>
-        <p:cNvPr id="1" name=""/>
-        <p:cNvGrpSpPr/>
-        <p:nvPr/>
-      </p:nvGrpSpPr>
-      <p:grpSpPr>
-        <a:xfrm>
-          <a:off x="0" y="0"/>
-          <a:ext cx="0" cy="0"/>
-          <a:chOff x="0" y="0"/>
-          <a:chExt cx="0" cy="0"/>
-        </a:xfrm>
-      </p:grpSpPr>
-      <p:sp>
-        <p:nvSpPr>
-          <p:cNvPr id="2" name="Slide Image Placeholder 1"/>
-          <p:cNvSpPr>
-            <a:spLocks noGrp="1" noRot="1" noChangeAspect="1"/>
-          </p:cNvSpPr>
-          <p:nvPr>
-            <p:ph type="sldImg"/>
-          </p:nvPr>
-        </p:nvSpPr>
-        <p:spPr>
-          <a:xfrm>
-            <a:off x="458788" y="720725"/>
-            <a:ext cx="6397625" cy="3598863"/>
-          </a:xfrm>
-        </p:spPr>
-      </p:sp>
-      <p:sp>
-        <p:nvSpPr>
-          <p:cNvPr id="3" name="Notes Placeholder 2"/>
-          <p:cNvSpPr>
-            <a:spLocks noGrp="1"/>
-          </p:cNvSpPr>
-          <p:nvPr>
-            <p:ph type="body" idx="1"/>
-          </p:nvPr>
-        </p:nvSpPr>
-        <p:spPr/>
-        <p:txBody>
-          <a:bodyPr>
-            <a:normAutofit fontScale="92500" lnSpcReduction="20000"/>
-          </a:bodyPr>
-          <a:lstStyle/>
-          <a:p>
-            <a:pPr>
-              <a:tabLst/>
-              <a:defRPr/>
-            </a:pPr>
-            <a:r>
-              <a:rPr kumimoji="0" lang="en-US" sz="1600" b="1" i="0" u="none" strike="noStrike" kern="1200" cap="none" spc="0" normalizeH="0" baseline="0" noProof="0" dirty="0">
-                <a:ln>
-                  <a:noFill/>
-                </a:ln>
-                <a:solidFill>
-                  <a:schemeClr val="accent2"/>
-                </a:solidFill>
-                <a:effectLst/>
-                <a:uLnTx/>
-                <a:uFillTx/>
-                <a:latin typeface="+mj-lt"/>
-                <a:ea typeface="+mn-ea"/>
-                <a:cs typeface="Calibri Light"/>
-              </a:rPr>
-              <a:t>What is Performance Testing?</a:t>
-            </a:r>
-            <a:br>
-              <a:rPr lang="en-US" dirty="0"/>
-            </a:br>
-            <a:r>
-              <a:rPr kumimoji="0" lang="en-GB" sz="1200" b="0" i="0" u="none" strike="noStrike" kern="1200" cap="none" spc="0" normalizeH="0" baseline="0" noProof="0" dirty="0">
-                <a:ln>
-                  <a:noFill/>
-                </a:ln>
-                <a:solidFill>
-                  <a:srgbClr val="374151"/>
-                </a:solidFill>
-                <a:effectLst/>
-                <a:uLnTx/>
-                <a:uFillTx/>
-                <a:ea typeface="+mn-lt"/>
-                <a:cs typeface="+mn-lt"/>
-              </a:rPr>
-              <a:t>Performance testing is a </a:t>
-            </a:r>
-            <a:r>
-              <a:rPr lang="en-GB" dirty="0">
-                <a:solidFill>
-                  <a:srgbClr val="374151"/>
-                </a:solidFill>
-                <a:ea typeface="+mn-lt"/>
-                <a:cs typeface="+mn-lt"/>
-              </a:rPr>
-              <a:t>crucial aspect of software testing that focuses on evaluating the speed, responsiveness, and overall efficiency of a software application or system under various conditions. The primary goal is to assess how well the system performs under different workloads and to identify potential bottlenecks or performance issues.</a:t>
-            </a:r>
-            <a:endParaRPr lang="en-GB" dirty="0">
-              <a:solidFill>
-                <a:srgbClr val="000000"/>
-              </a:solidFill>
-              <a:ea typeface="+mn-lt"/>
-            </a:endParaRPr>
-          </a:p>
-          <a:p>
-            <a:pPr>
-              <a:tabLst/>
-              <a:defRPr/>
-            </a:pPr>
-            <a:endParaRPr lang="en-GB" dirty="0">
-              <a:solidFill>
-                <a:srgbClr val="374151"/>
-              </a:solidFill>
-              <a:ea typeface="+mn-lt"/>
-              <a:cs typeface="+mn-lt"/>
-            </a:endParaRPr>
-          </a:p>
-          <a:p>
-            <a:pPr>
-              <a:tabLst/>
-              <a:defRPr/>
-            </a:pPr>
-            <a:r>
-              <a:rPr lang="en-GB" dirty="0">
-                <a:solidFill>
-                  <a:srgbClr val="374151"/>
-                </a:solidFill>
-                <a:ea typeface="+mn-lt"/>
-                <a:cs typeface="+mn-lt"/>
-              </a:rPr>
-              <a:t> This </a:t>
-            </a:r>
-            <a:r>
-              <a:rPr kumimoji="0" lang="en-GB" sz="1200" b="0" i="0" u="none" strike="noStrike" kern="1200" cap="none" spc="0" normalizeH="0" baseline="0" noProof="0" dirty="0">
-                <a:ln>
-                  <a:noFill/>
-                </a:ln>
-                <a:solidFill>
-                  <a:srgbClr val="374151"/>
-                </a:solidFill>
-                <a:effectLst/>
-                <a:uLnTx/>
-                <a:uFillTx/>
-                <a:ea typeface="+mn-lt"/>
-                <a:cs typeface="+mn-lt"/>
-              </a:rPr>
-              <a:t>type of testing</a:t>
-            </a:r>
-            <a:r>
-              <a:rPr lang="en-GB" dirty="0">
-                <a:solidFill>
-                  <a:srgbClr val="374151"/>
-                </a:solidFill>
-                <a:ea typeface="+mn-lt"/>
-                <a:cs typeface="+mn-lt"/>
-              </a:rPr>
-              <a:t> helps ensure that the application meets performance requirements, delivers a satisfactory user experience, and can handle the expected load without degradation in performance</a:t>
-            </a:r>
-            <a:r>
-              <a:rPr kumimoji="0" lang="en-GB" sz="1200" b="0" i="0" u="none" strike="noStrike" kern="1200" cap="none" spc="0" normalizeH="0" baseline="0" noProof="0" dirty="0">
-                <a:ln>
-                  <a:noFill/>
-                </a:ln>
-                <a:solidFill>
-                  <a:srgbClr val="374151"/>
-                </a:solidFill>
-                <a:effectLst/>
-                <a:uLnTx/>
-                <a:uFillTx/>
-                <a:ea typeface="+mn-lt"/>
-                <a:cs typeface="+mn-lt"/>
-              </a:rPr>
-              <a:t>.</a:t>
-            </a:r>
-            <a:r>
-              <a:rPr lang="en-GB" dirty="0">
-                <a:solidFill>
-                  <a:srgbClr val="374151"/>
-                </a:solidFill>
-                <a:ea typeface="+mn-lt"/>
-                <a:cs typeface="+mn-lt"/>
-              </a:rPr>
-              <a:t> Performance testing typically involves activities such as load testing, stress testing, and scalability testing to simulate real-world usage scenarios and assess the system's robustness and stability.</a:t>
-            </a:r>
-          </a:p>
-          <a:p>
-            <a:pPr>
-              <a:tabLst/>
-              <a:defRPr/>
-            </a:pPr>
-            <a:endParaRPr lang="en-GB" dirty="0">
-              <a:solidFill>
-                <a:srgbClr val="374151"/>
-              </a:solidFill>
-              <a:ea typeface="+mn-lt"/>
-              <a:cs typeface="+mn-lt"/>
-            </a:endParaRPr>
-          </a:p>
-          <a:p>
-            <a:pPr>
-              <a:tabLst/>
-              <a:defRPr/>
-            </a:pPr>
-            <a:endParaRPr lang="en-GB" dirty="0">
-              <a:solidFill>
-                <a:srgbClr val="374151"/>
-              </a:solidFill>
-              <a:ea typeface="+mn-lt"/>
-              <a:cs typeface="+mn-lt"/>
-            </a:endParaRPr>
-          </a:p>
-          <a:p>
-            <a:pPr marL="0" marR="0" lvl="0" indent="0" algn="l" defTabSz="914400" rtl="0" eaLnBrk="1" fontAlgn="auto" latinLnBrk="0" hangingPunct="1">
-              <a:lnSpc>
-                <a:spcPct val="100000"/>
-              </a:lnSpc>
-              <a:spcBef>
-                <a:spcPts val="0"/>
-              </a:spcBef>
-              <a:spcAft>
-                <a:spcPts val="600"/>
-              </a:spcAft>
-              <a:buClrTx/>
-              <a:buSzPct val="100000"/>
-              <a:buFont typeface="Arial" panose="020B0604020202020204" pitchFamily="34" charset="0"/>
-              <a:buNone/>
-              <a:tabLst/>
-              <a:defRPr/>
-            </a:pPr>
-            <a:r>
-              <a:rPr kumimoji="0" lang="en-US" sz="1600" b="1" i="0" u="none" strike="noStrike" kern="1200" cap="none" spc="0" normalizeH="0" baseline="0" noProof="0" dirty="0">
-                <a:ln>
-                  <a:noFill/>
-                </a:ln>
-                <a:solidFill>
-                  <a:schemeClr val="accent2"/>
-                </a:solidFill>
-                <a:effectLst/>
-                <a:uLnTx/>
-                <a:uFillTx/>
-                <a:latin typeface="+mj-lt"/>
-                <a:ea typeface="+mn-ea"/>
-                <a:cs typeface="Calibri Light"/>
-              </a:rPr>
-              <a:t>Why is Important?</a:t>
-            </a:r>
-          </a:p>
-          <a:p>
-            <a:pPr>
-              <a:tabLst/>
-              <a:defRPr/>
-            </a:pPr>
-            <a:r>
-              <a:rPr lang="en-GB" b="1" dirty="0">
-                <a:solidFill>
-                  <a:prstClr val="black"/>
-                </a:solidFill>
-                <a:ea typeface="+mn-lt"/>
-                <a:cs typeface="+mn-lt"/>
-              </a:rPr>
-              <a:t>Risk Mitigation:</a:t>
-            </a:r>
-            <a:r>
-              <a:rPr lang="en-GB" dirty="0">
-                <a:solidFill>
-                  <a:srgbClr val="374151"/>
-                </a:solidFill>
-                <a:ea typeface="+mn-lt"/>
-                <a:cs typeface="+mn-lt"/>
-              </a:rPr>
-              <a:t> Performance testing aids in identifying and mitigating potential risks associated with system performance, providing confidence in the application's ability to handle varying workloads in real-world scenarios.</a:t>
-            </a:r>
-            <a:endParaRPr lang="en-GB" dirty="0">
-              <a:ea typeface="Calibri"/>
-            </a:endParaRPr>
-          </a:p>
-          <a:p>
-            <a:endParaRPr lang="en-GB" dirty="0">
-              <a:solidFill>
-                <a:srgbClr val="374151"/>
-              </a:solidFill>
-              <a:ea typeface="Calibri"/>
-              <a:cs typeface="Calibri"/>
-            </a:endParaRPr>
-          </a:p>
-          <a:p>
-            <a:r>
-              <a:rPr lang="en-GB" b="1" dirty="0">
-                <a:solidFill>
-                  <a:srgbClr val="374151"/>
-                </a:solidFill>
-                <a:ea typeface="+mn-lt"/>
-                <a:cs typeface="+mn-lt"/>
-              </a:rPr>
-              <a:t>User Experience Assurance:</a:t>
-            </a:r>
-            <a:r>
-              <a:rPr lang="en-GB" dirty="0">
-                <a:solidFill>
-                  <a:srgbClr val="374151"/>
-                </a:solidFill>
-                <a:ea typeface="+mn-lt"/>
-                <a:cs typeface="+mn-lt"/>
-              </a:rPr>
-              <a:t> Performance testing helps ensure that the software application delivers a seamless and responsive user experience, meeting user expectations for speed and reliability.</a:t>
-            </a:r>
-            <a:endParaRPr lang="en-GB" dirty="0"/>
-          </a:p>
-          <a:p>
-            <a:endParaRPr lang="en-GB" dirty="0">
-              <a:solidFill>
-                <a:srgbClr val="374151"/>
-              </a:solidFill>
-              <a:ea typeface="Calibri"/>
-              <a:cs typeface="Calibri"/>
-            </a:endParaRPr>
-          </a:p>
-          <a:p>
-            <a:r>
-              <a:rPr lang="en-GB" b="1" dirty="0">
-                <a:solidFill>
-                  <a:srgbClr val="374151"/>
-                </a:solidFill>
-                <a:ea typeface="+mn-lt"/>
-                <a:cs typeface="+mn-lt"/>
-              </a:rPr>
-              <a:t>Identifying Bottlenecks:</a:t>
-            </a:r>
-            <a:r>
-              <a:rPr lang="en-GB" dirty="0">
-                <a:solidFill>
-                  <a:srgbClr val="374151"/>
-                </a:solidFill>
-                <a:ea typeface="+mn-lt"/>
-                <a:cs typeface="+mn-lt"/>
-              </a:rPr>
-              <a:t> By simulating various levels of user loads, performance testing helps identify potential bottlenecks and weaknesses in the system, enabling proactive optimization before deployment.</a:t>
-            </a:r>
-            <a:endParaRPr lang="en-GB" dirty="0"/>
-          </a:p>
-          <a:p>
-            <a:endParaRPr lang="en-GB" dirty="0">
-              <a:solidFill>
-                <a:srgbClr val="374151"/>
-              </a:solidFill>
-              <a:ea typeface="Calibri"/>
-              <a:cs typeface="Calibri"/>
-            </a:endParaRPr>
-          </a:p>
-          <a:p>
-            <a:r>
-              <a:rPr lang="en-GB" b="1" dirty="0">
-                <a:solidFill>
-                  <a:srgbClr val="374151"/>
-                </a:solidFill>
-                <a:ea typeface="+mn-lt"/>
-                <a:cs typeface="+mn-lt"/>
-              </a:rPr>
-              <a:t>Scalability Assessment:</a:t>
-            </a:r>
-            <a:r>
-              <a:rPr lang="en-GB" dirty="0">
-                <a:solidFill>
-                  <a:srgbClr val="374151"/>
-                </a:solidFill>
-                <a:ea typeface="+mn-lt"/>
-                <a:cs typeface="+mn-lt"/>
-              </a:rPr>
-              <a:t> It assesses the system's scalability by testing its ability to handle increasing loads, helping organizations plan for future growth and ensuring the system's capacity aligns with business needs.</a:t>
-            </a:r>
-            <a:endParaRPr lang="en-GB" dirty="0">
-              <a:ea typeface="+mn-lt"/>
-              <a:cs typeface="+mn-lt"/>
-            </a:endParaRPr>
-          </a:p>
-          <a:p>
-            <a:endParaRPr lang="en-GB" dirty="0">
-              <a:solidFill>
-                <a:srgbClr val="374151"/>
-              </a:solidFill>
-              <a:ea typeface="Calibri"/>
-              <a:cs typeface="Calibri"/>
-            </a:endParaRPr>
-          </a:p>
-          <a:p>
-            <a:endParaRPr lang="en-GB" dirty="0">
-              <a:solidFill>
-                <a:srgbClr val="374151"/>
-              </a:solidFill>
-              <a:ea typeface="Calibri"/>
-              <a:cs typeface="Calibri"/>
-            </a:endParaRPr>
-          </a:p>
-          <a:p>
-            <a:endParaRPr lang="en-US" dirty="0">
-              <a:ea typeface="Calibri"/>
-            </a:endParaRPr>
-          </a:p>
-          <a:p>
-            <a:pPr>
-              <a:tabLst/>
-              <a:defRPr/>
-            </a:pPr>
-            <a:endParaRPr lang="en-GB" dirty="0">
-              <a:solidFill>
-                <a:prstClr val="black"/>
-              </a:solidFill>
-            </a:endParaRPr>
-          </a:p>
-        </p:txBody>
-      </p:sp>
-    </p:spTree>
-    <p:extLst>
-      <p:ext uri="{BB962C8B-B14F-4D97-AF65-F5344CB8AC3E}">
-        <p14:creationId xmlns:p14="http://schemas.microsoft.com/office/powerpoint/2010/main" val="2692719721"/>
-      </p:ext>
-    </p:extLst>
-  </p:cSld>
-  <p:clrMapOvr>
-    <a:masterClrMapping/>
-  </p:clrMapOvr>
-</p:notes>
-</file>
-
-<file path=ppt/notesSlides/notesSlide16.xml><?xml version="1.0" encoding="utf-8"?>
-<p:notes xmlns:a="http://schemas.openxmlformats.org/drawingml/2006/main" xmlns:r="http://schemas.openxmlformats.org/officeDocument/2006/relationships" xmlns:p="http://schemas.openxmlformats.org/presentationml/2006/main">
-  <p:cSld>
-    <p:spTree>
-      <p:nvGrpSpPr>
-        <p:cNvPr id="1" name=""/>
-        <p:cNvGrpSpPr/>
-        <p:nvPr/>
-      </p:nvGrpSpPr>
-      <p:grpSpPr>
-        <a:xfrm>
-          <a:off x="0" y="0"/>
-          <a:ext cx="0" cy="0"/>
-          <a:chOff x="0" y="0"/>
-          <a:chExt cx="0" cy="0"/>
-        </a:xfrm>
-      </p:grpSpPr>
-      <p:sp>
-        <p:nvSpPr>
-          <p:cNvPr id="2" name="Slide Image Placeholder 1"/>
-          <p:cNvSpPr>
-            <a:spLocks noGrp="1" noRot="1" noChangeAspect="1"/>
-          </p:cNvSpPr>
-          <p:nvPr>
-            <p:ph type="sldImg"/>
-          </p:nvPr>
-        </p:nvSpPr>
-        <p:spPr>
-          <a:xfrm>
-            <a:off x="458788" y="720725"/>
-            <a:ext cx="6397625" cy="3598863"/>
-          </a:xfrm>
-        </p:spPr>
-      </p:sp>
-      <p:sp>
-        <p:nvSpPr>
-          <p:cNvPr id="3" name="Notes Placeholder 2"/>
-          <p:cNvSpPr>
-            <a:spLocks noGrp="1"/>
-          </p:cNvSpPr>
-          <p:nvPr>
-            <p:ph type="body" idx="1"/>
-          </p:nvPr>
-        </p:nvSpPr>
-        <p:spPr/>
-        <p:txBody>
-          <a:bodyPr>
-            <a:normAutofit fontScale="92500" lnSpcReduction="20000"/>
-          </a:bodyPr>
-          <a:lstStyle/>
-          <a:p>
-            <a:pPr>
-              <a:tabLst/>
-              <a:defRPr/>
-            </a:pPr>
-            <a:r>
-              <a:rPr kumimoji="0" lang="en-US" sz="1600" b="1" i="0" u="none" strike="noStrike" kern="1200" cap="none" spc="0" normalizeH="0" baseline="0" noProof="0" dirty="0">
-                <a:ln>
-                  <a:noFill/>
-                </a:ln>
-                <a:solidFill>
-                  <a:schemeClr val="accent2"/>
-                </a:solidFill>
-                <a:effectLst/>
-                <a:uLnTx/>
-                <a:uFillTx/>
-                <a:latin typeface="+mj-lt"/>
-                <a:ea typeface="+mn-ea"/>
-                <a:cs typeface="Calibri Light"/>
-              </a:rPr>
-              <a:t>What is Performance Testing?</a:t>
-            </a:r>
-            <a:br>
-              <a:rPr lang="en-US" dirty="0"/>
-            </a:br>
-            <a:r>
-              <a:rPr kumimoji="0" lang="en-GB" sz="1200" b="0" i="0" u="none" strike="noStrike" kern="1200" cap="none" spc="0" normalizeH="0" baseline="0" noProof="0" dirty="0">
-                <a:ln>
-                  <a:noFill/>
-                </a:ln>
-                <a:solidFill>
-                  <a:srgbClr val="374151"/>
-                </a:solidFill>
-                <a:effectLst/>
-                <a:uLnTx/>
-                <a:uFillTx/>
-                <a:ea typeface="+mn-lt"/>
-                <a:cs typeface="+mn-lt"/>
-              </a:rPr>
-              <a:t>Performance testing is a </a:t>
-            </a:r>
-            <a:r>
-              <a:rPr lang="en-GB" dirty="0">
-                <a:solidFill>
-                  <a:srgbClr val="374151"/>
-                </a:solidFill>
-                <a:ea typeface="+mn-lt"/>
-                <a:cs typeface="+mn-lt"/>
-              </a:rPr>
-              <a:t>crucial aspect of software testing that focuses on evaluating the speed, responsiveness, and overall efficiency of a software application or system under various conditions. The primary goal is to assess how well the system performs under different workloads and to identify potential bottlenecks or performance issues.</a:t>
-            </a:r>
-            <a:endParaRPr lang="en-GB" dirty="0">
-              <a:solidFill>
-                <a:srgbClr val="000000"/>
-              </a:solidFill>
-              <a:ea typeface="+mn-lt"/>
-            </a:endParaRPr>
-          </a:p>
-          <a:p>
-            <a:pPr>
-              <a:tabLst/>
-              <a:defRPr/>
-            </a:pPr>
-            <a:endParaRPr lang="en-GB" dirty="0">
-              <a:solidFill>
-                <a:srgbClr val="374151"/>
-              </a:solidFill>
-              <a:ea typeface="+mn-lt"/>
-              <a:cs typeface="+mn-lt"/>
-            </a:endParaRPr>
-          </a:p>
-          <a:p>
-            <a:pPr>
-              <a:tabLst/>
-              <a:defRPr/>
-            </a:pPr>
-            <a:r>
-              <a:rPr lang="en-GB" dirty="0">
-                <a:solidFill>
-                  <a:srgbClr val="374151"/>
-                </a:solidFill>
-                <a:ea typeface="+mn-lt"/>
-                <a:cs typeface="+mn-lt"/>
-              </a:rPr>
-              <a:t> This </a:t>
-            </a:r>
-            <a:r>
-              <a:rPr kumimoji="0" lang="en-GB" sz="1200" b="0" i="0" u="none" strike="noStrike" kern="1200" cap="none" spc="0" normalizeH="0" baseline="0" noProof="0" dirty="0">
-                <a:ln>
-                  <a:noFill/>
-                </a:ln>
-                <a:solidFill>
-                  <a:srgbClr val="374151"/>
-                </a:solidFill>
-                <a:effectLst/>
-                <a:uLnTx/>
-                <a:uFillTx/>
-                <a:ea typeface="+mn-lt"/>
-                <a:cs typeface="+mn-lt"/>
-              </a:rPr>
-              <a:t>type of testing</a:t>
-            </a:r>
-            <a:r>
-              <a:rPr lang="en-GB" dirty="0">
-                <a:solidFill>
-                  <a:srgbClr val="374151"/>
-                </a:solidFill>
-                <a:ea typeface="+mn-lt"/>
-                <a:cs typeface="+mn-lt"/>
-              </a:rPr>
-              <a:t> helps ensure that the application meets performance requirements, delivers a satisfactory user experience, and can handle the expected load without degradation in performance</a:t>
-            </a:r>
-            <a:r>
-              <a:rPr kumimoji="0" lang="en-GB" sz="1200" b="0" i="0" u="none" strike="noStrike" kern="1200" cap="none" spc="0" normalizeH="0" baseline="0" noProof="0" dirty="0">
-                <a:ln>
-                  <a:noFill/>
-                </a:ln>
-                <a:solidFill>
-                  <a:srgbClr val="374151"/>
-                </a:solidFill>
-                <a:effectLst/>
-                <a:uLnTx/>
-                <a:uFillTx/>
-                <a:ea typeface="+mn-lt"/>
-                <a:cs typeface="+mn-lt"/>
-              </a:rPr>
-              <a:t>.</a:t>
-            </a:r>
-            <a:r>
-              <a:rPr lang="en-GB" dirty="0">
-                <a:solidFill>
-                  <a:srgbClr val="374151"/>
-                </a:solidFill>
-                <a:ea typeface="+mn-lt"/>
-                <a:cs typeface="+mn-lt"/>
-              </a:rPr>
-              <a:t> Performance testing typically involves activities such as load testing, stress testing, and scalability testing to simulate real-world usage scenarios and assess the system's robustness and stability.</a:t>
-            </a:r>
-          </a:p>
-          <a:p>
-            <a:pPr>
-              <a:tabLst/>
-              <a:defRPr/>
-            </a:pPr>
-            <a:endParaRPr lang="en-GB" dirty="0">
-              <a:solidFill>
-                <a:srgbClr val="374151"/>
-              </a:solidFill>
-              <a:ea typeface="+mn-lt"/>
-              <a:cs typeface="+mn-lt"/>
-            </a:endParaRPr>
-          </a:p>
-          <a:p>
-            <a:pPr>
-              <a:tabLst/>
-              <a:defRPr/>
-            </a:pPr>
-            <a:endParaRPr lang="en-GB" dirty="0">
-              <a:solidFill>
-                <a:srgbClr val="374151"/>
-              </a:solidFill>
-              <a:ea typeface="+mn-lt"/>
-              <a:cs typeface="+mn-lt"/>
-            </a:endParaRPr>
-          </a:p>
-          <a:p>
-            <a:pPr marL="0" marR="0" lvl="0" indent="0" algn="l" defTabSz="914400" rtl="0" eaLnBrk="1" fontAlgn="auto" latinLnBrk="0" hangingPunct="1">
-              <a:lnSpc>
-                <a:spcPct val="100000"/>
-              </a:lnSpc>
-              <a:spcBef>
-                <a:spcPts val="0"/>
-              </a:spcBef>
-              <a:spcAft>
-                <a:spcPts val="600"/>
-              </a:spcAft>
-              <a:buClrTx/>
-              <a:buSzPct val="100000"/>
-              <a:buFont typeface="Arial" panose="020B0604020202020204" pitchFamily="34" charset="0"/>
-              <a:buNone/>
-              <a:tabLst/>
-              <a:defRPr/>
-            </a:pPr>
-            <a:r>
-              <a:rPr kumimoji="0" lang="en-US" sz="1600" b="1" i="0" u="none" strike="noStrike" kern="1200" cap="none" spc="0" normalizeH="0" baseline="0" noProof="0" dirty="0">
-                <a:ln>
-                  <a:noFill/>
-                </a:ln>
-                <a:solidFill>
-                  <a:schemeClr val="accent2"/>
-                </a:solidFill>
-                <a:effectLst/>
-                <a:uLnTx/>
-                <a:uFillTx/>
-                <a:latin typeface="+mj-lt"/>
-                <a:ea typeface="+mn-ea"/>
-                <a:cs typeface="Calibri Light"/>
-              </a:rPr>
-              <a:t>Why is Important?</a:t>
-            </a:r>
-          </a:p>
-          <a:p>
-            <a:pPr>
-              <a:tabLst/>
-              <a:defRPr/>
-            </a:pPr>
-            <a:r>
-              <a:rPr lang="en-GB" b="1" dirty="0">
-                <a:solidFill>
-                  <a:prstClr val="black"/>
-                </a:solidFill>
-                <a:ea typeface="+mn-lt"/>
-                <a:cs typeface="+mn-lt"/>
-              </a:rPr>
-              <a:t>Risk Mitigation:</a:t>
-            </a:r>
-            <a:r>
-              <a:rPr lang="en-GB" dirty="0">
-                <a:solidFill>
-                  <a:srgbClr val="374151"/>
-                </a:solidFill>
-                <a:ea typeface="+mn-lt"/>
-                <a:cs typeface="+mn-lt"/>
-              </a:rPr>
-              <a:t> Performance testing aids in identifying and mitigating potential risks associated with system performance, providing confidence in the application's ability to handle varying workloads in real-world scenarios.</a:t>
-            </a:r>
-            <a:endParaRPr lang="en-GB" dirty="0">
-              <a:ea typeface="Calibri"/>
-            </a:endParaRPr>
-          </a:p>
-          <a:p>
-            <a:endParaRPr lang="en-GB" dirty="0">
-              <a:solidFill>
-                <a:srgbClr val="374151"/>
-              </a:solidFill>
-              <a:ea typeface="Calibri"/>
-              <a:cs typeface="Calibri"/>
-            </a:endParaRPr>
-          </a:p>
-          <a:p>
-            <a:r>
-              <a:rPr lang="en-GB" b="1" dirty="0">
-                <a:solidFill>
-                  <a:srgbClr val="374151"/>
-                </a:solidFill>
-                <a:ea typeface="+mn-lt"/>
-                <a:cs typeface="+mn-lt"/>
-              </a:rPr>
-              <a:t>User Experience Assurance:</a:t>
-            </a:r>
-            <a:r>
-              <a:rPr lang="en-GB" dirty="0">
-                <a:solidFill>
-                  <a:srgbClr val="374151"/>
-                </a:solidFill>
-                <a:ea typeface="+mn-lt"/>
-                <a:cs typeface="+mn-lt"/>
-              </a:rPr>
-              <a:t> Performance testing helps ensure that the software application delivers a seamless and responsive user experience, meeting user expectations for speed and reliability.</a:t>
-            </a:r>
-            <a:endParaRPr lang="en-GB" dirty="0"/>
-          </a:p>
-          <a:p>
-            <a:endParaRPr lang="en-GB" dirty="0">
-              <a:solidFill>
-                <a:srgbClr val="374151"/>
-              </a:solidFill>
-              <a:ea typeface="Calibri"/>
-              <a:cs typeface="Calibri"/>
-            </a:endParaRPr>
-          </a:p>
-          <a:p>
-            <a:r>
-              <a:rPr lang="en-GB" b="1" dirty="0">
-                <a:solidFill>
-                  <a:srgbClr val="374151"/>
-                </a:solidFill>
-                <a:ea typeface="+mn-lt"/>
-                <a:cs typeface="+mn-lt"/>
-              </a:rPr>
-              <a:t>Identifying Bottlenecks:</a:t>
-            </a:r>
-            <a:r>
-              <a:rPr lang="en-GB" dirty="0">
-                <a:solidFill>
-                  <a:srgbClr val="374151"/>
-                </a:solidFill>
-                <a:ea typeface="+mn-lt"/>
-                <a:cs typeface="+mn-lt"/>
-              </a:rPr>
-              <a:t> By simulating various levels of user loads, performance testing helps identify potential bottlenecks and weaknesses in the system, enabling proactive optimization before deployment.</a:t>
-            </a:r>
-            <a:endParaRPr lang="en-GB" dirty="0"/>
-          </a:p>
-          <a:p>
-            <a:endParaRPr lang="en-GB" dirty="0">
-              <a:solidFill>
-                <a:srgbClr val="374151"/>
-              </a:solidFill>
-              <a:ea typeface="Calibri"/>
-              <a:cs typeface="Calibri"/>
-            </a:endParaRPr>
-          </a:p>
-          <a:p>
-            <a:r>
-              <a:rPr lang="en-GB" b="1" dirty="0">
-                <a:solidFill>
-                  <a:srgbClr val="374151"/>
-                </a:solidFill>
-                <a:ea typeface="+mn-lt"/>
-                <a:cs typeface="+mn-lt"/>
-              </a:rPr>
-              <a:t>Scalability Assessment:</a:t>
-            </a:r>
-            <a:r>
-              <a:rPr lang="en-GB" dirty="0">
-                <a:solidFill>
-                  <a:srgbClr val="374151"/>
-                </a:solidFill>
-                <a:ea typeface="+mn-lt"/>
-                <a:cs typeface="+mn-lt"/>
-              </a:rPr>
-              <a:t> It assesses the system's scalability by testing its ability to handle increasing loads, helping organizations plan for future growth and ensuring the system's capacity aligns with business needs.</a:t>
-            </a:r>
-            <a:endParaRPr lang="en-GB" dirty="0">
-              <a:ea typeface="+mn-lt"/>
-              <a:cs typeface="+mn-lt"/>
-            </a:endParaRPr>
-          </a:p>
-          <a:p>
-            <a:endParaRPr lang="en-GB" dirty="0">
-              <a:solidFill>
-                <a:srgbClr val="374151"/>
-              </a:solidFill>
-              <a:ea typeface="Calibri"/>
-              <a:cs typeface="Calibri"/>
-            </a:endParaRPr>
-          </a:p>
-          <a:p>
-            <a:endParaRPr lang="en-GB" dirty="0">
-              <a:solidFill>
-                <a:srgbClr val="374151"/>
-              </a:solidFill>
-              <a:ea typeface="Calibri"/>
-              <a:cs typeface="Calibri"/>
-            </a:endParaRPr>
-          </a:p>
-          <a:p>
-            <a:endParaRPr lang="en-US" dirty="0">
-              <a:ea typeface="Calibri"/>
-            </a:endParaRPr>
-          </a:p>
-          <a:p>
-            <a:pPr>
-              <a:tabLst/>
-              <a:defRPr/>
-            </a:pPr>
-            <a:endParaRPr lang="en-GB" dirty="0">
-              <a:solidFill>
-                <a:prstClr val="black"/>
-              </a:solidFill>
-            </a:endParaRPr>
-          </a:p>
-        </p:txBody>
-      </p:sp>
-    </p:spTree>
-    <p:extLst>
-      <p:ext uri="{BB962C8B-B14F-4D97-AF65-F5344CB8AC3E}">
-        <p14:creationId xmlns:p14="http://schemas.microsoft.com/office/powerpoint/2010/main" val="2410860346"/>
-      </p:ext>
-    </p:extLst>
-  </p:cSld>
-  <p:clrMapOvr>
-    <a:masterClrMapping/>
-  </p:clrMapOvr>
-</p:notes>
-</file>
-
-<file path=ppt/notesSlides/notesSlide17.xml><?xml version="1.0" encoding="utf-8"?>
-<p:notes xmlns:a="http://schemas.openxmlformats.org/drawingml/2006/main" xmlns:r="http://schemas.openxmlformats.org/officeDocument/2006/relationships" xmlns:p="http://schemas.openxmlformats.org/presentationml/2006/main">
-  <p:cSld>
-    <p:spTree>
-      <p:nvGrpSpPr>
-        <p:cNvPr id="1" name=""/>
-        <p:cNvGrpSpPr/>
-        <p:nvPr/>
-      </p:nvGrpSpPr>
-      <p:grpSpPr>
-        <a:xfrm>
-          <a:off x="0" y="0"/>
-          <a:ext cx="0" cy="0"/>
-          <a:chOff x="0" y="0"/>
-          <a:chExt cx="0" cy="0"/>
-        </a:xfrm>
-      </p:grpSpPr>
-      <p:sp>
-        <p:nvSpPr>
-          <p:cNvPr id="2" name="Slide Image Placeholder 1"/>
-          <p:cNvSpPr>
-            <a:spLocks noGrp="1" noRot="1" noChangeAspect="1"/>
-          </p:cNvSpPr>
-          <p:nvPr>
-            <p:ph type="sldImg"/>
-          </p:nvPr>
-        </p:nvSpPr>
-        <p:spPr>
-          <a:xfrm>
-            <a:off x="458788" y="720725"/>
-            <a:ext cx="6397625" cy="3598863"/>
-          </a:xfrm>
-        </p:spPr>
-      </p:sp>
-      <p:sp>
-        <p:nvSpPr>
-          <p:cNvPr id="3" name="Notes Placeholder 2"/>
-          <p:cNvSpPr>
-            <a:spLocks noGrp="1"/>
-          </p:cNvSpPr>
-          <p:nvPr>
-            <p:ph type="body" idx="1"/>
-          </p:nvPr>
-        </p:nvSpPr>
-        <p:spPr/>
-        <p:txBody>
-          <a:bodyPr>
-            <a:normAutofit fontScale="92500" lnSpcReduction="20000"/>
-          </a:bodyPr>
-          <a:lstStyle/>
-          <a:p>
-            <a:pPr>
-              <a:tabLst/>
-              <a:defRPr/>
-            </a:pPr>
-            <a:r>
-              <a:rPr kumimoji="0" lang="en-US" sz="1600" b="1" i="0" u="none" strike="noStrike" kern="1200" cap="none" spc="0" normalizeH="0" baseline="0" noProof="0" dirty="0">
-                <a:ln>
-                  <a:noFill/>
-                </a:ln>
-                <a:solidFill>
-                  <a:schemeClr val="accent2"/>
-                </a:solidFill>
-                <a:effectLst/>
-                <a:uLnTx/>
-                <a:uFillTx/>
-                <a:latin typeface="+mj-lt"/>
-                <a:ea typeface="+mn-ea"/>
-                <a:cs typeface="Calibri Light"/>
-              </a:rPr>
-              <a:t>What is Performance Testing?</a:t>
-            </a:r>
-            <a:br>
-              <a:rPr lang="en-US" dirty="0"/>
-            </a:br>
-            <a:r>
-              <a:rPr kumimoji="0" lang="en-GB" sz="1200" b="0" i="0" u="none" strike="noStrike" kern="1200" cap="none" spc="0" normalizeH="0" baseline="0" noProof="0" dirty="0">
-                <a:ln>
-                  <a:noFill/>
-                </a:ln>
-                <a:solidFill>
-                  <a:srgbClr val="374151"/>
-                </a:solidFill>
-                <a:effectLst/>
-                <a:uLnTx/>
-                <a:uFillTx/>
-                <a:ea typeface="+mn-lt"/>
-                <a:cs typeface="+mn-lt"/>
-              </a:rPr>
-              <a:t>Performance testing is a </a:t>
-            </a:r>
-            <a:r>
-              <a:rPr lang="en-GB" dirty="0">
-                <a:solidFill>
-                  <a:srgbClr val="374151"/>
-                </a:solidFill>
-                <a:ea typeface="+mn-lt"/>
-                <a:cs typeface="+mn-lt"/>
-              </a:rPr>
-              <a:t>crucial aspect of software testing that focuses on evaluating the speed, responsiveness, and overall efficiency of a software application or system under various conditions. The primary goal is to assess how well the system performs under different workloads and to identify potential bottlenecks or performance issues.</a:t>
-            </a:r>
-            <a:endParaRPr lang="en-GB" dirty="0">
-              <a:solidFill>
-                <a:srgbClr val="000000"/>
-              </a:solidFill>
-              <a:ea typeface="+mn-lt"/>
-            </a:endParaRPr>
-          </a:p>
-          <a:p>
-            <a:pPr>
-              <a:tabLst/>
-              <a:defRPr/>
-            </a:pPr>
-            <a:endParaRPr lang="en-GB" dirty="0">
-              <a:solidFill>
-                <a:srgbClr val="374151"/>
-              </a:solidFill>
-              <a:ea typeface="+mn-lt"/>
-              <a:cs typeface="+mn-lt"/>
-            </a:endParaRPr>
-          </a:p>
-          <a:p>
-            <a:pPr>
-              <a:tabLst/>
-              <a:defRPr/>
-            </a:pPr>
-            <a:r>
-              <a:rPr lang="en-GB" dirty="0">
-                <a:solidFill>
-                  <a:srgbClr val="374151"/>
-                </a:solidFill>
-                <a:ea typeface="+mn-lt"/>
-                <a:cs typeface="+mn-lt"/>
-              </a:rPr>
-              <a:t> This </a:t>
-            </a:r>
-            <a:r>
-              <a:rPr kumimoji="0" lang="en-GB" sz="1200" b="0" i="0" u="none" strike="noStrike" kern="1200" cap="none" spc="0" normalizeH="0" baseline="0" noProof="0" dirty="0">
-                <a:ln>
-                  <a:noFill/>
-                </a:ln>
-                <a:solidFill>
-                  <a:srgbClr val="374151"/>
-                </a:solidFill>
-                <a:effectLst/>
-                <a:uLnTx/>
-                <a:uFillTx/>
-                <a:ea typeface="+mn-lt"/>
-                <a:cs typeface="+mn-lt"/>
-              </a:rPr>
-              <a:t>type of testing</a:t>
-            </a:r>
-            <a:r>
-              <a:rPr lang="en-GB" dirty="0">
-                <a:solidFill>
-                  <a:srgbClr val="374151"/>
-                </a:solidFill>
-                <a:ea typeface="+mn-lt"/>
-                <a:cs typeface="+mn-lt"/>
-              </a:rPr>
-              <a:t> helps ensure that the application meets performance requirements, delivers a satisfactory user experience, and can handle the expected load without degradation in performance</a:t>
-            </a:r>
-            <a:r>
-              <a:rPr kumimoji="0" lang="en-GB" sz="1200" b="0" i="0" u="none" strike="noStrike" kern="1200" cap="none" spc="0" normalizeH="0" baseline="0" noProof="0" dirty="0">
-                <a:ln>
-                  <a:noFill/>
-                </a:ln>
-                <a:solidFill>
-                  <a:srgbClr val="374151"/>
-                </a:solidFill>
-                <a:effectLst/>
-                <a:uLnTx/>
-                <a:uFillTx/>
-                <a:ea typeface="+mn-lt"/>
-                <a:cs typeface="+mn-lt"/>
-              </a:rPr>
-              <a:t>.</a:t>
-            </a:r>
-            <a:r>
-              <a:rPr lang="en-GB" dirty="0">
-                <a:solidFill>
-                  <a:srgbClr val="374151"/>
-                </a:solidFill>
-                <a:ea typeface="+mn-lt"/>
-                <a:cs typeface="+mn-lt"/>
-              </a:rPr>
-              <a:t> Performance testing typically involves activities such as load testing, stress testing, and scalability testing to simulate real-world usage scenarios and assess the system's robustness and stability.</a:t>
-            </a:r>
-          </a:p>
-          <a:p>
-            <a:pPr>
-              <a:tabLst/>
-              <a:defRPr/>
-            </a:pPr>
-            <a:endParaRPr lang="en-GB" dirty="0">
-              <a:solidFill>
-                <a:srgbClr val="374151"/>
-              </a:solidFill>
-              <a:ea typeface="+mn-lt"/>
-              <a:cs typeface="+mn-lt"/>
-            </a:endParaRPr>
-          </a:p>
-          <a:p>
-            <a:pPr>
-              <a:tabLst/>
-              <a:defRPr/>
-            </a:pPr>
-            <a:endParaRPr lang="en-GB" dirty="0">
-              <a:solidFill>
-                <a:srgbClr val="374151"/>
-              </a:solidFill>
-              <a:ea typeface="+mn-lt"/>
-              <a:cs typeface="+mn-lt"/>
-            </a:endParaRPr>
-          </a:p>
-          <a:p>
-            <a:pPr marL="0" marR="0" lvl="0" indent="0" algn="l" defTabSz="914400" rtl="0" eaLnBrk="1" fontAlgn="auto" latinLnBrk="0" hangingPunct="1">
-              <a:lnSpc>
-                <a:spcPct val="100000"/>
-              </a:lnSpc>
-              <a:spcBef>
-                <a:spcPts val="0"/>
-              </a:spcBef>
-              <a:spcAft>
-                <a:spcPts val="600"/>
-              </a:spcAft>
-              <a:buClrTx/>
-              <a:buSzPct val="100000"/>
-              <a:buFont typeface="Arial" panose="020B0604020202020204" pitchFamily="34" charset="0"/>
-              <a:buNone/>
-              <a:tabLst/>
-              <a:defRPr/>
-            </a:pPr>
-            <a:r>
-              <a:rPr kumimoji="0" lang="en-US" sz="1600" b="1" i="0" u="none" strike="noStrike" kern="1200" cap="none" spc="0" normalizeH="0" baseline="0" noProof="0" dirty="0">
-                <a:ln>
-                  <a:noFill/>
-                </a:ln>
-                <a:solidFill>
-                  <a:schemeClr val="accent2"/>
-                </a:solidFill>
-                <a:effectLst/>
-                <a:uLnTx/>
-                <a:uFillTx/>
-                <a:latin typeface="+mj-lt"/>
-                <a:ea typeface="+mn-ea"/>
-                <a:cs typeface="Calibri Light"/>
-              </a:rPr>
-              <a:t>Why is Important?</a:t>
-            </a:r>
-          </a:p>
-          <a:p>
-            <a:pPr>
-              <a:tabLst/>
-              <a:defRPr/>
-            </a:pPr>
-            <a:r>
-              <a:rPr lang="en-GB" b="1" dirty="0">
-                <a:solidFill>
-                  <a:prstClr val="black"/>
-                </a:solidFill>
-                <a:ea typeface="+mn-lt"/>
-                <a:cs typeface="+mn-lt"/>
-              </a:rPr>
-              <a:t>Risk Mitigation:</a:t>
-            </a:r>
-            <a:r>
-              <a:rPr lang="en-GB" dirty="0">
-                <a:solidFill>
-                  <a:srgbClr val="374151"/>
-                </a:solidFill>
-                <a:ea typeface="+mn-lt"/>
-                <a:cs typeface="+mn-lt"/>
-              </a:rPr>
-              <a:t> Performance testing aids in identifying and mitigating potential risks associated with system performance, providing confidence in the application's ability to handle varying workloads in real-world scenarios.</a:t>
-            </a:r>
-            <a:endParaRPr lang="en-GB" dirty="0">
-              <a:ea typeface="Calibri"/>
-            </a:endParaRPr>
-          </a:p>
-          <a:p>
-            <a:endParaRPr lang="en-GB" dirty="0">
-              <a:solidFill>
-                <a:srgbClr val="374151"/>
-              </a:solidFill>
-              <a:ea typeface="Calibri"/>
-              <a:cs typeface="Calibri"/>
-            </a:endParaRPr>
-          </a:p>
-          <a:p>
-            <a:r>
-              <a:rPr lang="en-GB" b="1" dirty="0">
-                <a:solidFill>
-                  <a:srgbClr val="374151"/>
-                </a:solidFill>
-                <a:ea typeface="+mn-lt"/>
-                <a:cs typeface="+mn-lt"/>
-              </a:rPr>
-              <a:t>User Experience Assurance:</a:t>
-            </a:r>
-            <a:r>
-              <a:rPr lang="en-GB" dirty="0">
-                <a:solidFill>
-                  <a:srgbClr val="374151"/>
-                </a:solidFill>
-                <a:ea typeface="+mn-lt"/>
-                <a:cs typeface="+mn-lt"/>
-              </a:rPr>
-              <a:t> Performance testing helps ensure that the software application delivers a seamless and responsive user experience, meeting user expectations for speed and reliability.</a:t>
-            </a:r>
-            <a:endParaRPr lang="en-GB" dirty="0"/>
-          </a:p>
-          <a:p>
-            <a:endParaRPr lang="en-GB" dirty="0">
-              <a:solidFill>
-                <a:srgbClr val="374151"/>
-              </a:solidFill>
-              <a:ea typeface="Calibri"/>
-              <a:cs typeface="Calibri"/>
-            </a:endParaRPr>
-          </a:p>
-          <a:p>
-            <a:r>
-              <a:rPr lang="en-GB" b="1" dirty="0">
-                <a:solidFill>
-                  <a:srgbClr val="374151"/>
-                </a:solidFill>
-                <a:ea typeface="+mn-lt"/>
-                <a:cs typeface="+mn-lt"/>
-              </a:rPr>
-              <a:t>Identifying Bottlenecks:</a:t>
-            </a:r>
-            <a:r>
-              <a:rPr lang="en-GB" dirty="0">
-                <a:solidFill>
-                  <a:srgbClr val="374151"/>
-                </a:solidFill>
-                <a:ea typeface="+mn-lt"/>
-                <a:cs typeface="+mn-lt"/>
-              </a:rPr>
-              <a:t> By simulating various levels of user loads, performance testing helps identify potential bottlenecks and weaknesses in the system, enabling proactive optimization before deployment.</a:t>
-            </a:r>
-            <a:endParaRPr lang="en-GB" dirty="0"/>
-          </a:p>
-          <a:p>
-            <a:endParaRPr lang="en-GB" dirty="0">
-              <a:solidFill>
-                <a:srgbClr val="374151"/>
-              </a:solidFill>
-              <a:ea typeface="Calibri"/>
-              <a:cs typeface="Calibri"/>
-            </a:endParaRPr>
-          </a:p>
-          <a:p>
-            <a:r>
-              <a:rPr lang="en-GB" b="1" dirty="0">
-                <a:solidFill>
-                  <a:srgbClr val="374151"/>
-                </a:solidFill>
-                <a:ea typeface="+mn-lt"/>
-                <a:cs typeface="+mn-lt"/>
-              </a:rPr>
-              <a:t>Scalability Assessment:</a:t>
-            </a:r>
-            <a:r>
-              <a:rPr lang="en-GB" dirty="0">
-                <a:solidFill>
-                  <a:srgbClr val="374151"/>
-                </a:solidFill>
-                <a:ea typeface="+mn-lt"/>
-                <a:cs typeface="+mn-lt"/>
-              </a:rPr>
-              <a:t> It assesses the system's scalability by testing its ability to handle increasing loads, helping organizations plan for future growth and ensuring the system's capacity aligns with business needs.</a:t>
-            </a:r>
-            <a:endParaRPr lang="en-GB" dirty="0">
-              <a:ea typeface="+mn-lt"/>
-              <a:cs typeface="+mn-lt"/>
-            </a:endParaRPr>
-          </a:p>
-          <a:p>
-            <a:endParaRPr lang="en-GB" dirty="0">
-              <a:solidFill>
-                <a:srgbClr val="374151"/>
-              </a:solidFill>
-              <a:ea typeface="Calibri"/>
-              <a:cs typeface="Calibri"/>
-            </a:endParaRPr>
-          </a:p>
-          <a:p>
-            <a:endParaRPr lang="en-GB" dirty="0">
-              <a:solidFill>
-                <a:srgbClr val="374151"/>
-              </a:solidFill>
-              <a:ea typeface="Calibri"/>
-              <a:cs typeface="Calibri"/>
-            </a:endParaRPr>
-          </a:p>
-          <a:p>
-            <a:endParaRPr lang="en-US" dirty="0">
-              <a:ea typeface="Calibri"/>
-            </a:endParaRPr>
-          </a:p>
-          <a:p>
-            <a:pPr>
-              <a:tabLst/>
-              <a:defRPr/>
-            </a:pPr>
-            <a:endParaRPr lang="en-GB" dirty="0">
-              <a:solidFill>
-                <a:prstClr val="black"/>
-              </a:solidFill>
-            </a:endParaRPr>
-          </a:p>
-        </p:txBody>
-      </p:sp>
-    </p:spTree>
-    <p:extLst>
-      <p:ext uri="{BB962C8B-B14F-4D97-AF65-F5344CB8AC3E}">
-        <p14:creationId xmlns:p14="http://schemas.microsoft.com/office/powerpoint/2010/main" val="3095426127"/>
-      </p:ext>
-    </p:extLst>
-  </p:cSld>
-  <p:clrMapOvr>
-    <a:masterClrMapping/>
-  </p:clrMapOvr>
-</p:notes>
-</file>
-
-<file path=ppt/notesSlides/notesSlide2.xml><?xml version="1.0" encoding="utf-8"?>
-<p:notes xmlns:a="http://schemas.openxmlformats.org/drawingml/2006/main" xmlns:r="http://schemas.openxmlformats.org/officeDocument/2006/relationships" xmlns:p="http://schemas.openxmlformats.org/presentationml/2006/main">
-  <p:cSld>
-    <p:spTree>
-      <p:nvGrpSpPr>
-        <p:cNvPr id="1" name=""/>
-        <p:cNvGrpSpPr/>
-        <p:nvPr/>
-      </p:nvGrpSpPr>
-      <p:grpSpPr>
-        <a:xfrm>
-          <a:off x="0" y="0"/>
-          <a:ext cx="0" cy="0"/>
-          <a:chOff x="0" y="0"/>
-          <a:chExt cx="0" cy="0"/>
-        </a:xfrm>
-      </p:grpSpPr>
-      <p:sp>
-        <p:nvSpPr>
-          <p:cNvPr id="2" name="Slide Image Placeholder 1"/>
-          <p:cNvSpPr>
-            <a:spLocks noGrp="1" noRot="1" noChangeAspect="1"/>
-          </p:cNvSpPr>
-          <p:nvPr>
-            <p:ph type="sldImg"/>
-          </p:nvPr>
-        </p:nvSpPr>
-        <p:spPr>
-          <a:xfrm>
-            <a:off x="458788" y="720725"/>
-            <a:ext cx="6397625" cy="3598863"/>
-          </a:xfrm>
-        </p:spPr>
-      </p:sp>
-      <p:sp>
-        <p:nvSpPr>
-          <p:cNvPr id="3" name="Notes Placeholder 2"/>
-          <p:cNvSpPr>
-            <a:spLocks noGrp="1"/>
-          </p:cNvSpPr>
-          <p:nvPr>
-            <p:ph type="body" idx="1"/>
-          </p:nvPr>
-        </p:nvSpPr>
-        <p:spPr/>
-        <p:txBody>
-          <a:bodyPr>
-            <a:normAutofit fontScale="92500" lnSpcReduction="20000"/>
-          </a:bodyPr>
-          <a:lstStyle/>
-          <a:p>
-            <a:pPr>
-              <a:tabLst/>
-              <a:defRPr/>
-            </a:pPr>
-            <a:r>
-              <a:rPr kumimoji="0" lang="en-US" sz="1600" b="1" i="0" u="none" strike="noStrike" kern="1200" cap="none" spc="0" normalizeH="0" baseline="0" noProof="0" dirty="0">
-                <a:ln>
-                  <a:noFill/>
-                </a:ln>
-                <a:solidFill>
-                  <a:schemeClr val="accent2"/>
-                </a:solidFill>
-                <a:effectLst/>
-                <a:uLnTx/>
-                <a:uFillTx/>
-                <a:latin typeface="+mj-lt"/>
-                <a:ea typeface="+mn-ea"/>
-                <a:cs typeface="Calibri Light"/>
-              </a:rPr>
-              <a:t>What is Performance Testing?</a:t>
-            </a:r>
-            <a:br>
-              <a:rPr lang="en-US" dirty="0"/>
-            </a:br>
-            <a:r>
-              <a:rPr kumimoji="0" lang="en-GB" sz="1200" b="0" i="0" u="none" strike="noStrike" kern="1200" cap="none" spc="0" normalizeH="0" baseline="0" noProof="0" dirty="0">
-                <a:ln>
-                  <a:noFill/>
-                </a:ln>
-                <a:solidFill>
-                  <a:srgbClr val="374151"/>
-                </a:solidFill>
-                <a:effectLst/>
-                <a:uLnTx/>
-                <a:uFillTx/>
-                <a:ea typeface="+mn-lt"/>
-                <a:cs typeface="+mn-lt"/>
-              </a:rPr>
-              <a:t>Performance testing is a </a:t>
-            </a:r>
-            <a:r>
-              <a:rPr lang="en-GB" dirty="0">
-                <a:solidFill>
-                  <a:srgbClr val="374151"/>
-                </a:solidFill>
-                <a:ea typeface="+mn-lt"/>
-                <a:cs typeface="+mn-lt"/>
-              </a:rPr>
-              <a:t>crucial aspect of software testing that focuses on evaluating the speed, responsiveness, and overall efficiency of a software application or system under various conditions. The primary goal is to assess how well the system performs under different workloads and to identify potential bottlenecks or performance issues.</a:t>
-            </a:r>
-            <a:endParaRPr lang="en-GB" dirty="0">
-              <a:solidFill>
-                <a:srgbClr val="000000"/>
-              </a:solidFill>
-              <a:ea typeface="+mn-lt"/>
-            </a:endParaRPr>
-          </a:p>
-          <a:p>
-            <a:pPr>
-              <a:tabLst/>
-              <a:defRPr/>
-            </a:pPr>
-            <a:endParaRPr lang="en-GB" dirty="0">
-              <a:solidFill>
-                <a:srgbClr val="374151"/>
-              </a:solidFill>
-              <a:ea typeface="+mn-lt"/>
-              <a:cs typeface="+mn-lt"/>
-            </a:endParaRPr>
-          </a:p>
-          <a:p>
-            <a:pPr>
-              <a:tabLst/>
-              <a:defRPr/>
-            </a:pPr>
-            <a:r>
-              <a:rPr lang="en-GB" dirty="0">
-                <a:solidFill>
-                  <a:srgbClr val="374151"/>
-                </a:solidFill>
-                <a:ea typeface="+mn-lt"/>
-                <a:cs typeface="+mn-lt"/>
-              </a:rPr>
-              <a:t> This </a:t>
-            </a:r>
-            <a:r>
-              <a:rPr kumimoji="0" lang="en-GB" sz="1200" b="0" i="0" u="none" strike="noStrike" kern="1200" cap="none" spc="0" normalizeH="0" baseline="0" noProof="0" dirty="0">
-                <a:ln>
-                  <a:noFill/>
-                </a:ln>
-                <a:solidFill>
-                  <a:srgbClr val="374151"/>
-                </a:solidFill>
-                <a:effectLst/>
-                <a:uLnTx/>
-                <a:uFillTx/>
-                <a:ea typeface="+mn-lt"/>
-                <a:cs typeface="+mn-lt"/>
-              </a:rPr>
-              <a:t>type of testing</a:t>
-            </a:r>
-            <a:r>
-              <a:rPr lang="en-GB" dirty="0">
-                <a:solidFill>
-                  <a:srgbClr val="374151"/>
-                </a:solidFill>
-                <a:ea typeface="+mn-lt"/>
-                <a:cs typeface="+mn-lt"/>
-              </a:rPr>
-              <a:t> helps ensure that the application meets performance requirements, delivers a satisfactory user experience, and can handle the expected load without degradation in performance</a:t>
-            </a:r>
-            <a:r>
-              <a:rPr kumimoji="0" lang="en-GB" sz="1200" b="0" i="0" u="none" strike="noStrike" kern="1200" cap="none" spc="0" normalizeH="0" baseline="0" noProof="0" dirty="0">
-                <a:ln>
-                  <a:noFill/>
-                </a:ln>
-                <a:solidFill>
-                  <a:srgbClr val="374151"/>
-                </a:solidFill>
-                <a:effectLst/>
-                <a:uLnTx/>
-                <a:uFillTx/>
-                <a:ea typeface="+mn-lt"/>
-                <a:cs typeface="+mn-lt"/>
-              </a:rPr>
-              <a:t>.</a:t>
-            </a:r>
-            <a:r>
-              <a:rPr lang="en-GB" dirty="0">
-                <a:solidFill>
-                  <a:srgbClr val="374151"/>
-                </a:solidFill>
-                <a:ea typeface="+mn-lt"/>
-                <a:cs typeface="+mn-lt"/>
-              </a:rPr>
-              <a:t> Performance testing typically involves activities such as load testing, stress testing, and scalability testing to simulate real-world usage scenarios and assess the system's robustness and stability.</a:t>
-            </a:r>
-          </a:p>
-          <a:p>
-            <a:pPr>
-              <a:tabLst/>
-              <a:defRPr/>
-            </a:pPr>
-            <a:endParaRPr lang="en-GB" dirty="0">
-              <a:solidFill>
-                <a:srgbClr val="374151"/>
-              </a:solidFill>
-              <a:ea typeface="+mn-lt"/>
-              <a:cs typeface="+mn-lt"/>
-            </a:endParaRPr>
-          </a:p>
-          <a:p>
-            <a:pPr>
-              <a:tabLst/>
-              <a:defRPr/>
-            </a:pPr>
-            <a:endParaRPr lang="en-GB" dirty="0">
-              <a:solidFill>
-                <a:srgbClr val="374151"/>
-              </a:solidFill>
-              <a:ea typeface="+mn-lt"/>
-              <a:cs typeface="+mn-lt"/>
-            </a:endParaRPr>
-          </a:p>
-          <a:p>
-            <a:pPr marL="0" marR="0" lvl="0" indent="0" algn="l" defTabSz="914400" rtl="0" eaLnBrk="1" fontAlgn="auto" latinLnBrk="0" hangingPunct="1">
-              <a:lnSpc>
-                <a:spcPct val="100000"/>
-              </a:lnSpc>
-              <a:spcBef>
-                <a:spcPts val="0"/>
-              </a:spcBef>
-              <a:spcAft>
-                <a:spcPts val="600"/>
-              </a:spcAft>
-              <a:buClrTx/>
-              <a:buSzPct val="100000"/>
-              <a:buFont typeface="Arial" panose="020B0604020202020204" pitchFamily="34" charset="0"/>
-              <a:buNone/>
-              <a:tabLst/>
-              <a:defRPr/>
-            </a:pPr>
-            <a:r>
-              <a:rPr kumimoji="0" lang="en-US" sz="1600" b="1" i="0" u="none" strike="noStrike" kern="1200" cap="none" spc="0" normalizeH="0" baseline="0" noProof="0" dirty="0">
-                <a:ln>
-                  <a:noFill/>
-                </a:ln>
-                <a:solidFill>
-                  <a:schemeClr val="accent2"/>
-                </a:solidFill>
-                <a:effectLst/>
-                <a:uLnTx/>
-                <a:uFillTx/>
-                <a:latin typeface="+mj-lt"/>
-                <a:ea typeface="+mn-ea"/>
-                <a:cs typeface="Calibri Light"/>
-              </a:rPr>
-              <a:t>Why is Important?</a:t>
-            </a:r>
-          </a:p>
-          <a:p>
-            <a:pPr>
-              <a:tabLst/>
-              <a:defRPr/>
-            </a:pPr>
-            <a:r>
-              <a:rPr lang="en-GB" b="1" dirty="0">
-                <a:solidFill>
-                  <a:prstClr val="black"/>
-                </a:solidFill>
-                <a:ea typeface="+mn-lt"/>
-                <a:cs typeface="+mn-lt"/>
-              </a:rPr>
-              <a:t>Risk Mitigation:</a:t>
-            </a:r>
-            <a:r>
-              <a:rPr lang="en-GB" dirty="0">
-                <a:solidFill>
-                  <a:srgbClr val="374151"/>
-                </a:solidFill>
-                <a:ea typeface="+mn-lt"/>
-                <a:cs typeface="+mn-lt"/>
-              </a:rPr>
-              <a:t> Performance testing aids in identifying and mitigating potential risks associated with system performance, providing confidence in the application's ability to handle varying workloads in real-world scenarios.</a:t>
-            </a:r>
-            <a:endParaRPr lang="en-GB" dirty="0">
-              <a:ea typeface="Calibri"/>
-            </a:endParaRPr>
-          </a:p>
-          <a:p>
-            <a:endParaRPr lang="en-GB" dirty="0">
-              <a:solidFill>
-                <a:srgbClr val="374151"/>
-              </a:solidFill>
-              <a:ea typeface="Calibri"/>
-              <a:cs typeface="Calibri"/>
-            </a:endParaRPr>
-          </a:p>
-          <a:p>
-            <a:r>
-              <a:rPr lang="en-GB" b="1" dirty="0">
-                <a:solidFill>
-                  <a:srgbClr val="374151"/>
-                </a:solidFill>
-                <a:ea typeface="+mn-lt"/>
-                <a:cs typeface="+mn-lt"/>
-              </a:rPr>
-              <a:t>User Experience Assurance:</a:t>
-            </a:r>
-            <a:r>
-              <a:rPr lang="en-GB" dirty="0">
-                <a:solidFill>
-                  <a:srgbClr val="374151"/>
-                </a:solidFill>
-                <a:ea typeface="+mn-lt"/>
-                <a:cs typeface="+mn-lt"/>
-              </a:rPr>
-              <a:t> Performance testing helps ensure that the software application delivers a seamless and responsive user experience, meeting user expectations for speed and reliability.</a:t>
-            </a:r>
-            <a:endParaRPr lang="en-GB" dirty="0"/>
-          </a:p>
-          <a:p>
-            <a:endParaRPr lang="en-GB" dirty="0">
-              <a:solidFill>
-                <a:srgbClr val="374151"/>
-              </a:solidFill>
-              <a:ea typeface="Calibri"/>
-              <a:cs typeface="Calibri"/>
-            </a:endParaRPr>
-          </a:p>
-          <a:p>
-            <a:r>
-              <a:rPr lang="en-GB" b="1" dirty="0">
-                <a:solidFill>
-                  <a:srgbClr val="374151"/>
-                </a:solidFill>
-                <a:ea typeface="+mn-lt"/>
-                <a:cs typeface="+mn-lt"/>
-              </a:rPr>
-              <a:t>Identifying Bottlenecks:</a:t>
-            </a:r>
-            <a:r>
-              <a:rPr lang="en-GB" dirty="0">
-                <a:solidFill>
-                  <a:srgbClr val="374151"/>
-                </a:solidFill>
-                <a:ea typeface="+mn-lt"/>
-                <a:cs typeface="+mn-lt"/>
-              </a:rPr>
-              <a:t> By simulating various levels of user loads, performance testing helps identify potential bottlenecks and weaknesses in the system, enabling proactive optimization before deployment.</a:t>
-            </a:r>
-            <a:endParaRPr lang="en-GB" dirty="0"/>
-          </a:p>
-          <a:p>
-            <a:endParaRPr lang="en-GB" dirty="0">
-              <a:solidFill>
-                <a:srgbClr val="374151"/>
-              </a:solidFill>
-              <a:ea typeface="Calibri"/>
-              <a:cs typeface="Calibri"/>
-            </a:endParaRPr>
-          </a:p>
-          <a:p>
-            <a:r>
-              <a:rPr lang="en-GB" b="1" dirty="0">
-                <a:solidFill>
-                  <a:srgbClr val="374151"/>
-                </a:solidFill>
-                <a:ea typeface="+mn-lt"/>
-                <a:cs typeface="+mn-lt"/>
-              </a:rPr>
-              <a:t>Scalability Assessment:</a:t>
-            </a:r>
-            <a:r>
-              <a:rPr lang="en-GB" dirty="0">
-                <a:solidFill>
-                  <a:srgbClr val="374151"/>
-                </a:solidFill>
-                <a:ea typeface="+mn-lt"/>
-                <a:cs typeface="+mn-lt"/>
-              </a:rPr>
-              <a:t> It assesses the system's scalability by testing its ability to handle increasing loads, helping organizations plan for future growth and ensuring the system's capacity aligns with business needs.</a:t>
-            </a:r>
-            <a:endParaRPr lang="en-GB" dirty="0">
-              <a:ea typeface="+mn-lt"/>
-              <a:cs typeface="+mn-lt"/>
-            </a:endParaRPr>
-          </a:p>
-          <a:p>
-            <a:endParaRPr lang="en-GB" dirty="0">
-              <a:solidFill>
-                <a:srgbClr val="374151"/>
-              </a:solidFill>
-              <a:ea typeface="Calibri"/>
-              <a:cs typeface="Calibri"/>
-            </a:endParaRPr>
-          </a:p>
-          <a:p>
-            <a:endParaRPr lang="en-GB" dirty="0">
-              <a:solidFill>
-                <a:srgbClr val="374151"/>
-              </a:solidFill>
-              <a:ea typeface="Calibri"/>
-              <a:cs typeface="Calibri"/>
-            </a:endParaRPr>
-          </a:p>
-          <a:p>
-            <a:endParaRPr lang="en-US" dirty="0">
-              <a:ea typeface="Calibri"/>
-            </a:endParaRPr>
-          </a:p>
-          <a:p>
-            <a:pPr>
-              <a:tabLst/>
-              <a:defRPr/>
-            </a:pPr>
-            <a:endParaRPr lang="en-GB" dirty="0">
-              <a:solidFill>
-                <a:prstClr val="black"/>
-              </a:solidFill>
-            </a:endParaRPr>
-          </a:p>
-        </p:txBody>
-      </p:sp>
-    </p:spTree>
-    <p:extLst>
-      <p:ext uri="{BB962C8B-B14F-4D97-AF65-F5344CB8AC3E}">
-        <p14:creationId xmlns:p14="http://schemas.microsoft.com/office/powerpoint/2010/main" val="394243261"/>
-      </p:ext>
-    </p:extLst>
-  </p:cSld>
-  <p:clrMapOvr>
-    <a:masterClrMapping/>
-  </p:clrMapOvr>
-</p:notes>
-</file>
-
-<file path=ppt/notesSlides/notesSlide3.xml><?xml version="1.0" encoding="utf-8"?>
-<p:notes xmlns:a="http://schemas.openxmlformats.org/drawingml/2006/main" xmlns:r="http://schemas.openxmlformats.org/officeDocument/2006/relationships" xmlns:p="http://schemas.openxmlformats.org/presentationml/2006/main">
-  <p:cSld>
-    <p:spTree>
-      <p:nvGrpSpPr>
-        <p:cNvPr id="1" name=""/>
-        <p:cNvGrpSpPr/>
-        <p:nvPr/>
-      </p:nvGrpSpPr>
-      <p:grpSpPr>
-        <a:xfrm>
-          <a:off x="0" y="0"/>
-          <a:ext cx="0" cy="0"/>
-          <a:chOff x="0" y="0"/>
-          <a:chExt cx="0" cy="0"/>
-        </a:xfrm>
-      </p:grpSpPr>
-      <p:sp>
-        <p:nvSpPr>
-          <p:cNvPr id="2" name="Slide Image Placeholder 1"/>
-          <p:cNvSpPr>
-            <a:spLocks noGrp="1" noRot="1" noChangeAspect="1"/>
-          </p:cNvSpPr>
-          <p:nvPr>
-            <p:ph type="sldImg"/>
-          </p:nvPr>
-        </p:nvSpPr>
-        <p:spPr>
-          <a:xfrm>
-            <a:off x="458788" y="720725"/>
-            <a:ext cx="6397625" cy="3598863"/>
-          </a:xfrm>
-        </p:spPr>
-      </p:sp>
-      <p:sp>
-        <p:nvSpPr>
-          <p:cNvPr id="3" name="Notes Placeholder 2"/>
-          <p:cNvSpPr>
-            <a:spLocks noGrp="1"/>
-          </p:cNvSpPr>
-          <p:nvPr>
-            <p:ph type="body" idx="1"/>
-          </p:nvPr>
-        </p:nvSpPr>
-        <p:spPr/>
-        <p:txBody>
-          <a:bodyPr>
-            <a:normAutofit/>
-          </a:bodyPr>
-          <a:lstStyle/>
-          <a:p>
-            <a:endParaRPr lang="en-US" dirty="0"/>
-          </a:p>
-        </p:txBody>
-      </p:sp>
-    </p:spTree>
-    <p:extLst>
-      <p:ext uri="{BB962C8B-B14F-4D97-AF65-F5344CB8AC3E}">
-        <p14:creationId xmlns:p14="http://schemas.microsoft.com/office/powerpoint/2010/main" val="310422810"/>
-      </p:ext>
-    </p:extLst>
-  </p:cSld>
-  <p:clrMapOvr>
-    <a:masterClrMapping/>
-  </p:clrMapOvr>
-</p:notes>
-</file>
-
-<file path=ppt/notesSlides/notesSlide4.xml><?xml version="1.0" encoding="utf-8"?>
-<p:notes xmlns:a="http://schemas.openxmlformats.org/drawingml/2006/main" xmlns:r="http://schemas.openxmlformats.org/officeDocument/2006/relationships" xmlns:p="http://schemas.openxmlformats.org/presentationml/2006/main">
-  <p:cSld>
-    <p:spTree>
-      <p:nvGrpSpPr>
-        <p:cNvPr id="1" name=""/>
-        <p:cNvGrpSpPr/>
-        <p:nvPr/>
-      </p:nvGrpSpPr>
-      <p:grpSpPr>
-        <a:xfrm>
-          <a:off x="0" y="0"/>
-          <a:ext cx="0" cy="0"/>
-          <a:chOff x="0" y="0"/>
-          <a:chExt cx="0" cy="0"/>
-        </a:xfrm>
-      </p:grpSpPr>
-      <p:sp>
-        <p:nvSpPr>
-          <p:cNvPr id="2" name="Slide Image Placeholder 1"/>
-          <p:cNvSpPr>
-            <a:spLocks noGrp="1" noRot="1" noChangeAspect="1"/>
-          </p:cNvSpPr>
-          <p:nvPr>
-            <p:ph type="sldImg"/>
-          </p:nvPr>
-        </p:nvSpPr>
-        <p:spPr>
-          <a:xfrm>
-            <a:off x="458788" y="720725"/>
-            <a:ext cx="6397625" cy="3598863"/>
-          </a:xfrm>
-        </p:spPr>
-      </p:sp>
-      <p:sp>
-        <p:nvSpPr>
-          <p:cNvPr id="3" name="Notes Placeholder 2"/>
-          <p:cNvSpPr>
-            <a:spLocks noGrp="1"/>
-          </p:cNvSpPr>
-          <p:nvPr>
-            <p:ph type="body" idx="1"/>
-          </p:nvPr>
-        </p:nvSpPr>
-        <p:spPr/>
-        <p:txBody>
-          <a:bodyPr>
-            <a:normAutofit fontScale="92500" lnSpcReduction="20000"/>
-          </a:bodyPr>
-          <a:lstStyle/>
-          <a:p>
-            <a:pPr>
-              <a:tabLst/>
-              <a:defRPr/>
-            </a:pPr>
-            <a:r>
-              <a:rPr kumimoji="0" lang="en-US" sz="1600" b="1" i="0" u="none" strike="noStrike" kern="1200" cap="none" spc="0" normalizeH="0" baseline="0" noProof="0" dirty="0">
-                <a:ln>
-                  <a:noFill/>
-                </a:ln>
-                <a:solidFill>
-                  <a:schemeClr val="accent2"/>
-                </a:solidFill>
-                <a:effectLst/>
-                <a:uLnTx/>
-                <a:uFillTx/>
-                <a:latin typeface="+mj-lt"/>
-                <a:ea typeface="+mn-ea"/>
-                <a:cs typeface="Calibri Light"/>
-              </a:rPr>
-              <a:t>What is Performance Testing?</a:t>
-            </a:r>
-            <a:br>
-              <a:rPr lang="en-US" dirty="0"/>
-            </a:br>
-            <a:r>
-              <a:rPr kumimoji="0" lang="en-GB" sz="1200" b="0" i="0" u="none" strike="noStrike" kern="1200" cap="none" spc="0" normalizeH="0" baseline="0" noProof="0" dirty="0">
-                <a:ln>
-                  <a:noFill/>
-                </a:ln>
-                <a:solidFill>
-                  <a:srgbClr val="374151"/>
-                </a:solidFill>
-                <a:effectLst/>
-                <a:uLnTx/>
-                <a:uFillTx/>
-                <a:ea typeface="+mn-lt"/>
-                <a:cs typeface="+mn-lt"/>
-              </a:rPr>
-              <a:t>Performance testing is a </a:t>
-            </a:r>
-            <a:r>
-              <a:rPr lang="en-GB" dirty="0">
-                <a:solidFill>
-                  <a:srgbClr val="374151"/>
-                </a:solidFill>
-                <a:ea typeface="+mn-lt"/>
-                <a:cs typeface="+mn-lt"/>
-              </a:rPr>
-              <a:t>crucial aspect of software testing that focuses on evaluating the speed, responsiveness, and overall efficiency of a software application or system under various conditions. The primary goal is to assess how well the system performs under different workloads and to identify potential bottlenecks or performance issues.</a:t>
-            </a:r>
-            <a:endParaRPr lang="en-GB" dirty="0">
-              <a:solidFill>
-                <a:srgbClr val="000000"/>
-              </a:solidFill>
-              <a:ea typeface="+mn-lt"/>
-            </a:endParaRPr>
-          </a:p>
-          <a:p>
-            <a:pPr>
-              <a:tabLst/>
-              <a:defRPr/>
-            </a:pPr>
-            <a:endParaRPr lang="en-GB" dirty="0">
-              <a:solidFill>
-                <a:srgbClr val="374151"/>
-              </a:solidFill>
-              <a:ea typeface="+mn-lt"/>
-              <a:cs typeface="+mn-lt"/>
-            </a:endParaRPr>
-          </a:p>
-          <a:p>
-            <a:pPr>
-              <a:tabLst/>
-              <a:defRPr/>
-            </a:pPr>
-            <a:r>
-              <a:rPr lang="en-GB" dirty="0">
-                <a:solidFill>
-                  <a:srgbClr val="374151"/>
-                </a:solidFill>
-                <a:ea typeface="+mn-lt"/>
-                <a:cs typeface="+mn-lt"/>
-              </a:rPr>
-              <a:t> This </a:t>
-            </a:r>
-            <a:r>
-              <a:rPr kumimoji="0" lang="en-GB" sz="1200" b="0" i="0" u="none" strike="noStrike" kern="1200" cap="none" spc="0" normalizeH="0" baseline="0" noProof="0" dirty="0">
-                <a:ln>
-                  <a:noFill/>
-                </a:ln>
-                <a:solidFill>
-                  <a:srgbClr val="374151"/>
-                </a:solidFill>
-                <a:effectLst/>
-                <a:uLnTx/>
-                <a:uFillTx/>
-                <a:ea typeface="+mn-lt"/>
-                <a:cs typeface="+mn-lt"/>
-              </a:rPr>
-              <a:t>type of testing</a:t>
-            </a:r>
-            <a:r>
-              <a:rPr lang="en-GB" dirty="0">
-                <a:solidFill>
-                  <a:srgbClr val="374151"/>
-                </a:solidFill>
-                <a:ea typeface="+mn-lt"/>
-                <a:cs typeface="+mn-lt"/>
-              </a:rPr>
-              <a:t> helps ensure that the application meets performance requirements, delivers a satisfactory user experience, and can handle the expected load without degradation in performance</a:t>
-            </a:r>
-            <a:r>
-              <a:rPr kumimoji="0" lang="en-GB" sz="1200" b="0" i="0" u="none" strike="noStrike" kern="1200" cap="none" spc="0" normalizeH="0" baseline="0" noProof="0" dirty="0">
-                <a:ln>
-                  <a:noFill/>
-                </a:ln>
-                <a:solidFill>
-                  <a:srgbClr val="374151"/>
-                </a:solidFill>
-                <a:effectLst/>
-                <a:uLnTx/>
-                <a:uFillTx/>
-                <a:ea typeface="+mn-lt"/>
-                <a:cs typeface="+mn-lt"/>
-              </a:rPr>
-              <a:t>.</a:t>
-            </a:r>
-            <a:r>
-              <a:rPr lang="en-GB" dirty="0">
-                <a:solidFill>
-                  <a:srgbClr val="374151"/>
-                </a:solidFill>
-                <a:ea typeface="+mn-lt"/>
-                <a:cs typeface="+mn-lt"/>
-              </a:rPr>
-              <a:t> Performance testing typically involves activities such as load testing, stress testing, and scalability testing to simulate real-world usage scenarios and assess the system's robustness and stability.</a:t>
-            </a:r>
-          </a:p>
-          <a:p>
-            <a:pPr>
-              <a:tabLst/>
-              <a:defRPr/>
-            </a:pPr>
-            <a:endParaRPr lang="en-GB" dirty="0">
-              <a:solidFill>
-                <a:srgbClr val="374151"/>
-              </a:solidFill>
-              <a:ea typeface="+mn-lt"/>
-              <a:cs typeface="+mn-lt"/>
-            </a:endParaRPr>
-          </a:p>
-          <a:p>
-            <a:pPr>
-              <a:tabLst/>
-              <a:defRPr/>
-            </a:pPr>
-            <a:endParaRPr lang="en-GB" dirty="0">
-              <a:solidFill>
-                <a:srgbClr val="374151"/>
-              </a:solidFill>
-              <a:ea typeface="+mn-lt"/>
-              <a:cs typeface="+mn-lt"/>
-            </a:endParaRPr>
-          </a:p>
-          <a:p>
-            <a:pPr marL="0" marR="0" lvl="0" indent="0" algn="l" defTabSz="914400" rtl="0" eaLnBrk="1" fontAlgn="auto" latinLnBrk="0" hangingPunct="1">
-              <a:lnSpc>
-                <a:spcPct val="100000"/>
-              </a:lnSpc>
-              <a:spcBef>
-                <a:spcPts val="0"/>
-              </a:spcBef>
-              <a:spcAft>
-                <a:spcPts val="600"/>
-              </a:spcAft>
-              <a:buClrTx/>
-              <a:buSzPct val="100000"/>
-              <a:buFont typeface="Arial" panose="020B0604020202020204" pitchFamily="34" charset="0"/>
-              <a:buNone/>
-              <a:tabLst/>
-              <a:defRPr/>
-            </a:pPr>
-            <a:r>
-              <a:rPr kumimoji="0" lang="en-US" sz="1600" b="1" i="0" u="none" strike="noStrike" kern="1200" cap="none" spc="0" normalizeH="0" baseline="0" noProof="0" dirty="0">
-                <a:ln>
-                  <a:noFill/>
-                </a:ln>
-                <a:solidFill>
-                  <a:schemeClr val="accent2"/>
-                </a:solidFill>
-                <a:effectLst/>
-                <a:uLnTx/>
-                <a:uFillTx/>
-                <a:latin typeface="+mj-lt"/>
-                <a:ea typeface="+mn-ea"/>
-                <a:cs typeface="Calibri Light"/>
-              </a:rPr>
-              <a:t>Why is Important?</a:t>
-            </a:r>
-          </a:p>
-          <a:p>
-            <a:pPr>
-              <a:tabLst/>
-              <a:defRPr/>
-            </a:pPr>
-            <a:r>
-              <a:rPr lang="en-GB" b="1" dirty="0">
-                <a:solidFill>
-                  <a:prstClr val="black"/>
-                </a:solidFill>
-                <a:ea typeface="+mn-lt"/>
-                <a:cs typeface="+mn-lt"/>
-              </a:rPr>
-              <a:t>Risk Mitigation:</a:t>
-            </a:r>
-            <a:r>
-              <a:rPr lang="en-GB" dirty="0">
-                <a:solidFill>
-                  <a:srgbClr val="374151"/>
-                </a:solidFill>
-                <a:ea typeface="+mn-lt"/>
-                <a:cs typeface="+mn-lt"/>
-              </a:rPr>
-              <a:t> Performance testing aids in identifying and mitigating potential risks associated with system performance, providing confidence in the application's ability to handle varying workloads in real-world scenarios.</a:t>
-            </a:r>
-            <a:endParaRPr lang="en-GB" dirty="0">
-              <a:ea typeface="Calibri"/>
-            </a:endParaRPr>
-          </a:p>
-          <a:p>
-            <a:endParaRPr lang="en-GB" dirty="0">
-              <a:solidFill>
-                <a:srgbClr val="374151"/>
-              </a:solidFill>
-              <a:ea typeface="Calibri"/>
-              <a:cs typeface="Calibri"/>
-            </a:endParaRPr>
-          </a:p>
-          <a:p>
-            <a:r>
-              <a:rPr lang="en-GB" b="1" dirty="0">
-                <a:solidFill>
-                  <a:srgbClr val="374151"/>
-                </a:solidFill>
-                <a:ea typeface="+mn-lt"/>
-                <a:cs typeface="+mn-lt"/>
-              </a:rPr>
-              <a:t>User Experience Assurance:</a:t>
-            </a:r>
-            <a:r>
-              <a:rPr lang="en-GB" dirty="0">
-                <a:solidFill>
-                  <a:srgbClr val="374151"/>
-                </a:solidFill>
-                <a:ea typeface="+mn-lt"/>
-                <a:cs typeface="+mn-lt"/>
-              </a:rPr>
-              <a:t> Performance testing helps ensure that the software application delivers a seamless and responsive user experience, meeting user expectations for speed and reliability.</a:t>
-            </a:r>
-            <a:endParaRPr lang="en-GB" dirty="0"/>
-          </a:p>
-          <a:p>
-            <a:endParaRPr lang="en-GB" dirty="0">
-              <a:solidFill>
-                <a:srgbClr val="374151"/>
-              </a:solidFill>
-              <a:ea typeface="Calibri"/>
-              <a:cs typeface="Calibri"/>
-            </a:endParaRPr>
-          </a:p>
-          <a:p>
-            <a:r>
-              <a:rPr lang="en-GB" b="1" dirty="0">
-                <a:solidFill>
-                  <a:srgbClr val="374151"/>
-                </a:solidFill>
-                <a:ea typeface="+mn-lt"/>
-                <a:cs typeface="+mn-lt"/>
-              </a:rPr>
-              <a:t>Identifying Bottlenecks:</a:t>
-            </a:r>
-            <a:r>
-              <a:rPr lang="en-GB" dirty="0">
-                <a:solidFill>
-                  <a:srgbClr val="374151"/>
-                </a:solidFill>
-                <a:ea typeface="+mn-lt"/>
-                <a:cs typeface="+mn-lt"/>
-              </a:rPr>
-              <a:t> By simulating various levels of user loads, performance testing helps identify potential bottlenecks and weaknesses in the system, enabling proactive optimization before deployment.</a:t>
-            </a:r>
-            <a:endParaRPr lang="en-GB" dirty="0"/>
-          </a:p>
-          <a:p>
-            <a:endParaRPr lang="en-GB" dirty="0">
-              <a:solidFill>
-                <a:srgbClr val="374151"/>
-              </a:solidFill>
-              <a:ea typeface="Calibri"/>
-              <a:cs typeface="Calibri"/>
-            </a:endParaRPr>
-          </a:p>
-          <a:p>
-            <a:r>
-              <a:rPr lang="en-GB" b="1" dirty="0">
-                <a:solidFill>
-                  <a:srgbClr val="374151"/>
-                </a:solidFill>
-                <a:ea typeface="+mn-lt"/>
-                <a:cs typeface="+mn-lt"/>
-              </a:rPr>
-              <a:t>Scalability Assessment:</a:t>
-            </a:r>
-            <a:r>
-              <a:rPr lang="en-GB" dirty="0">
-                <a:solidFill>
-                  <a:srgbClr val="374151"/>
-                </a:solidFill>
-                <a:ea typeface="+mn-lt"/>
-                <a:cs typeface="+mn-lt"/>
-              </a:rPr>
-              <a:t> It assesses the system's scalability by testing its ability to handle increasing loads, helping organizations plan for future growth and ensuring the system's capacity aligns with business needs.</a:t>
-            </a:r>
-            <a:endParaRPr lang="en-GB" dirty="0">
-              <a:ea typeface="+mn-lt"/>
-              <a:cs typeface="+mn-lt"/>
-            </a:endParaRPr>
-          </a:p>
-          <a:p>
-            <a:endParaRPr lang="en-GB" dirty="0">
-              <a:solidFill>
-                <a:srgbClr val="374151"/>
-              </a:solidFill>
-              <a:ea typeface="Calibri"/>
-              <a:cs typeface="Calibri"/>
-            </a:endParaRPr>
-          </a:p>
-          <a:p>
-            <a:endParaRPr lang="en-GB" dirty="0">
-              <a:solidFill>
-                <a:srgbClr val="374151"/>
-              </a:solidFill>
-              <a:ea typeface="Calibri"/>
-              <a:cs typeface="Calibri"/>
-            </a:endParaRPr>
-          </a:p>
-          <a:p>
-            <a:endParaRPr lang="en-US" dirty="0">
-              <a:ea typeface="Calibri"/>
-            </a:endParaRPr>
-          </a:p>
-          <a:p>
-            <a:pPr>
-              <a:tabLst/>
-              <a:defRPr/>
-            </a:pPr>
-            <a:endParaRPr lang="en-GB" dirty="0">
-              <a:solidFill>
-                <a:prstClr val="black"/>
-              </a:solidFill>
-            </a:endParaRPr>
-          </a:p>
-        </p:txBody>
-      </p:sp>
-    </p:spTree>
-    <p:extLst>
-      <p:ext uri="{BB962C8B-B14F-4D97-AF65-F5344CB8AC3E}">
-        <p14:creationId xmlns:p14="http://schemas.microsoft.com/office/powerpoint/2010/main" val="1749272117"/>
-      </p:ext>
-    </p:extLst>
-  </p:cSld>
-  <p:clrMapOvr>
-    <a:masterClrMapping/>
-  </p:clrMapOvr>
-</p:notes>
-</file>
-
-<file path=ppt/notesSlides/notesSlide5.xml><?xml version="1.0" encoding="utf-8"?>
 <p:notes xmlns:a="http://schemas.openxmlformats.org/drawingml/2006/main" xmlns:r="http://schemas.openxmlformats.org/officeDocument/2006/relationships" xmlns:p="http://schemas.openxmlformats.org/presentationml/2006/main">
   <p:cSld>
     <p:spTree>
@@ -5884,7 +1661,18 @@
           <a:bodyPr/>
           <a:lstStyle/>
           <a:p>
-            <a:endParaRPr lang="en-US" dirty="0"/>
+            <a:r>
+              <a:rPr lang="en-US" dirty="0"/>
+              <a:t>Share the </a:t>
+            </a:r>
+            <a:r>
+              <a:rPr lang="en-US" dirty="0" err="1"/>
+              <a:t>biuggest</a:t>
+            </a:r>
+            <a:r>
+              <a:rPr lang="en-US" dirty="0"/>
+              <a:t> challenges for HA</a:t>
+            </a:r>
           </a:p>
         </p:txBody>
       </p:sp>
@@ -5906,7 +1694,7 @@
             <a:fld id="{C0F4A2C8-6C88-4E71-83EE-698B9D4FE22F}" type="slidenum">
               <a:rPr lang="en-US" smtClean="0"/>
               <a:pPr/>
-              <a:t>8</a:t>
+              <a:t>10</a:t>
             </a:fld>
             <a:endParaRPr lang="en-US" dirty="0"/>
           </a:p>
@@ -5915,7 +1703,7 @@
     </p:spTree>
     <p:extLst>
       <p:ext uri="{BB962C8B-B14F-4D97-AF65-F5344CB8AC3E}">
-        <p14:creationId xmlns:p14="http://schemas.microsoft.com/office/powerpoint/2010/main" val="64165907"/>
+        <p14:creationId xmlns:p14="http://schemas.microsoft.com/office/powerpoint/2010/main" val="3635151844"/>
       </p:ext>
     </p:extLst>
   </p:cSld>
@@ -5925,7 +1713,7 @@
 </p:notes>
 </file>
 
-<file path=ppt/notesSlides/notesSlide6.xml><?xml version="1.0" encoding="utf-8"?>
+<file path=ppt/notesSlides/notesSlide11.xml><?xml version="1.0" encoding="utf-8"?>
 <p:notes xmlns:a="http://schemas.openxmlformats.org/drawingml/2006/main" xmlns:r="http://schemas.openxmlformats.org/officeDocument/2006/relationships" xmlns:p="http://schemas.openxmlformats.org/presentationml/2006/main">
   <p:cSld>
     <p:spTree>
@@ -5976,6 +1764,991 @@
           </a:bodyPr>
           <a:lstStyle/>
           <a:p>
+            <a:r>
+              <a:rPr lang="en-US" i="1" dirty="0"/>
+              <a:t>"High Availability often involves two types of servers:“</a:t>
+            </a:r>
+          </a:p>
+          <a:p>
+            <a:endParaRPr lang="en-US" dirty="0"/>
+          </a:p>
+          <a:p>
+            <a:pPr>
+              <a:buFont typeface="Arial" panose="020B0604020202020204" pitchFamily="34" charset="0"/>
+              <a:buChar char="•"/>
+            </a:pPr>
+            <a:r>
+              <a:rPr lang="en-US" b="1" dirty="0"/>
+              <a:t>Active Server</a:t>
+            </a:r>
+            <a:r>
+              <a:rPr lang="en-US" dirty="0"/>
+              <a:t> – Processes all requests.</a:t>
+            </a:r>
+          </a:p>
+          <a:p>
+            <a:pPr>
+              <a:buFont typeface="Arial" panose="020B0604020202020204" pitchFamily="34" charset="0"/>
+              <a:buChar char="•"/>
+            </a:pPr>
+            <a:r>
+              <a:rPr lang="en-US" b="1" dirty="0"/>
+              <a:t>Passive Server</a:t>
+            </a:r>
+            <a:r>
+              <a:rPr lang="en-US" dirty="0"/>
+              <a:t> – Remains on standby, ready to take over if the active server fails.</a:t>
+            </a:r>
+          </a:p>
+          <a:p>
+            <a:endParaRPr lang="en-US" b="1" dirty="0"/>
+          </a:p>
+          <a:p>
+            <a:r>
+              <a:rPr lang="en-US" b="1" dirty="0"/>
+              <a:t>Example:</a:t>
+            </a:r>
+          </a:p>
+          <a:p>
+            <a:r>
+              <a:rPr lang="en-US" i="1" dirty="0"/>
+              <a:t>"It’s like a relay race—when one runner gets tired, another steps in to keep the race going."</a:t>
+            </a:r>
+            <a:endParaRPr lang="en-US" dirty="0"/>
+          </a:p>
+          <a:p>
+            <a:endParaRPr lang="en-GB" dirty="0">
+              <a:solidFill>
+                <a:srgbClr val="374151"/>
+              </a:solidFill>
+              <a:ea typeface="Calibri"/>
+              <a:cs typeface="Calibri"/>
+            </a:endParaRPr>
+          </a:p>
+          <a:p>
+            <a:endParaRPr lang="en-GB" dirty="0">
+              <a:solidFill>
+                <a:srgbClr val="374151"/>
+              </a:solidFill>
+              <a:ea typeface="Calibri"/>
+              <a:cs typeface="Calibri"/>
+            </a:endParaRPr>
+          </a:p>
+          <a:p>
+            <a:endParaRPr lang="en-US" dirty="0">
+              <a:ea typeface="Calibri"/>
+            </a:endParaRPr>
+          </a:p>
+          <a:p>
+            <a:pPr>
+              <a:tabLst/>
+              <a:defRPr/>
+            </a:pPr>
+            <a:endParaRPr lang="en-GB" dirty="0">
+              <a:solidFill>
+                <a:prstClr val="black"/>
+              </a:solidFill>
+            </a:endParaRPr>
+          </a:p>
+        </p:txBody>
+      </p:sp>
+    </p:spTree>
+    <p:extLst>
+      <p:ext uri="{BB962C8B-B14F-4D97-AF65-F5344CB8AC3E}">
+        <p14:creationId xmlns:p14="http://schemas.microsoft.com/office/powerpoint/2010/main" val="1538899141"/>
+      </p:ext>
+    </p:extLst>
+  </p:cSld>
+  <p:clrMapOvr>
+    <a:masterClrMapping/>
+  </p:clrMapOvr>
+</p:notes>
+</file>
+
+<file path=ppt/notesSlides/notesSlide12.xml><?xml version="1.0" encoding="utf-8"?>
+<p:notes xmlns:a="http://schemas.openxmlformats.org/drawingml/2006/main" xmlns:r="http://schemas.openxmlformats.org/officeDocument/2006/relationships" xmlns:p="http://schemas.openxmlformats.org/presentationml/2006/main">
+  <p:cSld>
+    <p:spTree>
+      <p:nvGrpSpPr>
+        <p:cNvPr id="1" name=""/>
+        <p:cNvGrpSpPr/>
+        <p:nvPr/>
+      </p:nvGrpSpPr>
+      <p:grpSpPr>
+        <a:xfrm>
+          <a:off x="0" y="0"/>
+          <a:ext cx="0" cy="0"/>
+          <a:chOff x="0" y="0"/>
+          <a:chExt cx="0" cy="0"/>
+        </a:xfrm>
+      </p:grpSpPr>
+      <p:sp>
+        <p:nvSpPr>
+          <p:cNvPr id="2" name="Marcador de imagen de diapositiva 1"/>
+          <p:cNvSpPr>
+            <a:spLocks noGrp="1" noRot="1" noChangeAspect="1"/>
+          </p:cNvSpPr>
+          <p:nvPr>
+            <p:ph type="sldImg"/>
+          </p:nvPr>
+        </p:nvSpPr>
+        <p:spPr/>
+      </p:sp>
+      <p:sp>
+        <p:nvSpPr>
+          <p:cNvPr id="3" name="Marcador de notas 2"/>
+          <p:cNvSpPr>
+            <a:spLocks noGrp="1"/>
+          </p:cNvSpPr>
+          <p:nvPr>
+            <p:ph type="body" idx="1"/>
+          </p:nvPr>
+        </p:nvSpPr>
+        <p:spPr/>
+        <p:txBody>
+          <a:bodyPr/>
+          <a:lstStyle/>
+          <a:p>
+            <a:r>
+              <a:rPr lang="en-US" i="1" dirty="0"/>
+              <a:t>"When an active server fails, the passive server </a:t>
+            </a:r>
+            <a:r>
+              <a:rPr lang="en-US" b="1" i="1" dirty="0"/>
+              <a:t>immediately takes over</a:t>
+            </a:r>
+            <a:r>
+              <a:rPr lang="en-US" i="1" dirty="0"/>
+              <a:t>, ensuring uninterrupted service. This failover process is </a:t>
+            </a:r>
+            <a:r>
+              <a:rPr lang="en-US" b="1" i="1" dirty="0"/>
+              <a:t>automatic and seamless</a:t>
+            </a:r>
+            <a:r>
+              <a:rPr lang="en-US" i="1" dirty="0"/>
+              <a:t>."</a:t>
+            </a:r>
+            <a:endParaRPr lang="en-US" dirty="0"/>
+          </a:p>
+          <a:p>
+            <a:r>
+              <a:rPr lang="en-US" b="1" dirty="0"/>
+              <a:t>Example:</a:t>
+            </a:r>
+            <a:br>
+              <a:rPr lang="en-US" dirty="0"/>
+            </a:br>
+            <a:r>
+              <a:rPr lang="en-US" i="1" dirty="0"/>
+              <a:t>"Imagine you are watching Netflix, and suddenly, one of their main servers crashes. Thanks to HA, the system instantly switches to a backup server, and you don’t even notice the change."</a:t>
+            </a:r>
+            <a:endParaRPr lang="en-US" dirty="0"/>
+          </a:p>
+          <a:p>
+            <a:endParaRPr lang="en-US" dirty="0"/>
+          </a:p>
+        </p:txBody>
+      </p:sp>
+      <p:sp>
+        <p:nvSpPr>
+          <p:cNvPr id="4" name="Marcador de número de diapositiva 3"/>
+          <p:cNvSpPr>
+            <a:spLocks noGrp="1"/>
+          </p:cNvSpPr>
+          <p:nvPr>
+            <p:ph type="sldNum" sz="quarter" idx="5"/>
+          </p:nvPr>
+        </p:nvSpPr>
+        <p:spPr/>
+        <p:txBody>
+          <a:bodyPr/>
+          <a:lstStyle/>
+          <a:p>
+            <a:fld id="{C0F4A2C8-6C88-4E71-83EE-698B9D4FE22F}" type="slidenum">
+              <a:rPr lang="en-US" smtClean="0"/>
+              <a:pPr/>
+              <a:t>13</a:t>
+            </a:fld>
+            <a:endParaRPr lang="en-US" dirty="0"/>
+          </a:p>
+        </p:txBody>
+      </p:sp>
+    </p:spTree>
+    <p:extLst>
+      <p:ext uri="{BB962C8B-B14F-4D97-AF65-F5344CB8AC3E}">
+        <p14:creationId xmlns:p14="http://schemas.microsoft.com/office/powerpoint/2010/main" val="2700254940"/>
+      </p:ext>
+    </p:extLst>
+  </p:cSld>
+  <p:clrMapOvr>
+    <a:masterClrMapping/>
+  </p:clrMapOvr>
+</p:notes>
+</file>
+
+<file path=ppt/notesSlides/notesSlide13.xml><?xml version="1.0" encoding="utf-8"?>
+<p:notes xmlns:a="http://schemas.openxmlformats.org/drawingml/2006/main" xmlns:r="http://schemas.openxmlformats.org/officeDocument/2006/relationships" xmlns:p="http://schemas.openxmlformats.org/presentationml/2006/main">
+  <p:cSld>
+    <p:spTree>
+      <p:nvGrpSpPr>
+        <p:cNvPr id="1" name=""/>
+        <p:cNvGrpSpPr/>
+        <p:nvPr/>
+      </p:nvGrpSpPr>
+      <p:grpSpPr>
+        <a:xfrm>
+          <a:off x="0" y="0"/>
+          <a:ext cx="0" cy="0"/>
+          <a:chOff x="0" y="0"/>
+          <a:chExt cx="0" cy="0"/>
+        </a:xfrm>
+      </p:grpSpPr>
+      <p:sp>
+        <p:nvSpPr>
+          <p:cNvPr id="2" name="Slide Image Placeholder 1"/>
+          <p:cNvSpPr>
+            <a:spLocks noGrp="1" noRot="1" noChangeAspect="1"/>
+          </p:cNvSpPr>
+          <p:nvPr>
+            <p:ph type="sldImg"/>
+          </p:nvPr>
+        </p:nvSpPr>
+        <p:spPr>
+          <a:xfrm>
+            <a:off x="458788" y="720725"/>
+            <a:ext cx="6397625" cy="3598863"/>
+          </a:xfrm>
+        </p:spPr>
+      </p:sp>
+      <p:sp>
+        <p:nvSpPr>
+          <p:cNvPr id="3" name="Notes Placeholder 2"/>
+          <p:cNvSpPr>
+            <a:spLocks noGrp="1"/>
+          </p:cNvSpPr>
+          <p:nvPr>
+            <p:ph type="body" idx="1"/>
+          </p:nvPr>
+        </p:nvSpPr>
+        <p:spPr/>
+        <p:txBody>
+          <a:bodyPr>
+            <a:normAutofit fontScale="92500" lnSpcReduction="20000"/>
+          </a:bodyPr>
+          <a:lstStyle/>
+          <a:p>
+            <a:pPr>
+              <a:tabLst/>
+              <a:defRPr/>
+            </a:pPr>
+            <a:endParaRPr lang="en-GB" dirty="0">
+              <a:solidFill>
+                <a:prstClr val="black"/>
+              </a:solidFill>
+            </a:endParaRPr>
+          </a:p>
+        </p:txBody>
+      </p:sp>
+    </p:spTree>
+    <p:extLst>
+      <p:ext uri="{BB962C8B-B14F-4D97-AF65-F5344CB8AC3E}">
+        <p14:creationId xmlns:p14="http://schemas.microsoft.com/office/powerpoint/2010/main" val="4259457877"/>
+      </p:ext>
+    </p:extLst>
+  </p:cSld>
+  <p:clrMapOvr>
+    <a:masterClrMapping/>
+  </p:clrMapOvr>
+</p:notes>
+</file>
+
+<file path=ppt/notesSlides/notesSlide14.xml><?xml version="1.0" encoding="utf-8"?>
+<p:notes xmlns:a="http://schemas.openxmlformats.org/drawingml/2006/main" xmlns:r="http://schemas.openxmlformats.org/officeDocument/2006/relationships" xmlns:p="http://schemas.openxmlformats.org/presentationml/2006/main">
+  <p:cSld>
+    <p:spTree>
+      <p:nvGrpSpPr>
+        <p:cNvPr id="1" name=""/>
+        <p:cNvGrpSpPr/>
+        <p:nvPr/>
+      </p:nvGrpSpPr>
+      <p:grpSpPr>
+        <a:xfrm>
+          <a:off x="0" y="0"/>
+          <a:ext cx="0" cy="0"/>
+          <a:chOff x="0" y="0"/>
+          <a:chExt cx="0" cy="0"/>
+        </a:xfrm>
+      </p:grpSpPr>
+      <p:sp>
+        <p:nvSpPr>
+          <p:cNvPr id="2" name="Slide Image Placeholder 1"/>
+          <p:cNvSpPr>
+            <a:spLocks noGrp="1" noRot="1" noChangeAspect="1"/>
+          </p:cNvSpPr>
+          <p:nvPr>
+            <p:ph type="sldImg"/>
+          </p:nvPr>
+        </p:nvSpPr>
+        <p:spPr>
+          <a:xfrm>
+            <a:off x="458788" y="720725"/>
+            <a:ext cx="6397625" cy="3598863"/>
+          </a:xfrm>
+        </p:spPr>
+      </p:sp>
+      <p:sp>
+        <p:nvSpPr>
+          <p:cNvPr id="3" name="Notes Placeholder 2"/>
+          <p:cNvSpPr>
+            <a:spLocks noGrp="1"/>
+          </p:cNvSpPr>
+          <p:nvPr>
+            <p:ph type="body" idx="1"/>
+          </p:nvPr>
+        </p:nvSpPr>
+        <p:spPr/>
+        <p:txBody>
+          <a:bodyPr/>
+          <a:lstStyle/>
+          <a:p>
+            <a:r>
+              <a:rPr lang="en-US" i="1" dirty="0"/>
+              <a:t>"Load balancing prevents system overloads by distributing incoming requests across multiple servers."</a:t>
+            </a:r>
+            <a:endParaRPr lang="en-US" dirty="0"/>
+          </a:p>
+          <a:p>
+            <a:r>
+              <a:rPr lang="en-US" i="1" dirty="0"/>
+              <a:t>"There are three main types of load balancers:"</a:t>
+            </a:r>
+            <a:endParaRPr lang="en-US" dirty="0"/>
+          </a:p>
+          <a:p>
+            <a:pPr>
+              <a:buFont typeface="Arial" panose="020B0604020202020204" pitchFamily="34" charset="0"/>
+              <a:buChar char="•"/>
+            </a:pPr>
+            <a:r>
+              <a:rPr lang="en-US" b="1" dirty="0"/>
+              <a:t>Hardware</a:t>
+            </a:r>
+            <a:r>
+              <a:rPr lang="en-US" dirty="0"/>
+              <a:t> – Physical devices that manage network traffic.</a:t>
+            </a:r>
+          </a:p>
+          <a:p>
+            <a:pPr>
+              <a:buFont typeface="Arial" panose="020B0604020202020204" pitchFamily="34" charset="0"/>
+              <a:buChar char="•"/>
+            </a:pPr>
+            <a:r>
+              <a:rPr lang="en-US" b="1" dirty="0"/>
+              <a:t>Software</a:t>
+            </a:r>
+            <a:r>
+              <a:rPr lang="en-US" dirty="0"/>
+              <a:t> – Applications installed on servers for traffic distribution.</a:t>
+            </a:r>
+          </a:p>
+          <a:p>
+            <a:pPr>
+              <a:buFont typeface="Arial" panose="020B0604020202020204" pitchFamily="34" charset="0"/>
+              <a:buChar char="•"/>
+            </a:pPr>
+            <a:r>
+              <a:rPr lang="en-US" b="1" dirty="0"/>
+              <a:t>Cloud</a:t>
+            </a:r>
+            <a:r>
+              <a:rPr lang="en-US" dirty="0"/>
+              <a:t> – Load balancing as a cloud service (e.g., AWS ELB, Azure Load Balancer)."*</a:t>
+            </a:r>
+          </a:p>
+          <a:p>
+            <a:endParaRPr lang="en-US" dirty="0"/>
+          </a:p>
+        </p:txBody>
+      </p:sp>
+      <p:sp>
+        <p:nvSpPr>
+          <p:cNvPr id="4" name="Slide Number Placeholder 3"/>
+          <p:cNvSpPr>
+            <a:spLocks noGrp="1"/>
+          </p:cNvSpPr>
+          <p:nvPr>
+            <p:ph type="sldNum" sz="quarter" idx="10"/>
+          </p:nvPr>
+        </p:nvSpPr>
+        <p:spPr/>
+        <p:txBody>
+          <a:bodyPr/>
+          <a:lstStyle/>
+          <a:p>
+            <a:pPr>
+              <a:defRPr/>
+            </a:pPr>
+            <a:fld id="{DB19E439-0A36-4389-B1D4-036D35E9F4EA}" type="slidenum">
+              <a:rPr lang="en-US" smtClean="0"/>
+              <a:pPr>
+                <a:defRPr/>
+              </a:pPr>
+              <a:t>15</a:t>
+            </a:fld>
+            <a:endParaRPr lang="en-US" dirty="0"/>
+          </a:p>
+        </p:txBody>
+      </p:sp>
+    </p:spTree>
+    <p:extLst>
+      <p:ext uri="{BB962C8B-B14F-4D97-AF65-F5344CB8AC3E}">
+        <p14:creationId xmlns:p14="http://schemas.microsoft.com/office/powerpoint/2010/main" val="239590411"/>
+      </p:ext>
+    </p:extLst>
+  </p:cSld>
+  <p:clrMapOvr>
+    <a:masterClrMapping/>
+  </p:clrMapOvr>
+</p:notes>
+</file>
+
+<file path=ppt/notesSlides/notesSlide15.xml><?xml version="1.0" encoding="utf-8"?>
+<p:notes xmlns:a="http://schemas.openxmlformats.org/drawingml/2006/main" xmlns:r="http://schemas.openxmlformats.org/officeDocument/2006/relationships" xmlns:p="http://schemas.openxmlformats.org/presentationml/2006/main">
+  <p:cSld>
+    <p:spTree>
+      <p:nvGrpSpPr>
+        <p:cNvPr id="1" name=""/>
+        <p:cNvGrpSpPr/>
+        <p:nvPr/>
+      </p:nvGrpSpPr>
+      <p:grpSpPr>
+        <a:xfrm>
+          <a:off x="0" y="0"/>
+          <a:ext cx="0" cy="0"/>
+          <a:chOff x="0" y="0"/>
+          <a:chExt cx="0" cy="0"/>
+        </a:xfrm>
+      </p:grpSpPr>
+      <p:sp>
+        <p:nvSpPr>
+          <p:cNvPr id="2" name="Slide Image Placeholder 1"/>
+          <p:cNvSpPr>
+            <a:spLocks noGrp="1" noRot="1" noChangeAspect="1"/>
+          </p:cNvSpPr>
+          <p:nvPr>
+            <p:ph type="sldImg"/>
+          </p:nvPr>
+        </p:nvSpPr>
+        <p:spPr>
+          <a:xfrm>
+            <a:off x="458788" y="720725"/>
+            <a:ext cx="6397625" cy="3598863"/>
+          </a:xfrm>
+        </p:spPr>
+      </p:sp>
+      <p:sp>
+        <p:nvSpPr>
+          <p:cNvPr id="3" name="Notes Placeholder 2"/>
+          <p:cNvSpPr>
+            <a:spLocks noGrp="1"/>
+          </p:cNvSpPr>
+          <p:nvPr>
+            <p:ph type="body" idx="1"/>
+          </p:nvPr>
+        </p:nvSpPr>
+        <p:spPr/>
+        <p:txBody>
+          <a:bodyPr>
+            <a:normAutofit fontScale="92500" lnSpcReduction="20000"/>
+          </a:bodyPr>
+          <a:lstStyle/>
+          <a:p>
+            <a:pPr marL="0" marR="0" lvl="0" indent="0" algn="l" defTabSz="914400" rtl="0" eaLnBrk="1" fontAlgn="auto" latinLnBrk="0" hangingPunct="1">
+              <a:lnSpc>
+                <a:spcPct val="100000"/>
+              </a:lnSpc>
+              <a:spcBef>
+                <a:spcPts val="0"/>
+              </a:spcBef>
+              <a:spcAft>
+                <a:spcPts val="0"/>
+              </a:spcAft>
+              <a:buClrTx/>
+              <a:buSzTx/>
+              <a:buFontTx/>
+              <a:buNone/>
+              <a:tabLst/>
+              <a:defRPr/>
+            </a:pPr>
+            <a:r>
+              <a:rPr lang="en-US" i="1" dirty="0"/>
+              <a:t>Different algorithms determine how traffic is distributed:"</a:t>
+            </a:r>
+            <a:br>
+              <a:rPr lang="en-US" dirty="0"/>
+            </a:br>
+            <a:r>
+              <a:rPr lang="en-US" dirty="0"/>
+              <a:t>🔹 </a:t>
+            </a:r>
+            <a:r>
+              <a:rPr lang="en-US" b="1" dirty="0"/>
+              <a:t>Round Robin</a:t>
+            </a:r>
+            <a:r>
+              <a:rPr lang="en-US" dirty="0"/>
+              <a:t> – Assigns requests sequentially.</a:t>
+            </a:r>
+            <a:br>
+              <a:rPr lang="en-US" dirty="0"/>
+            </a:br>
+            <a:r>
+              <a:rPr lang="en-US" dirty="0"/>
+              <a:t>🔹 </a:t>
+            </a:r>
+            <a:r>
+              <a:rPr lang="en-US" b="1" dirty="0"/>
+              <a:t>Least Connections</a:t>
+            </a:r>
+            <a:r>
+              <a:rPr lang="en-US" dirty="0"/>
+              <a:t> – Sends traffic to the server with the fewest active connections.</a:t>
+            </a:r>
+            <a:br>
+              <a:rPr lang="en-US" dirty="0"/>
+            </a:br>
+            <a:r>
+              <a:rPr lang="en-US" dirty="0"/>
+              <a:t>🔹 </a:t>
+            </a:r>
+            <a:r>
+              <a:rPr lang="en-US" b="1" dirty="0"/>
+              <a:t>IP Hash</a:t>
+            </a:r>
+            <a:r>
+              <a:rPr lang="en-US" dirty="0"/>
+              <a:t> – Directs a user’s requests to the same server based on their IP address.</a:t>
+            </a:r>
+          </a:p>
+          <a:p>
+            <a:endParaRPr lang="en-GB" dirty="0">
+              <a:solidFill>
+                <a:srgbClr val="374151"/>
+              </a:solidFill>
+              <a:ea typeface="Calibri"/>
+              <a:cs typeface="Calibri"/>
+            </a:endParaRPr>
+          </a:p>
+          <a:p>
+            <a:endParaRPr lang="en-US" dirty="0">
+              <a:ea typeface="Calibri"/>
+            </a:endParaRPr>
+          </a:p>
+          <a:p>
+            <a:pPr>
+              <a:tabLst/>
+              <a:defRPr/>
+            </a:pPr>
+            <a:endParaRPr lang="en-GB" dirty="0">
+              <a:solidFill>
+                <a:prstClr val="black"/>
+              </a:solidFill>
+            </a:endParaRPr>
+          </a:p>
+        </p:txBody>
+      </p:sp>
+    </p:spTree>
+    <p:extLst>
+      <p:ext uri="{BB962C8B-B14F-4D97-AF65-F5344CB8AC3E}">
+        <p14:creationId xmlns:p14="http://schemas.microsoft.com/office/powerpoint/2010/main" val="1663820852"/>
+      </p:ext>
+    </p:extLst>
+  </p:cSld>
+  <p:clrMapOvr>
+    <a:masterClrMapping/>
+  </p:clrMapOvr>
+</p:notes>
+</file>
+
+<file path=ppt/notesSlides/notesSlide16.xml><?xml version="1.0" encoding="utf-8"?>
+<p:notes xmlns:a="http://schemas.openxmlformats.org/drawingml/2006/main" xmlns:r="http://schemas.openxmlformats.org/officeDocument/2006/relationships" xmlns:p="http://schemas.openxmlformats.org/presentationml/2006/main">
+  <p:cSld>
+    <p:spTree>
+      <p:nvGrpSpPr>
+        <p:cNvPr id="1" name=""/>
+        <p:cNvGrpSpPr/>
+        <p:nvPr/>
+      </p:nvGrpSpPr>
+      <p:grpSpPr>
+        <a:xfrm>
+          <a:off x="0" y="0"/>
+          <a:ext cx="0" cy="0"/>
+          <a:chOff x="0" y="0"/>
+          <a:chExt cx="0" cy="0"/>
+        </a:xfrm>
+      </p:grpSpPr>
+      <p:sp>
+        <p:nvSpPr>
+          <p:cNvPr id="2" name="Slide Image Placeholder 1"/>
+          <p:cNvSpPr>
+            <a:spLocks noGrp="1" noRot="1" noChangeAspect="1"/>
+          </p:cNvSpPr>
+          <p:nvPr>
+            <p:ph type="sldImg"/>
+          </p:nvPr>
+        </p:nvSpPr>
+        <p:spPr>
+          <a:xfrm>
+            <a:off x="458788" y="720725"/>
+            <a:ext cx="6397625" cy="3598863"/>
+          </a:xfrm>
+        </p:spPr>
+      </p:sp>
+      <p:sp>
+        <p:nvSpPr>
+          <p:cNvPr id="3" name="Notes Placeholder 2"/>
+          <p:cNvSpPr>
+            <a:spLocks noGrp="1"/>
+          </p:cNvSpPr>
+          <p:nvPr>
+            <p:ph type="body" idx="1"/>
+          </p:nvPr>
+        </p:nvSpPr>
+        <p:spPr/>
+        <p:txBody>
+          <a:bodyPr>
+            <a:normAutofit fontScale="92500" lnSpcReduction="20000"/>
+          </a:bodyPr>
+          <a:lstStyle/>
+          <a:p>
+            <a:pPr>
+              <a:tabLst/>
+              <a:defRPr/>
+            </a:pPr>
+            <a:endParaRPr lang="en-GB" dirty="0">
+              <a:solidFill>
+                <a:prstClr val="black"/>
+              </a:solidFill>
+            </a:endParaRPr>
+          </a:p>
+        </p:txBody>
+      </p:sp>
+    </p:spTree>
+    <p:extLst>
+      <p:ext uri="{BB962C8B-B14F-4D97-AF65-F5344CB8AC3E}">
+        <p14:creationId xmlns:p14="http://schemas.microsoft.com/office/powerpoint/2010/main" val="2839893376"/>
+      </p:ext>
+    </p:extLst>
+  </p:cSld>
+  <p:clrMapOvr>
+    <a:masterClrMapping/>
+  </p:clrMapOvr>
+</p:notes>
+</file>
+
+<file path=ppt/notesSlides/notesSlide17.xml><?xml version="1.0" encoding="utf-8"?>
+<p:notes xmlns:a="http://schemas.openxmlformats.org/drawingml/2006/main" xmlns:r="http://schemas.openxmlformats.org/officeDocument/2006/relationships" xmlns:p="http://schemas.openxmlformats.org/presentationml/2006/main">
+  <p:cSld>
+    <p:spTree>
+      <p:nvGrpSpPr>
+        <p:cNvPr id="1" name=""/>
+        <p:cNvGrpSpPr/>
+        <p:nvPr/>
+      </p:nvGrpSpPr>
+      <p:grpSpPr>
+        <a:xfrm>
+          <a:off x="0" y="0"/>
+          <a:ext cx="0" cy="0"/>
+          <a:chOff x="0" y="0"/>
+          <a:chExt cx="0" cy="0"/>
+        </a:xfrm>
+      </p:grpSpPr>
+      <p:sp>
+        <p:nvSpPr>
+          <p:cNvPr id="2" name="Slide Image Placeholder 1"/>
+          <p:cNvSpPr>
+            <a:spLocks noGrp="1" noRot="1" noChangeAspect="1"/>
+          </p:cNvSpPr>
+          <p:nvPr>
+            <p:ph type="sldImg"/>
+          </p:nvPr>
+        </p:nvSpPr>
+        <p:spPr>
+          <a:xfrm>
+            <a:off x="458788" y="720725"/>
+            <a:ext cx="6397625" cy="3598863"/>
+          </a:xfrm>
+        </p:spPr>
+      </p:sp>
+      <p:sp>
+        <p:nvSpPr>
+          <p:cNvPr id="3" name="Notes Placeholder 2"/>
+          <p:cNvSpPr>
+            <a:spLocks noGrp="1"/>
+          </p:cNvSpPr>
+          <p:nvPr>
+            <p:ph type="body" idx="1"/>
+          </p:nvPr>
+        </p:nvSpPr>
+        <p:spPr/>
+        <p:txBody>
+          <a:bodyPr>
+            <a:normAutofit fontScale="92500" lnSpcReduction="20000"/>
+          </a:bodyPr>
+          <a:lstStyle/>
+          <a:p>
+            <a:pPr>
+              <a:tabLst/>
+              <a:defRPr/>
+            </a:pPr>
+            <a:r>
+              <a:rPr lang="en-US" i="1" dirty="0"/>
+              <a:t>"When a server fails, the system automatically:"</a:t>
+            </a:r>
+            <a:br>
+              <a:rPr lang="en-US" dirty="0"/>
+            </a:br>
+            <a:r>
+              <a:rPr lang="en-US" dirty="0"/>
+              <a:t>✅ </a:t>
+            </a:r>
+            <a:r>
+              <a:rPr lang="en-US" b="1" dirty="0"/>
+              <a:t>Detects the failure</a:t>
+            </a:r>
+            <a:br>
+              <a:rPr lang="en-US" dirty="0"/>
+            </a:br>
+            <a:r>
+              <a:rPr lang="en-US" dirty="0"/>
+              <a:t>✅ </a:t>
+            </a:r>
+            <a:r>
+              <a:rPr lang="en-US" b="1" dirty="0"/>
+              <a:t>Redirects traffic</a:t>
+            </a:r>
+            <a:r>
+              <a:rPr lang="en-US" dirty="0"/>
+              <a:t> to healthy servers</a:t>
+            </a:r>
+            <a:br>
+              <a:rPr lang="en-US" dirty="0"/>
+            </a:br>
+            <a:r>
+              <a:rPr lang="en-US" dirty="0"/>
+              <a:t>✅ </a:t>
+            </a:r>
+            <a:r>
+              <a:rPr lang="en-US" b="1" dirty="0"/>
+              <a:t>Alerts engineers</a:t>
+            </a:r>
+            <a:r>
+              <a:rPr lang="en-US" dirty="0"/>
+              <a:t> for troubleshooting</a:t>
+            </a:r>
+            <a:br>
+              <a:rPr lang="en-US" dirty="0"/>
+            </a:br>
+            <a:r>
+              <a:rPr lang="en-US" dirty="0"/>
+              <a:t>✅ </a:t>
+            </a:r>
+            <a:r>
+              <a:rPr lang="en-US" b="1" dirty="0"/>
+              <a:t>Recovers the failed server</a:t>
+            </a:r>
+            <a:endParaRPr lang="en-GB" dirty="0">
+              <a:solidFill>
+                <a:prstClr val="black"/>
+              </a:solidFill>
+            </a:endParaRPr>
+          </a:p>
+        </p:txBody>
+      </p:sp>
+    </p:spTree>
+    <p:extLst>
+      <p:ext uri="{BB962C8B-B14F-4D97-AF65-F5344CB8AC3E}">
+        <p14:creationId xmlns:p14="http://schemas.microsoft.com/office/powerpoint/2010/main" val="3070044046"/>
+      </p:ext>
+    </p:extLst>
+  </p:cSld>
+  <p:clrMapOvr>
+    <a:masterClrMapping/>
+  </p:clrMapOvr>
+</p:notes>
+</file>
+
+<file path=ppt/notesSlides/notesSlide18.xml><?xml version="1.0" encoding="utf-8"?>
+<p:notes xmlns:a="http://schemas.openxmlformats.org/drawingml/2006/main" xmlns:r="http://schemas.openxmlformats.org/officeDocument/2006/relationships" xmlns:p="http://schemas.openxmlformats.org/presentationml/2006/main">
+  <p:cSld>
+    <p:spTree>
+      <p:nvGrpSpPr>
+        <p:cNvPr id="1" name=""/>
+        <p:cNvGrpSpPr/>
+        <p:nvPr/>
+      </p:nvGrpSpPr>
+      <p:grpSpPr>
+        <a:xfrm>
+          <a:off x="0" y="0"/>
+          <a:ext cx="0" cy="0"/>
+          <a:chOff x="0" y="0"/>
+          <a:chExt cx="0" cy="0"/>
+        </a:xfrm>
+      </p:grpSpPr>
+      <p:sp>
+        <p:nvSpPr>
+          <p:cNvPr id="2" name="Slide Image Placeholder 1"/>
+          <p:cNvSpPr>
+            <a:spLocks noGrp="1" noRot="1" noChangeAspect="1"/>
+          </p:cNvSpPr>
+          <p:nvPr>
+            <p:ph type="sldImg"/>
+          </p:nvPr>
+        </p:nvSpPr>
+        <p:spPr>
+          <a:xfrm>
+            <a:off x="458788" y="720725"/>
+            <a:ext cx="6397625" cy="3598863"/>
+          </a:xfrm>
+        </p:spPr>
+      </p:sp>
+      <p:sp>
+        <p:nvSpPr>
+          <p:cNvPr id="3" name="Notes Placeholder 2"/>
+          <p:cNvSpPr>
+            <a:spLocks noGrp="1"/>
+          </p:cNvSpPr>
+          <p:nvPr>
+            <p:ph type="body" idx="1"/>
+          </p:nvPr>
+        </p:nvSpPr>
+        <p:spPr/>
+        <p:txBody>
+          <a:bodyPr>
+            <a:normAutofit fontScale="92500" lnSpcReduction="20000"/>
+          </a:bodyPr>
+          <a:lstStyle/>
+          <a:p>
+            <a:pPr marL="0" marR="0" lvl="0" indent="0" algn="l" defTabSz="914400" rtl="0" eaLnBrk="1" fontAlgn="auto" latinLnBrk="0" hangingPunct="1">
+              <a:lnSpc>
+                <a:spcPct val="100000"/>
+              </a:lnSpc>
+              <a:spcBef>
+                <a:spcPts val="0"/>
+              </a:spcBef>
+              <a:spcAft>
+                <a:spcPts val="0"/>
+              </a:spcAft>
+              <a:buClrTx/>
+              <a:buSzTx/>
+              <a:buFontTx/>
+              <a:buNone/>
+              <a:tabLst/>
+              <a:defRPr/>
+            </a:pPr>
+            <a:r>
+              <a:rPr lang="en-US" b="1" dirty="0"/>
+              <a:t>What to say:</a:t>
+            </a:r>
+            <a:br>
+              <a:rPr lang="en-US" dirty="0"/>
+            </a:br>
+            <a:r>
+              <a:rPr lang="en-US" i="1" dirty="0"/>
+              <a:t>"When demand increases, we can scale in two ways:"</a:t>
+            </a:r>
+            <a:br>
+              <a:rPr lang="en-US" dirty="0"/>
+            </a:br>
+            <a:r>
+              <a:rPr lang="en-US" dirty="0"/>
+              <a:t>📌 </a:t>
+            </a:r>
+            <a:r>
+              <a:rPr lang="en-US" b="1" dirty="0"/>
+              <a:t>Horizontal Scaling</a:t>
+            </a:r>
+            <a:r>
+              <a:rPr lang="en-US" dirty="0"/>
+              <a:t> – Adding more servers to distribute the load.</a:t>
+            </a:r>
+            <a:br>
+              <a:rPr lang="en-US" dirty="0"/>
+            </a:br>
+            <a:endParaRPr lang="en-GB" dirty="0">
+              <a:solidFill>
+                <a:prstClr val="black"/>
+              </a:solidFill>
+            </a:endParaRPr>
+          </a:p>
+        </p:txBody>
+      </p:sp>
+    </p:spTree>
+    <p:extLst>
+      <p:ext uri="{BB962C8B-B14F-4D97-AF65-F5344CB8AC3E}">
+        <p14:creationId xmlns:p14="http://schemas.microsoft.com/office/powerpoint/2010/main" val="370412200"/>
+      </p:ext>
+    </p:extLst>
+  </p:cSld>
+  <p:clrMapOvr>
+    <a:masterClrMapping/>
+  </p:clrMapOvr>
+</p:notes>
+</file>
+
+<file path=ppt/notesSlides/notesSlide19.xml><?xml version="1.0" encoding="utf-8"?>
+<p:notes xmlns:a="http://schemas.openxmlformats.org/drawingml/2006/main" xmlns:r="http://schemas.openxmlformats.org/officeDocument/2006/relationships" xmlns:p="http://schemas.openxmlformats.org/presentationml/2006/main">
+  <p:cSld>
+    <p:spTree>
+      <p:nvGrpSpPr>
+        <p:cNvPr id="1" name=""/>
+        <p:cNvGrpSpPr/>
+        <p:nvPr/>
+      </p:nvGrpSpPr>
+      <p:grpSpPr>
+        <a:xfrm>
+          <a:off x="0" y="0"/>
+          <a:ext cx="0" cy="0"/>
+          <a:chOff x="0" y="0"/>
+          <a:chExt cx="0" cy="0"/>
+        </a:xfrm>
+      </p:grpSpPr>
+      <p:sp>
+        <p:nvSpPr>
+          <p:cNvPr id="2" name="Slide Image Placeholder 1"/>
+          <p:cNvSpPr>
+            <a:spLocks noGrp="1" noRot="1" noChangeAspect="1"/>
+          </p:cNvSpPr>
+          <p:nvPr>
+            <p:ph type="sldImg"/>
+          </p:nvPr>
+        </p:nvSpPr>
+        <p:spPr>
+          <a:xfrm>
+            <a:off x="458788" y="720725"/>
+            <a:ext cx="6397625" cy="3598863"/>
+          </a:xfrm>
+        </p:spPr>
+      </p:sp>
+      <p:sp>
+        <p:nvSpPr>
+          <p:cNvPr id="3" name="Notes Placeholder 2"/>
+          <p:cNvSpPr>
+            <a:spLocks noGrp="1"/>
+          </p:cNvSpPr>
+          <p:nvPr>
+            <p:ph type="body" idx="1"/>
+          </p:nvPr>
+        </p:nvSpPr>
+        <p:spPr/>
+        <p:txBody>
+          <a:bodyPr>
+            <a:normAutofit fontScale="92500" lnSpcReduction="20000"/>
+          </a:bodyPr>
+          <a:lstStyle/>
+          <a:p>
             <a:pPr>
               <a:tabLst/>
               <a:defRPr/>
@@ -6343,7 +3116,7 @@
     </p:spTree>
     <p:extLst>
       <p:ext uri="{BB962C8B-B14F-4D97-AF65-F5344CB8AC3E}">
-        <p14:creationId xmlns:p14="http://schemas.microsoft.com/office/powerpoint/2010/main" val="3257941541"/>
+        <p14:creationId xmlns:p14="http://schemas.microsoft.com/office/powerpoint/2010/main" val="2692719721"/>
       </p:ext>
     </p:extLst>
   </p:cSld>
@@ -6353,7 +3126,7 @@
 </p:notes>
 </file>
 
-<file path=ppt/notesSlides/notesSlide7.xml><?xml version="1.0" encoding="utf-8"?>
+<file path=ppt/notesSlides/notesSlide2.xml><?xml version="1.0" encoding="utf-8"?>
 <p:notes xmlns:a="http://schemas.openxmlformats.org/drawingml/2006/main" xmlns:r="http://schemas.openxmlformats.org/officeDocument/2006/relationships" xmlns:p="http://schemas.openxmlformats.org/presentationml/2006/main">
   <p:cSld>
     <p:spTree>
@@ -6399,15 +3172,7 @@
           <a:p>
             <a:r>
               <a:rPr lang="en-US" dirty="0"/>
-              <a:t>Share the </a:t>
-            </a:r>
-            <a:r>
-              <a:rPr lang="en-US" dirty="0" err="1"/>
-              <a:t>biuggest</a:t>
-            </a:r>
-            <a:r>
-              <a:rPr lang="en-US" dirty="0"/>
-              <a:t> challenges for HA</a:t>
+              <a:t>Please share your opinion about what is High Availability systems</a:t>
             </a:r>
           </a:p>
         </p:txBody>
@@ -6430,7 +3195,7 @@
             <a:fld id="{C0F4A2C8-6C88-4E71-83EE-698B9D4FE22F}" type="slidenum">
               <a:rPr lang="en-US" smtClean="0"/>
               <a:pPr/>
-              <a:t>10</a:t>
+              <a:t>2</a:t>
             </a:fld>
             <a:endParaRPr lang="en-US" dirty="0"/>
           </a:p>
@@ -6439,7 +3204,1092 @@
     </p:spTree>
     <p:extLst>
       <p:ext uri="{BB962C8B-B14F-4D97-AF65-F5344CB8AC3E}">
-        <p14:creationId xmlns:p14="http://schemas.microsoft.com/office/powerpoint/2010/main" val="3635151844"/>
+        <p14:creationId xmlns:p14="http://schemas.microsoft.com/office/powerpoint/2010/main" val="3280902127"/>
+      </p:ext>
+    </p:extLst>
+  </p:cSld>
+  <p:clrMapOvr>
+    <a:masterClrMapping/>
+  </p:clrMapOvr>
+</p:notes>
+</file>
+
+<file path=ppt/notesSlides/notesSlide20.xml><?xml version="1.0" encoding="utf-8"?>
+<p:notes xmlns:a="http://schemas.openxmlformats.org/drawingml/2006/main" xmlns:r="http://schemas.openxmlformats.org/officeDocument/2006/relationships" xmlns:p="http://schemas.openxmlformats.org/presentationml/2006/main">
+  <p:cSld>
+    <p:spTree>
+      <p:nvGrpSpPr>
+        <p:cNvPr id="1" name=""/>
+        <p:cNvGrpSpPr/>
+        <p:nvPr/>
+      </p:nvGrpSpPr>
+      <p:grpSpPr>
+        <a:xfrm>
+          <a:off x="0" y="0"/>
+          <a:ext cx="0" cy="0"/>
+          <a:chOff x="0" y="0"/>
+          <a:chExt cx="0" cy="0"/>
+        </a:xfrm>
+      </p:grpSpPr>
+      <p:sp>
+        <p:nvSpPr>
+          <p:cNvPr id="2" name="Slide Image Placeholder 1"/>
+          <p:cNvSpPr>
+            <a:spLocks noGrp="1" noRot="1" noChangeAspect="1"/>
+          </p:cNvSpPr>
+          <p:nvPr>
+            <p:ph type="sldImg"/>
+          </p:nvPr>
+        </p:nvSpPr>
+        <p:spPr>
+          <a:xfrm>
+            <a:off x="458788" y="720725"/>
+            <a:ext cx="6397625" cy="3598863"/>
+          </a:xfrm>
+        </p:spPr>
+      </p:sp>
+      <p:sp>
+        <p:nvSpPr>
+          <p:cNvPr id="3" name="Notes Placeholder 2"/>
+          <p:cNvSpPr>
+            <a:spLocks noGrp="1"/>
+          </p:cNvSpPr>
+          <p:nvPr>
+            <p:ph type="body" idx="1"/>
+          </p:nvPr>
+        </p:nvSpPr>
+        <p:spPr/>
+        <p:txBody>
+          <a:bodyPr>
+            <a:normAutofit fontScale="92500" lnSpcReduction="20000"/>
+          </a:bodyPr>
+          <a:lstStyle/>
+          <a:p>
+            <a:r>
+              <a:rPr lang="en-US" sz="2400" b="1" dirty="0"/>
+              <a:t>What to say:</a:t>
+            </a:r>
+            <a:br>
+              <a:rPr lang="en-US" sz="2400" dirty="0"/>
+            </a:br>
+            <a:r>
+              <a:rPr lang="en-US" sz="2400" i="1" dirty="0"/>
+              <a:t>"Auto-Scaling </a:t>
+            </a:r>
+            <a:r>
+              <a:rPr lang="en-US" sz="2400" b="1" i="1" dirty="0"/>
+              <a:t>automatically</a:t>
+            </a:r>
+            <a:r>
+              <a:rPr lang="en-US" sz="2400" i="1" dirty="0"/>
+              <a:t> adjusts system resources based on real-time demand. It helps optimize costs and ensure smooth performance."</a:t>
+            </a:r>
+            <a:endParaRPr lang="en-US" sz="2400" dirty="0"/>
+          </a:p>
+          <a:p>
+            <a:r>
+              <a:rPr lang="en-US" sz="2400" b="1" dirty="0"/>
+              <a:t>Example:</a:t>
+            </a:r>
+            <a:br>
+              <a:rPr lang="en-US" sz="2400" dirty="0"/>
+            </a:br>
+            <a:r>
+              <a:rPr lang="en-US" sz="2400" i="1" dirty="0"/>
+              <a:t>"Netflix scales up during peak hours and scales down when fewer users are streaming.</a:t>
+            </a:r>
+            <a:endParaRPr lang="en-US" sz="2400" dirty="0"/>
+          </a:p>
+          <a:p>
+            <a:pPr>
+              <a:tabLst/>
+              <a:defRPr/>
+            </a:pPr>
+            <a:endParaRPr lang="en-GB" dirty="0">
+              <a:solidFill>
+                <a:prstClr val="black"/>
+              </a:solidFill>
+            </a:endParaRPr>
+          </a:p>
+        </p:txBody>
+      </p:sp>
+    </p:spTree>
+    <p:extLst>
+      <p:ext uri="{BB962C8B-B14F-4D97-AF65-F5344CB8AC3E}">
+        <p14:creationId xmlns:p14="http://schemas.microsoft.com/office/powerpoint/2010/main" val="2410860346"/>
+      </p:ext>
+    </p:extLst>
+  </p:cSld>
+  <p:clrMapOvr>
+    <a:masterClrMapping/>
+  </p:clrMapOvr>
+</p:notes>
+</file>
+
+<file path=ppt/notesSlides/notesSlide21.xml><?xml version="1.0" encoding="utf-8"?>
+<p:notes xmlns:a="http://schemas.openxmlformats.org/drawingml/2006/main" xmlns:r="http://schemas.openxmlformats.org/officeDocument/2006/relationships" xmlns:p="http://schemas.openxmlformats.org/presentationml/2006/main">
+  <p:cSld>
+    <p:spTree>
+      <p:nvGrpSpPr>
+        <p:cNvPr id="1" name=""/>
+        <p:cNvGrpSpPr/>
+        <p:nvPr/>
+      </p:nvGrpSpPr>
+      <p:grpSpPr>
+        <a:xfrm>
+          <a:off x="0" y="0"/>
+          <a:ext cx="0" cy="0"/>
+          <a:chOff x="0" y="0"/>
+          <a:chExt cx="0" cy="0"/>
+        </a:xfrm>
+      </p:grpSpPr>
+      <p:sp>
+        <p:nvSpPr>
+          <p:cNvPr id="2" name="Slide Image Placeholder 1"/>
+          <p:cNvSpPr>
+            <a:spLocks noGrp="1" noRot="1" noChangeAspect="1"/>
+          </p:cNvSpPr>
+          <p:nvPr>
+            <p:ph type="sldImg"/>
+          </p:nvPr>
+        </p:nvSpPr>
+        <p:spPr>
+          <a:xfrm>
+            <a:off x="458788" y="720725"/>
+            <a:ext cx="6397625" cy="3598863"/>
+          </a:xfrm>
+        </p:spPr>
+      </p:sp>
+      <p:sp>
+        <p:nvSpPr>
+          <p:cNvPr id="3" name="Notes Placeholder 2"/>
+          <p:cNvSpPr>
+            <a:spLocks noGrp="1"/>
+          </p:cNvSpPr>
+          <p:nvPr>
+            <p:ph type="body" idx="1"/>
+          </p:nvPr>
+        </p:nvSpPr>
+        <p:spPr/>
+        <p:txBody>
+          <a:bodyPr>
+            <a:normAutofit fontScale="92500" lnSpcReduction="20000"/>
+          </a:bodyPr>
+          <a:lstStyle/>
+          <a:p>
+            <a:pPr marL="0" marR="0" lvl="0" indent="0" algn="l" defTabSz="914400" rtl="0" eaLnBrk="1" fontAlgn="auto" latinLnBrk="0" hangingPunct="1">
+              <a:lnSpc>
+                <a:spcPct val="100000"/>
+              </a:lnSpc>
+              <a:spcBef>
+                <a:spcPts val="0"/>
+              </a:spcBef>
+              <a:spcAft>
+                <a:spcPts val="0"/>
+              </a:spcAft>
+              <a:buClrTx/>
+              <a:buSzTx/>
+              <a:buFontTx/>
+              <a:buNone/>
+              <a:tabLst/>
+              <a:defRPr/>
+            </a:pPr>
+            <a:r>
+              <a:rPr lang="en-US" i="1" dirty="0"/>
+              <a:t>"High Availability is directly linked to a </a:t>
+            </a:r>
+            <a:r>
+              <a:rPr lang="en-US" b="1" i="1" dirty="0"/>
+              <a:t>seamless user experience</a:t>
+            </a:r>
+            <a:r>
+              <a:rPr lang="en-US" i="1" dirty="0"/>
+              <a:t>. Whether it’s streaming services, online shopping, or cloud applications, HA ensures that users get uninterrupted access."</a:t>
+            </a:r>
+            <a:endParaRPr lang="en-US" dirty="0"/>
+          </a:p>
+          <a:p>
+            <a:endParaRPr lang="en-GB" dirty="0">
+              <a:solidFill>
+                <a:srgbClr val="374151"/>
+              </a:solidFill>
+              <a:ea typeface="Calibri"/>
+              <a:cs typeface="Calibri"/>
+            </a:endParaRPr>
+          </a:p>
+          <a:p>
+            <a:endParaRPr lang="en-GB" dirty="0">
+              <a:solidFill>
+                <a:srgbClr val="374151"/>
+              </a:solidFill>
+              <a:ea typeface="Calibri"/>
+              <a:cs typeface="Calibri"/>
+            </a:endParaRPr>
+          </a:p>
+          <a:p>
+            <a:r>
+              <a:rPr lang="en-US" i="1" dirty="0"/>
+              <a:t>"To achieve </a:t>
+            </a:r>
+            <a:r>
+              <a:rPr lang="en-US" b="1" i="1" dirty="0"/>
+              <a:t>High Availability</a:t>
+            </a:r>
+            <a:r>
+              <a:rPr lang="en-US" i="1" dirty="0"/>
+              <a:t>, organizations must:"</a:t>
+            </a:r>
+            <a:br>
+              <a:rPr lang="en-US" dirty="0"/>
+            </a:br>
+            <a:r>
+              <a:rPr lang="en-US" dirty="0"/>
+              <a:t>✅ </a:t>
+            </a:r>
+            <a:r>
+              <a:rPr lang="en-US" b="1" dirty="0"/>
+              <a:t>Use redundant infrastructure</a:t>
+            </a:r>
+            <a:r>
+              <a:rPr lang="en-US" dirty="0"/>
+              <a:t> (multiple servers, failover mechanisms).</a:t>
+            </a:r>
+            <a:br>
+              <a:rPr lang="en-US" dirty="0"/>
+            </a:br>
+            <a:r>
+              <a:rPr lang="en-US" dirty="0"/>
+              <a:t>✅ </a:t>
+            </a:r>
+            <a:r>
+              <a:rPr lang="en-US" b="1" dirty="0"/>
+              <a:t>Implement load balancing</a:t>
+            </a:r>
+            <a:r>
+              <a:rPr lang="en-US" dirty="0"/>
+              <a:t> to distribute traffic efficiently.</a:t>
+            </a:r>
+            <a:br>
+              <a:rPr lang="en-US" dirty="0"/>
+            </a:br>
+            <a:r>
+              <a:rPr lang="en-US" dirty="0"/>
+              <a:t>✅ </a:t>
+            </a:r>
+            <a:r>
+              <a:rPr lang="en-US" b="1" dirty="0"/>
+              <a:t>Scale resources dynamically</a:t>
+            </a:r>
+            <a:r>
+              <a:rPr lang="en-US" dirty="0"/>
+              <a:t> with horizontal and vertical scaling.</a:t>
+            </a:r>
+            <a:br>
+              <a:rPr lang="en-US" dirty="0"/>
+            </a:br>
+            <a:r>
+              <a:rPr lang="en-US" dirty="0"/>
+              <a:t>✅ </a:t>
+            </a:r>
+            <a:r>
+              <a:rPr lang="en-US" b="1" dirty="0"/>
+              <a:t>Have proactive monitoring</a:t>
+            </a:r>
+            <a:r>
+              <a:rPr lang="en-US" dirty="0"/>
+              <a:t> to detect failures early.</a:t>
+            </a:r>
+            <a:endParaRPr lang="en-GB" dirty="0">
+              <a:solidFill>
+                <a:srgbClr val="374151"/>
+              </a:solidFill>
+              <a:ea typeface="Calibri"/>
+              <a:cs typeface="Calibri"/>
+            </a:endParaRPr>
+          </a:p>
+          <a:p>
+            <a:endParaRPr lang="en-US" dirty="0">
+              <a:ea typeface="Calibri"/>
+            </a:endParaRPr>
+          </a:p>
+          <a:p>
+            <a:pPr>
+              <a:tabLst/>
+              <a:defRPr/>
+            </a:pPr>
+            <a:endParaRPr lang="en-GB" dirty="0">
+              <a:solidFill>
+                <a:prstClr val="black"/>
+              </a:solidFill>
+            </a:endParaRPr>
+          </a:p>
+        </p:txBody>
+      </p:sp>
+    </p:spTree>
+    <p:extLst>
+      <p:ext uri="{BB962C8B-B14F-4D97-AF65-F5344CB8AC3E}">
+        <p14:creationId xmlns:p14="http://schemas.microsoft.com/office/powerpoint/2010/main" val="3095426127"/>
+      </p:ext>
+    </p:extLst>
+  </p:cSld>
+  <p:clrMapOvr>
+    <a:masterClrMapping/>
+  </p:clrMapOvr>
+</p:notes>
+</file>
+
+<file path=ppt/notesSlides/notesSlide3.xml><?xml version="1.0" encoding="utf-8"?>
+<p:notes xmlns:a="http://schemas.openxmlformats.org/drawingml/2006/main" xmlns:r="http://schemas.openxmlformats.org/officeDocument/2006/relationships" xmlns:p="http://schemas.openxmlformats.org/presentationml/2006/main">
+  <p:cSld>
+    <p:spTree>
+      <p:nvGrpSpPr>
+        <p:cNvPr id="1" name=""/>
+        <p:cNvGrpSpPr/>
+        <p:nvPr/>
+      </p:nvGrpSpPr>
+      <p:grpSpPr>
+        <a:xfrm>
+          <a:off x="0" y="0"/>
+          <a:ext cx="0" cy="0"/>
+          <a:chOff x="0" y="0"/>
+          <a:chExt cx="0" cy="0"/>
+        </a:xfrm>
+      </p:grpSpPr>
+      <p:sp>
+        <p:nvSpPr>
+          <p:cNvPr id="2" name="Slide Image Placeholder 1"/>
+          <p:cNvSpPr>
+            <a:spLocks noGrp="1" noRot="1" noChangeAspect="1"/>
+          </p:cNvSpPr>
+          <p:nvPr>
+            <p:ph type="sldImg"/>
+          </p:nvPr>
+        </p:nvSpPr>
+        <p:spPr>
+          <a:xfrm>
+            <a:off x="458788" y="720725"/>
+            <a:ext cx="6397625" cy="3598863"/>
+          </a:xfrm>
+        </p:spPr>
+      </p:sp>
+      <p:sp>
+        <p:nvSpPr>
+          <p:cNvPr id="3" name="Notes Placeholder 2"/>
+          <p:cNvSpPr>
+            <a:spLocks noGrp="1"/>
+          </p:cNvSpPr>
+          <p:nvPr>
+            <p:ph type="body" idx="1"/>
+          </p:nvPr>
+        </p:nvSpPr>
+        <p:spPr/>
+        <p:txBody>
+          <a:bodyPr>
+            <a:normAutofit fontScale="92500" lnSpcReduction="20000"/>
+          </a:bodyPr>
+          <a:lstStyle/>
+          <a:p>
+            <a:r>
+              <a:rPr lang="en-US" i="1" dirty="0"/>
+              <a:t>"High Availability (HA) ensures that critical systems remain </a:t>
+            </a:r>
+            <a:r>
+              <a:rPr lang="en-US" b="1" i="1" dirty="0"/>
+              <a:t>operational and accessible</a:t>
+            </a:r>
+            <a:r>
+              <a:rPr lang="en-US" i="1" dirty="0"/>
+              <a:t> despite potential failures. It guarantees minimal downtime and continuous functionality.“</a:t>
+            </a:r>
+          </a:p>
+          <a:p>
+            <a:endParaRPr lang="en-US" dirty="0"/>
+          </a:p>
+          <a:p>
+            <a:r>
+              <a:rPr lang="en-US" i="1" dirty="0"/>
+              <a:t>"HA is essential in industries like </a:t>
+            </a:r>
+            <a:r>
+              <a:rPr lang="en-US" b="1" i="1" dirty="0"/>
+              <a:t>banking, healthcare, telecommunications, and e-commerce</a:t>
+            </a:r>
+            <a:r>
+              <a:rPr lang="en-US" i="1" dirty="0"/>
+              <a:t>, where even a few minutes of downtime can cause massive losses."</a:t>
+            </a:r>
+            <a:endParaRPr lang="en-US" dirty="0"/>
+          </a:p>
+          <a:p>
+            <a:r>
+              <a:rPr lang="en-US" b="1" dirty="0"/>
+              <a:t>Example:</a:t>
+            </a:r>
+          </a:p>
+          <a:p>
+            <a:br>
+              <a:rPr lang="en-US" dirty="0"/>
+            </a:br>
+            <a:r>
+              <a:rPr lang="en-US" i="1" dirty="0"/>
+              <a:t>"Imagine you are trying to make an urgent bank transfer, and the banking system crashes. That’s a nightmare scenario that HA systems aim to prevent."</a:t>
+            </a:r>
+            <a:endParaRPr lang="en-US" dirty="0"/>
+          </a:p>
+          <a:p>
+            <a:pPr>
+              <a:tabLst/>
+              <a:defRPr/>
+            </a:pPr>
+            <a:endParaRPr lang="en-GB" dirty="0">
+              <a:solidFill>
+                <a:prstClr val="black"/>
+              </a:solidFill>
+            </a:endParaRPr>
+          </a:p>
+        </p:txBody>
+      </p:sp>
+    </p:spTree>
+    <p:extLst>
+      <p:ext uri="{BB962C8B-B14F-4D97-AF65-F5344CB8AC3E}">
+        <p14:creationId xmlns:p14="http://schemas.microsoft.com/office/powerpoint/2010/main" val="394243261"/>
+      </p:ext>
+    </p:extLst>
+  </p:cSld>
+  <p:clrMapOvr>
+    <a:masterClrMapping/>
+  </p:clrMapOvr>
+</p:notes>
+</file>
+
+<file path=ppt/notesSlides/notesSlide4.xml><?xml version="1.0" encoding="utf-8"?>
+<p:notes xmlns:a="http://schemas.openxmlformats.org/drawingml/2006/main" xmlns:r="http://schemas.openxmlformats.org/officeDocument/2006/relationships" xmlns:p="http://schemas.openxmlformats.org/presentationml/2006/main">
+  <p:cSld>
+    <p:spTree>
+      <p:nvGrpSpPr>
+        <p:cNvPr id="1" name=""/>
+        <p:cNvGrpSpPr/>
+        <p:nvPr/>
+      </p:nvGrpSpPr>
+      <p:grpSpPr>
+        <a:xfrm>
+          <a:off x="0" y="0"/>
+          <a:ext cx="0" cy="0"/>
+          <a:chOff x="0" y="0"/>
+          <a:chExt cx="0" cy="0"/>
+        </a:xfrm>
+      </p:grpSpPr>
+      <p:sp>
+        <p:nvSpPr>
+          <p:cNvPr id="2" name="Marcador de imagen de diapositiva 1"/>
+          <p:cNvSpPr>
+            <a:spLocks noGrp="1" noRot="1" noChangeAspect="1"/>
+          </p:cNvSpPr>
+          <p:nvPr>
+            <p:ph type="sldImg"/>
+          </p:nvPr>
+        </p:nvSpPr>
+        <p:spPr/>
+      </p:sp>
+      <p:sp>
+        <p:nvSpPr>
+          <p:cNvPr id="3" name="Marcador de notas 2"/>
+          <p:cNvSpPr>
+            <a:spLocks noGrp="1"/>
+          </p:cNvSpPr>
+          <p:nvPr>
+            <p:ph type="body" idx="1"/>
+          </p:nvPr>
+        </p:nvSpPr>
+        <p:spPr/>
+        <p:txBody>
+          <a:bodyPr/>
+          <a:lstStyle/>
+          <a:p>
+            <a:r>
+              <a:rPr lang="en-US" i="1" dirty="0"/>
+              <a:t>"The key objectives of High Availability systems are:"</a:t>
+            </a:r>
+            <a:br>
+              <a:rPr lang="en-US" dirty="0"/>
+            </a:br>
+            <a:r>
+              <a:rPr lang="en-US" dirty="0"/>
+              <a:t>✅ </a:t>
+            </a:r>
+            <a:r>
+              <a:rPr lang="en-US" b="1" dirty="0"/>
+              <a:t>Reliability</a:t>
+            </a:r>
+            <a:r>
+              <a:rPr lang="en-US" dirty="0"/>
+              <a:t> – Systems should perform consistently.</a:t>
+            </a:r>
+            <a:br>
+              <a:rPr lang="en-US" dirty="0"/>
+            </a:br>
+            <a:r>
+              <a:rPr lang="en-US" dirty="0"/>
+              <a:t>✅ </a:t>
+            </a:r>
+            <a:r>
+              <a:rPr lang="en-US" b="1" dirty="0"/>
+              <a:t>Scalability</a:t>
+            </a:r>
+            <a:r>
+              <a:rPr lang="en-US" dirty="0"/>
+              <a:t> – Systems should handle increased loads efficiently.</a:t>
+            </a:r>
+            <a:br>
+              <a:rPr lang="en-US" dirty="0"/>
+            </a:br>
+            <a:r>
+              <a:rPr lang="en-US" dirty="0"/>
+              <a:t>✅ </a:t>
+            </a:r>
+            <a:r>
+              <a:rPr lang="en-US" b="1" dirty="0"/>
+              <a:t>Availability</a:t>
+            </a:r>
+            <a:r>
+              <a:rPr lang="en-US" dirty="0"/>
+              <a:t> – Systems should be accessible at all times.</a:t>
+            </a:r>
+          </a:p>
+          <a:p>
+            <a:endParaRPr lang="en-US" dirty="0"/>
+          </a:p>
+          <a:p>
+            <a:r>
+              <a:rPr lang="en-US" dirty="0"/>
+              <a:t>And so on</a:t>
+            </a:r>
+          </a:p>
+          <a:p>
+            <a:r>
+              <a:rPr lang="en-US" b="1" dirty="0"/>
+              <a:t>Example:</a:t>
+            </a:r>
+            <a:br>
+              <a:rPr lang="en-US" dirty="0"/>
+            </a:br>
+            <a:r>
+              <a:rPr lang="en-US" i="1" dirty="0"/>
+              <a:t>"Think of an online store like Amazon. If their system goes down on Black Friday, they could lose </a:t>
+            </a:r>
+            <a:r>
+              <a:rPr lang="en-US" b="1" i="1" dirty="0"/>
+              <a:t>millions of dollars per second</a:t>
+            </a:r>
+            <a:r>
+              <a:rPr lang="en-US" i="1" dirty="0"/>
+              <a:t>. HA prevents such losses."</a:t>
+            </a:r>
+            <a:endParaRPr lang="en-US" dirty="0"/>
+          </a:p>
+          <a:p>
+            <a:endParaRPr lang="en-US" dirty="0"/>
+          </a:p>
+        </p:txBody>
+      </p:sp>
+      <p:sp>
+        <p:nvSpPr>
+          <p:cNvPr id="4" name="Marcador de número de diapositiva 3"/>
+          <p:cNvSpPr>
+            <a:spLocks noGrp="1"/>
+          </p:cNvSpPr>
+          <p:nvPr>
+            <p:ph type="sldNum" sz="quarter" idx="5"/>
+          </p:nvPr>
+        </p:nvSpPr>
+        <p:spPr/>
+        <p:txBody>
+          <a:bodyPr/>
+          <a:lstStyle/>
+          <a:p>
+            <a:fld id="{C0F4A2C8-6C88-4E71-83EE-698B9D4FE22F}" type="slidenum">
+              <a:rPr lang="en-US" smtClean="0"/>
+              <a:pPr/>
+              <a:t>4</a:t>
+            </a:fld>
+            <a:endParaRPr lang="en-US" dirty="0"/>
+          </a:p>
+        </p:txBody>
+      </p:sp>
+    </p:spTree>
+    <p:extLst>
+      <p:ext uri="{BB962C8B-B14F-4D97-AF65-F5344CB8AC3E}">
+        <p14:creationId xmlns:p14="http://schemas.microsoft.com/office/powerpoint/2010/main" val="208521132"/>
+      </p:ext>
+    </p:extLst>
+  </p:cSld>
+  <p:clrMapOvr>
+    <a:masterClrMapping/>
+  </p:clrMapOvr>
+</p:notes>
+</file>
+
+<file path=ppt/notesSlides/notesSlide5.xml><?xml version="1.0" encoding="utf-8"?>
+<p:notes xmlns:a="http://schemas.openxmlformats.org/drawingml/2006/main" xmlns:r="http://schemas.openxmlformats.org/officeDocument/2006/relationships" xmlns:p="http://schemas.openxmlformats.org/presentationml/2006/main">
+  <p:cSld>
+    <p:spTree>
+      <p:nvGrpSpPr>
+        <p:cNvPr id="1" name=""/>
+        <p:cNvGrpSpPr/>
+        <p:nvPr/>
+      </p:nvGrpSpPr>
+      <p:grpSpPr>
+        <a:xfrm>
+          <a:off x="0" y="0"/>
+          <a:ext cx="0" cy="0"/>
+          <a:chOff x="0" y="0"/>
+          <a:chExt cx="0" cy="0"/>
+        </a:xfrm>
+      </p:grpSpPr>
+      <p:sp>
+        <p:nvSpPr>
+          <p:cNvPr id="2" name="Slide Image Placeholder 1"/>
+          <p:cNvSpPr>
+            <a:spLocks noGrp="1" noRot="1" noChangeAspect="1"/>
+          </p:cNvSpPr>
+          <p:nvPr>
+            <p:ph type="sldImg"/>
+          </p:nvPr>
+        </p:nvSpPr>
+        <p:spPr>
+          <a:xfrm>
+            <a:off x="458788" y="720725"/>
+            <a:ext cx="6397625" cy="3598863"/>
+          </a:xfrm>
+        </p:spPr>
+      </p:sp>
+      <p:sp>
+        <p:nvSpPr>
+          <p:cNvPr id="3" name="Notes Placeholder 2"/>
+          <p:cNvSpPr>
+            <a:spLocks noGrp="1"/>
+          </p:cNvSpPr>
+          <p:nvPr>
+            <p:ph type="body" idx="1"/>
+          </p:nvPr>
+        </p:nvSpPr>
+        <p:spPr/>
+        <p:txBody>
+          <a:bodyPr>
+            <a:normAutofit/>
+          </a:bodyPr>
+          <a:lstStyle/>
+          <a:p>
+            <a:r>
+              <a:rPr lang="en-US" i="1" dirty="0"/>
+              <a:t>"HA is widely used in industries such as:“</a:t>
+            </a:r>
+          </a:p>
+          <a:p>
+            <a:br>
+              <a:rPr lang="en-US" dirty="0"/>
+            </a:br>
+            <a:r>
+              <a:rPr lang="en-US" dirty="0"/>
+              <a:t>📌 </a:t>
+            </a:r>
+            <a:r>
+              <a:rPr lang="en-US" b="1" dirty="0"/>
+              <a:t>Finance</a:t>
+            </a:r>
+            <a:r>
+              <a:rPr lang="en-US" dirty="0"/>
+              <a:t> (Banks, ATMs, online payments)</a:t>
+            </a:r>
+            <a:br>
+              <a:rPr lang="en-US" dirty="0"/>
+            </a:br>
+            <a:r>
+              <a:rPr lang="en-US" dirty="0"/>
+              <a:t>📌 </a:t>
+            </a:r>
+            <a:r>
+              <a:rPr lang="en-US" b="1" dirty="0"/>
+              <a:t>Healthcare</a:t>
+            </a:r>
+            <a:r>
+              <a:rPr lang="en-US" dirty="0"/>
+              <a:t> (Hospital databases, medical devices)</a:t>
+            </a:r>
+            <a:br>
+              <a:rPr lang="en-US" dirty="0"/>
+            </a:br>
+            <a:r>
+              <a:rPr lang="en-US" dirty="0"/>
+              <a:t>📌 </a:t>
+            </a:r>
+            <a:r>
+              <a:rPr lang="en-US" b="1" dirty="0"/>
+              <a:t>Telecom</a:t>
+            </a:r>
+            <a:r>
+              <a:rPr lang="en-US" dirty="0"/>
+              <a:t> (Cellular networks, VoIP services)</a:t>
+            </a:r>
+            <a:br>
+              <a:rPr lang="en-US" dirty="0"/>
+            </a:br>
+            <a:r>
+              <a:rPr lang="en-US" dirty="0"/>
+              <a:t>📌 </a:t>
+            </a:r>
+            <a:r>
+              <a:rPr lang="en-US" b="1" dirty="0"/>
+              <a:t>E-commerce</a:t>
+            </a:r>
+            <a:r>
+              <a:rPr lang="en-US" dirty="0"/>
+              <a:t> (Amazon, eBay, Shopify)</a:t>
+            </a:r>
+            <a:br>
+              <a:rPr lang="en-US" dirty="0"/>
+            </a:br>
+            <a:r>
+              <a:rPr lang="en-US" dirty="0"/>
+              <a:t>📌 </a:t>
+            </a:r>
+            <a:r>
+              <a:rPr lang="en-US" b="1" dirty="0"/>
+              <a:t>Cloud Services</a:t>
+            </a:r>
+            <a:r>
+              <a:rPr lang="en-US" dirty="0"/>
+              <a:t> (AWS, Azure, Google Cloud)</a:t>
+            </a:r>
+          </a:p>
+          <a:p>
+            <a:endParaRPr lang="en-US" dirty="0"/>
+          </a:p>
+          <a:p>
+            <a:r>
+              <a:rPr lang="en-US" i="1" dirty="0"/>
+              <a:t>"Each of these industries </a:t>
+            </a:r>
+            <a:r>
+              <a:rPr lang="en-US" b="1" i="1" dirty="0"/>
+              <a:t>cannot afford downtime</a:t>
+            </a:r>
+            <a:r>
+              <a:rPr lang="en-US" i="1" dirty="0"/>
+              <a:t> because it would cause financial, operational, or even life-threatening issues."</a:t>
+            </a:r>
+            <a:endParaRPr lang="en-US" dirty="0"/>
+          </a:p>
+          <a:p>
+            <a:endParaRPr lang="en-US" dirty="0"/>
+          </a:p>
+        </p:txBody>
+      </p:sp>
+    </p:spTree>
+    <p:extLst>
+      <p:ext uri="{BB962C8B-B14F-4D97-AF65-F5344CB8AC3E}">
+        <p14:creationId xmlns:p14="http://schemas.microsoft.com/office/powerpoint/2010/main" val="310422810"/>
+      </p:ext>
+    </p:extLst>
+  </p:cSld>
+  <p:clrMapOvr>
+    <a:masterClrMapping/>
+  </p:clrMapOvr>
+</p:notes>
+</file>
+
+<file path=ppt/notesSlides/notesSlide6.xml><?xml version="1.0" encoding="utf-8"?>
+<p:notes xmlns:a="http://schemas.openxmlformats.org/drawingml/2006/main" xmlns:r="http://schemas.openxmlformats.org/officeDocument/2006/relationships" xmlns:p="http://schemas.openxmlformats.org/presentationml/2006/main">
+  <p:cSld>
+    <p:spTree>
+      <p:nvGrpSpPr>
+        <p:cNvPr id="1" name=""/>
+        <p:cNvGrpSpPr/>
+        <p:nvPr/>
+      </p:nvGrpSpPr>
+      <p:grpSpPr>
+        <a:xfrm>
+          <a:off x="0" y="0"/>
+          <a:ext cx="0" cy="0"/>
+          <a:chOff x="0" y="0"/>
+          <a:chExt cx="0" cy="0"/>
+        </a:xfrm>
+      </p:grpSpPr>
+      <p:sp>
+        <p:nvSpPr>
+          <p:cNvPr id="2" name="Slide Image Placeholder 1"/>
+          <p:cNvSpPr>
+            <a:spLocks noGrp="1" noRot="1" noChangeAspect="1"/>
+          </p:cNvSpPr>
+          <p:nvPr>
+            <p:ph type="sldImg"/>
+          </p:nvPr>
+        </p:nvSpPr>
+        <p:spPr>
+          <a:xfrm>
+            <a:off x="458788" y="720725"/>
+            <a:ext cx="6397625" cy="3598863"/>
+          </a:xfrm>
+        </p:spPr>
+      </p:sp>
+      <p:sp>
+        <p:nvSpPr>
+          <p:cNvPr id="3" name="Notes Placeholder 2"/>
+          <p:cNvSpPr>
+            <a:spLocks noGrp="1"/>
+          </p:cNvSpPr>
+          <p:nvPr>
+            <p:ph type="body" idx="1"/>
+          </p:nvPr>
+        </p:nvSpPr>
+        <p:spPr/>
+        <p:txBody>
+          <a:bodyPr>
+            <a:normAutofit fontScale="92500" lnSpcReduction="20000"/>
+          </a:bodyPr>
+          <a:lstStyle/>
+          <a:p>
+            <a:endParaRPr lang="en-GB" dirty="0">
+              <a:solidFill>
+                <a:srgbClr val="374151"/>
+              </a:solidFill>
+              <a:ea typeface="Calibri"/>
+              <a:cs typeface="Calibri"/>
+            </a:endParaRPr>
+          </a:p>
+          <a:p>
+            <a:endParaRPr lang="en-GB" dirty="0">
+              <a:solidFill>
+                <a:srgbClr val="374151"/>
+              </a:solidFill>
+              <a:ea typeface="Calibri"/>
+              <a:cs typeface="Calibri"/>
+            </a:endParaRPr>
+          </a:p>
+          <a:p>
+            <a:endParaRPr lang="en-US" dirty="0">
+              <a:ea typeface="Calibri"/>
+            </a:endParaRPr>
+          </a:p>
+          <a:p>
+            <a:pPr>
+              <a:tabLst/>
+              <a:defRPr/>
+            </a:pPr>
+            <a:endParaRPr lang="en-GB" dirty="0">
+              <a:solidFill>
+                <a:prstClr val="black"/>
+              </a:solidFill>
+            </a:endParaRPr>
+          </a:p>
+        </p:txBody>
+      </p:sp>
+    </p:spTree>
+    <p:extLst>
+      <p:ext uri="{BB962C8B-B14F-4D97-AF65-F5344CB8AC3E}">
+        <p14:creationId xmlns:p14="http://schemas.microsoft.com/office/powerpoint/2010/main" val="1749272117"/>
+      </p:ext>
+    </p:extLst>
+  </p:cSld>
+  <p:clrMapOvr>
+    <a:masterClrMapping/>
+  </p:clrMapOvr>
+</p:notes>
+</file>
+
+<file path=ppt/notesSlides/notesSlide7.xml><?xml version="1.0" encoding="utf-8"?>
+<p:notes xmlns:a="http://schemas.openxmlformats.org/drawingml/2006/main" xmlns:r="http://schemas.openxmlformats.org/officeDocument/2006/relationships" xmlns:p="http://schemas.openxmlformats.org/presentationml/2006/main">
+  <p:cSld>
+    <p:spTree>
+      <p:nvGrpSpPr>
+        <p:cNvPr id="1" name=""/>
+        <p:cNvGrpSpPr/>
+        <p:nvPr/>
+      </p:nvGrpSpPr>
+      <p:grpSpPr>
+        <a:xfrm>
+          <a:off x="0" y="0"/>
+          <a:ext cx="0" cy="0"/>
+          <a:chOff x="0" y="0"/>
+          <a:chExt cx="0" cy="0"/>
+        </a:xfrm>
+      </p:grpSpPr>
+      <p:sp>
+        <p:nvSpPr>
+          <p:cNvPr id="2" name="Marcador de imagen de diapositiva 1"/>
+          <p:cNvSpPr>
+            <a:spLocks noGrp="1" noRot="1" noChangeAspect="1"/>
+          </p:cNvSpPr>
+          <p:nvPr>
+            <p:ph type="sldImg"/>
+          </p:nvPr>
+        </p:nvSpPr>
+        <p:spPr/>
+      </p:sp>
+      <p:sp>
+        <p:nvSpPr>
+          <p:cNvPr id="3" name="Marcador de notas 2"/>
+          <p:cNvSpPr>
+            <a:spLocks noGrp="1"/>
+          </p:cNvSpPr>
+          <p:nvPr>
+            <p:ph type="body" idx="1"/>
+          </p:nvPr>
+        </p:nvSpPr>
+        <p:spPr/>
+        <p:txBody>
+          <a:bodyPr/>
+          <a:lstStyle/>
+          <a:p>
+            <a:br>
+              <a:rPr lang="en-US" dirty="0"/>
+            </a:br>
+            <a:r>
+              <a:rPr lang="en-US" i="1" dirty="0"/>
+              <a:t>"Even with advanced infrastructure, </a:t>
+            </a:r>
+            <a:r>
+              <a:rPr lang="en-US" b="1" i="1" dirty="0"/>
+              <a:t>no system can be online 100% of the time</a:t>
+            </a:r>
+            <a:r>
+              <a:rPr lang="en-US" i="1" dirty="0"/>
+              <a:t> due to:"</a:t>
+            </a:r>
+            <a:br>
+              <a:rPr lang="en-US" dirty="0"/>
+            </a:br>
+            <a:r>
+              <a:rPr lang="en-US" dirty="0"/>
+              <a:t>⚠️ </a:t>
+            </a:r>
+            <a:r>
+              <a:rPr lang="en-US" b="1" dirty="0"/>
+              <a:t>Hardware failures</a:t>
+            </a:r>
+            <a:r>
+              <a:rPr lang="en-US" dirty="0"/>
+              <a:t> (Server breakdowns)</a:t>
+            </a:r>
+            <a:br>
+              <a:rPr lang="en-US" dirty="0"/>
+            </a:br>
+            <a:r>
+              <a:rPr lang="en-US" dirty="0"/>
+              <a:t>⚠️ </a:t>
+            </a:r>
+            <a:r>
+              <a:rPr lang="en-US" b="1" dirty="0"/>
+              <a:t>Software bugs</a:t>
+            </a:r>
+            <a:r>
+              <a:rPr lang="en-US" dirty="0"/>
+              <a:t> (Unexpected glitches)</a:t>
+            </a:r>
+            <a:br>
+              <a:rPr lang="en-US" dirty="0"/>
+            </a:br>
+            <a:r>
+              <a:rPr lang="en-US" dirty="0"/>
+              <a:t>⚠️ </a:t>
+            </a:r>
+            <a:r>
+              <a:rPr lang="en-US" b="1" dirty="0"/>
+              <a:t>Human errors</a:t>
+            </a:r>
+            <a:r>
+              <a:rPr lang="en-US" dirty="0"/>
+              <a:t> (Configuration mistakes)</a:t>
+            </a:r>
+            <a:br>
+              <a:rPr lang="en-US" dirty="0"/>
+            </a:br>
+            <a:r>
+              <a:rPr lang="en-US" dirty="0"/>
+              <a:t>⚠️ </a:t>
+            </a:r>
+            <a:r>
+              <a:rPr lang="en-US" b="1" dirty="0"/>
+              <a:t>Security threats</a:t>
+            </a:r>
+            <a:r>
+              <a:rPr lang="en-US" dirty="0"/>
+              <a:t> (Cyberattacks, ransomware)</a:t>
+            </a:r>
+            <a:br>
+              <a:rPr lang="en-US" dirty="0"/>
+            </a:br>
+            <a:r>
+              <a:rPr lang="en-US" dirty="0"/>
+              <a:t>⚠️ </a:t>
+            </a:r>
+            <a:r>
+              <a:rPr lang="en-US" b="1" dirty="0"/>
+              <a:t>Power outages</a:t>
+            </a:r>
+            <a:r>
+              <a:rPr lang="en-US" dirty="0"/>
+              <a:t> (Natural disasters, grid failures)</a:t>
+            </a:r>
+          </a:p>
+          <a:p>
+            <a:endParaRPr lang="en-US" b="1" dirty="0"/>
+          </a:p>
+          <a:p>
+            <a:r>
+              <a:rPr lang="en-US" b="1" dirty="0"/>
+              <a:t>Example:</a:t>
+            </a:r>
+            <a:br>
+              <a:rPr lang="en-US" dirty="0"/>
+            </a:br>
+            <a:r>
+              <a:rPr lang="en-US" i="1" dirty="0"/>
+              <a:t>"Even companies like Google and Amazon experience downtime occasionally. The goal is to reduce downtime </a:t>
+            </a:r>
+            <a:r>
+              <a:rPr lang="en-US" b="1" i="1" dirty="0"/>
+              <a:t>as much as possible</a:t>
+            </a:r>
+            <a:r>
+              <a:rPr lang="en-US" i="1" dirty="0"/>
+              <a:t> rather than eliminating it completely."</a:t>
+            </a:r>
+            <a:endParaRPr lang="en-US" dirty="0"/>
+          </a:p>
+          <a:p>
+            <a:endParaRPr lang="en-US" dirty="0"/>
+          </a:p>
+        </p:txBody>
+      </p:sp>
+      <p:sp>
+        <p:nvSpPr>
+          <p:cNvPr id="4" name="Marcador de número de diapositiva 3"/>
+          <p:cNvSpPr>
+            <a:spLocks noGrp="1"/>
+          </p:cNvSpPr>
+          <p:nvPr>
+            <p:ph type="sldNum" sz="quarter" idx="5"/>
+          </p:nvPr>
+        </p:nvSpPr>
+        <p:spPr/>
+        <p:txBody>
+          <a:bodyPr/>
+          <a:lstStyle/>
+          <a:p>
+            <a:fld id="{C0F4A2C8-6C88-4E71-83EE-698B9D4FE22F}" type="slidenum">
+              <a:rPr lang="en-US" smtClean="0"/>
+              <a:pPr/>
+              <a:t>7</a:t>
+            </a:fld>
+            <a:endParaRPr lang="en-US" dirty="0"/>
+          </a:p>
+        </p:txBody>
+      </p:sp>
+    </p:spTree>
+    <p:extLst>
+      <p:ext uri="{BB962C8B-B14F-4D97-AF65-F5344CB8AC3E}">
+        <p14:creationId xmlns:p14="http://schemas.microsoft.com/office/powerpoint/2010/main" val="4062650121"/>
       </p:ext>
     </p:extLst>
   </p:cSld>
@@ -6476,12 +4326,7 @@
             <p:ph type="sldImg"/>
           </p:nvPr>
         </p:nvSpPr>
-        <p:spPr>
-          <a:xfrm>
-            <a:off x="458788" y="720725"/>
-            <a:ext cx="6397625" cy="3598863"/>
-          </a:xfrm>
-        </p:spPr>
+        <p:spPr/>
       </p:sp>
       <p:sp>
         <p:nvSpPr>
@@ -6495,379 +4340,122 @@
         </p:nvSpPr>
         <p:spPr/>
         <p:txBody>
-          <a:bodyPr>
-            <a:normAutofit fontScale="92500" lnSpcReduction="20000"/>
-          </a:bodyPr>
+          <a:bodyPr/>
           <a:lstStyle/>
           <a:p>
-            <a:pPr>
-              <a:tabLst/>
-              <a:defRPr/>
-            </a:pPr>
-            <a:r>
-              <a:rPr kumimoji="0" lang="en-US" sz="1600" b="1" i="0" u="none" strike="noStrike" kern="1200" cap="none" spc="0" normalizeH="0" baseline="0" noProof="0" dirty="0">
-                <a:ln>
-                  <a:noFill/>
-                </a:ln>
-                <a:solidFill>
-                  <a:schemeClr val="accent2"/>
-                </a:solidFill>
-                <a:effectLst/>
-                <a:uLnTx/>
-                <a:uFillTx/>
-                <a:latin typeface="+mj-lt"/>
-                <a:ea typeface="+mn-ea"/>
-                <a:cs typeface="Calibri Light"/>
-              </a:rPr>
-              <a:t>What is Performance Testing?</a:t>
-            </a:r>
             <a:br>
               <a:rPr lang="en-US" dirty="0"/>
             </a:br>
             <a:r>
-              <a:rPr kumimoji="0" lang="en-GB" sz="1200" b="0" i="0" u="none" strike="noStrike" kern="1200" cap="none" spc="0" normalizeH="0" baseline="0" noProof="0" dirty="0">
-                <a:ln>
-                  <a:noFill/>
-                </a:ln>
-                <a:solidFill>
-                  <a:srgbClr val="374151"/>
-                </a:solidFill>
-                <a:effectLst/>
-                <a:uLnTx/>
-                <a:uFillTx/>
-                <a:ea typeface="+mn-lt"/>
-                <a:cs typeface="+mn-lt"/>
-              </a:rPr>
-              <a:t>Performance testing is a </a:t>
-            </a:r>
-            <a:r>
-              <a:rPr lang="en-GB" dirty="0">
-                <a:solidFill>
-                  <a:srgbClr val="374151"/>
-                </a:solidFill>
-                <a:ea typeface="+mn-lt"/>
-                <a:cs typeface="+mn-lt"/>
-              </a:rPr>
-              <a:t>crucial aspect of software testing that focuses on evaluating the speed, responsiveness, and overall efficiency of a software application or system under various conditions. The primary goal is to assess how well the system performs under different workloads and to identify potential bottlenecks or performance issues.</a:t>
-            </a:r>
-            <a:endParaRPr lang="en-GB" dirty="0">
-              <a:solidFill>
-                <a:srgbClr val="000000"/>
-              </a:solidFill>
-              <a:ea typeface="+mn-lt"/>
-            </a:endParaRPr>
-          </a:p>
-          <a:p>
-            <a:pPr>
-              <a:tabLst/>
-              <a:defRPr/>
-            </a:pPr>
-            <a:endParaRPr lang="en-GB" dirty="0">
-              <a:solidFill>
-                <a:srgbClr val="374151"/>
-              </a:solidFill>
-              <a:ea typeface="+mn-lt"/>
-              <a:cs typeface="+mn-lt"/>
-            </a:endParaRPr>
-          </a:p>
-          <a:p>
-            <a:pPr>
-              <a:tabLst/>
-              <a:defRPr/>
-            </a:pPr>
-            <a:r>
-              <a:rPr lang="en-GB" dirty="0">
-                <a:solidFill>
-                  <a:srgbClr val="374151"/>
-                </a:solidFill>
-                <a:ea typeface="+mn-lt"/>
-                <a:cs typeface="+mn-lt"/>
-              </a:rPr>
-              <a:t> This </a:t>
-            </a:r>
-            <a:r>
-              <a:rPr kumimoji="0" lang="en-GB" sz="1200" b="0" i="0" u="none" strike="noStrike" kern="1200" cap="none" spc="0" normalizeH="0" baseline="0" noProof="0" dirty="0">
-                <a:ln>
-                  <a:noFill/>
-                </a:ln>
-                <a:solidFill>
-                  <a:srgbClr val="374151"/>
-                </a:solidFill>
-                <a:effectLst/>
-                <a:uLnTx/>
-                <a:uFillTx/>
-                <a:ea typeface="+mn-lt"/>
-                <a:cs typeface="+mn-lt"/>
-              </a:rPr>
-              <a:t>type of testing</a:t>
-            </a:r>
-            <a:r>
-              <a:rPr lang="en-GB" dirty="0">
-                <a:solidFill>
-                  <a:srgbClr val="374151"/>
-                </a:solidFill>
-                <a:ea typeface="+mn-lt"/>
-                <a:cs typeface="+mn-lt"/>
-              </a:rPr>
-              <a:t> helps ensure that the application meets performance requirements, delivers a satisfactory user experience, and can handle the expected load without degradation in performance</a:t>
-            </a:r>
-            <a:r>
-              <a:rPr kumimoji="0" lang="en-GB" sz="1200" b="0" i="0" u="none" strike="noStrike" kern="1200" cap="none" spc="0" normalizeH="0" baseline="0" noProof="0" dirty="0">
-                <a:ln>
-                  <a:noFill/>
-                </a:ln>
-                <a:solidFill>
-                  <a:srgbClr val="374151"/>
-                </a:solidFill>
-                <a:effectLst/>
-                <a:uLnTx/>
-                <a:uFillTx/>
-                <a:ea typeface="+mn-lt"/>
-                <a:cs typeface="+mn-lt"/>
-              </a:rPr>
-              <a:t>.</a:t>
-            </a:r>
-            <a:r>
-              <a:rPr lang="en-GB" dirty="0">
-                <a:solidFill>
-                  <a:srgbClr val="374151"/>
-                </a:solidFill>
-                <a:ea typeface="+mn-lt"/>
-                <a:cs typeface="+mn-lt"/>
-              </a:rPr>
-              <a:t> Performance testing typically involves activities such as load testing, stress testing, and scalability testing to simulate real-world usage scenarios and assess the system's robustness and stability.</a:t>
-            </a:r>
-          </a:p>
-          <a:p>
-            <a:pPr>
-              <a:tabLst/>
-              <a:defRPr/>
-            </a:pPr>
-            <a:endParaRPr lang="en-GB" dirty="0">
-              <a:solidFill>
-                <a:srgbClr val="374151"/>
-              </a:solidFill>
-              <a:ea typeface="+mn-lt"/>
-              <a:cs typeface="+mn-lt"/>
-            </a:endParaRPr>
-          </a:p>
-          <a:p>
-            <a:pPr>
-              <a:tabLst/>
-              <a:defRPr/>
-            </a:pPr>
-            <a:endParaRPr lang="en-GB" dirty="0">
-              <a:solidFill>
-                <a:srgbClr val="374151"/>
-              </a:solidFill>
-              <a:ea typeface="+mn-lt"/>
-              <a:cs typeface="+mn-lt"/>
-            </a:endParaRPr>
-          </a:p>
-          <a:p>
-            <a:pPr marL="0" marR="0" lvl="0" indent="0" algn="l" defTabSz="914400" rtl="0" eaLnBrk="1" fontAlgn="auto" latinLnBrk="0" hangingPunct="1">
-              <a:lnSpc>
-                <a:spcPct val="100000"/>
-              </a:lnSpc>
-              <a:spcBef>
-                <a:spcPts val="0"/>
-              </a:spcBef>
-              <a:spcAft>
-                <a:spcPts val="600"/>
-              </a:spcAft>
-              <a:buClrTx/>
-              <a:buSzPct val="100000"/>
-              <a:buFont typeface="Arial" panose="020B0604020202020204" pitchFamily="34" charset="0"/>
-              <a:buNone/>
-              <a:tabLst/>
-              <a:defRPr/>
-            </a:pPr>
-            <a:r>
-              <a:rPr kumimoji="0" lang="en-US" sz="1600" b="1" i="0" u="none" strike="noStrike" kern="1200" cap="none" spc="0" normalizeH="0" baseline="0" noProof="0" dirty="0">
-                <a:ln>
-                  <a:noFill/>
-                </a:ln>
-                <a:solidFill>
-                  <a:schemeClr val="accent2"/>
-                </a:solidFill>
-                <a:effectLst/>
-                <a:uLnTx/>
-                <a:uFillTx/>
-                <a:latin typeface="+mj-lt"/>
-                <a:ea typeface="+mn-ea"/>
-                <a:cs typeface="Calibri Light"/>
-              </a:rPr>
-              <a:t>Why is Important?</a:t>
-            </a:r>
-          </a:p>
-          <a:p>
-            <a:pPr>
-              <a:tabLst/>
-              <a:defRPr/>
-            </a:pPr>
-            <a:r>
-              <a:rPr lang="en-GB" b="1" dirty="0">
-                <a:solidFill>
-                  <a:prstClr val="black"/>
-                </a:solidFill>
-                <a:ea typeface="+mn-lt"/>
-                <a:cs typeface="+mn-lt"/>
-              </a:rPr>
-              <a:t>Risk Mitigation:</a:t>
-            </a:r>
-            <a:r>
-              <a:rPr lang="en-GB" dirty="0">
-                <a:solidFill>
-                  <a:srgbClr val="374151"/>
-                </a:solidFill>
-                <a:ea typeface="+mn-lt"/>
-                <a:cs typeface="+mn-lt"/>
-              </a:rPr>
-              <a:t> Performance testing aids in identifying and mitigating potential risks associated with system performance, providing confidence in the application's ability to handle varying workloads in real-world scenarios.</a:t>
-            </a:r>
-            <a:endParaRPr lang="en-GB" dirty="0">
-              <a:ea typeface="Calibri"/>
-            </a:endParaRPr>
-          </a:p>
-          <a:p>
-            <a:endParaRPr lang="en-GB" dirty="0">
-              <a:solidFill>
-                <a:srgbClr val="374151"/>
-              </a:solidFill>
-              <a:ea typeface="Calibri"/>
-              <a:cs typeface="Calibri"/>
-            </a:endParaRPr>
-          </a:p>
-          <a:p>
-            <a:r>
-              <a:rPr lang="en-GB" b="1" dirty="0">
-                <a:solidFill>
-                  <a:srgbClr val="374151"/>
-                </a:solidFill>
-                <a:ea typeface="+mn-lt"/>
-                <a:cs typeface="+mn-lt"/>
-              </a:rPr>
-              <a:t>User Experience Assurance:</a:t>
-            </a:r>
-            <a:r>
-              <a:rPr lang="en-GB" dirty="0">
-                <a:solidFill>
-                  <a:srgbClr val="374151"/>
-                </a:solidFill>
-                <a:ea typeface="+mn-lt"/>
-                <a:cs typeface="+mn-lt"/>
-              </a:rPr>
-              <a:t> Performance testing helps ensure that the software application delivers a seamless and responsive user experience, meeting user expectations for speed and reliability.</a:t>
-            </a:r>
-            <a:endParaRPr lang="en-GB" dirty="0"/>
-          </a:p>
-          <a:p>
-            <a:endParaRPr lang="en-GB" dirty="0">
-              <a:solidFill>
-                <a:srgbClr val="374151"/>
-              </a:solidFill>
-              <a:ea typeface="Calibri"/>
-              <a:cs typeface="Calibri"/>
-            </a:endParaRPr>
-          </a:p>
-          <a:p>
-            <a:r>
-              <a:rPr lang="en-GB" b="1" dirty="0">
-                <a:solidFill>
-                  <a:srgbClr val="374151"/>
-                </a:solidFill>
-                <a:ea typeface="+mn-lt"/>
-                <a:cs typeface="+mn-lt"/>
-              </a:rPr>
-              <a:t>Identifying Bottlenecks:</a:t>
-            </a:r>
-            <a:r>
-              <a:rPr lang="en-GB" dirty="0">
-                <a:solidFill>
-                  <a:srgbClr val="374151"/>
-                </a:solidFill>
-                <a:ea typeface="+mn-lt"/>
-                <a:cs typeface="+mn-lt"/>
-              </a:rPr>
-              <a:t> By simulating various levels of user loads, performance testing helps identify potential bottlenecks and weaknesses in the system, enabling proactive optimization before deployment.</a:t>
-            </a:r>
-            <a:endParaRPr lang="en-GB" dirty="0"/>
-          </a:p>
-          <a:p>
-            <a:endParaRPr lang="en-GB" dirty="0">
-              <a:solidFill>
-                <a:srgbClr val="374151"/>
-              </a:solidFill>
-              <a:ea typeface="Calibri"/>
-              <a:cs typeface="Calibri"/>
-            </a:endParaRPr>
-          </a:p>
-          <a:p>
-            <a:r>
-              <a:rPr lang="en-GB" b="1" dirty="0">
-                <a:solidFill>
-                  <a:srgbClr val="374151"/>
-                </a:solidFill>
-                <a:ea typeface="+mn-lt"/>
-                <a:cs typeface="+mn-lt"/>
-              </a:rPr>
-              <a:t>Scalability Assessment:</a:t>
-            </a:r>
-            <a:r>
-              <a:rPr lang="en-GB" dirty="0">
-                <a:solidFill>
-                  <a:srgbClr val="374151"/>
-                </a:solidFill>
-                <a:ea typeface="+mn-lt"/>
-                <a:cs typeface="+mn-lt"/>
-              </a:rPr>
-              <a:t> It assesses the system's scalability by testing its ability to handle increasing loads, helping organizations plan for future growth and ensuring the system's capacity aligns with business needs.</a:t>
-            </a:r>
-            <a:endParaRPr lang="en-GB" dirty="0">
-              <a:ea typeface="+mn-lt"/>
-              <a:cs typeface="+mn-lt"/>
-            </a:endParaRPr>
-          </a:p>
-          <a:p>
-            <a:endParaRPr lang="en-GB" dirty="0">
-              <a:solidFill>
-                <a:srgbClr val="374151"/>
-              </a:solidFill>
-              <a:ea typeface="Calibri"/>
-              <a:cs typeface="Calibri"/>
-            </a:endParaRPr>
-          </a:p>
-          <a:p>
-            <a:endParaRPr lang="en-GB" dirty="0">
-              <a:solidFill>
-                <a:srgbClr val="374151"/>
-              </a:solidFill>
-              <a:ea typeface="Calibri"/>
-              <a:cs typeface="Calibri"/>
-            </a:endParaRPr>
-          </a:p>
-          <a:p>
-            <a:endParaRPr lang="en-US" dirty="0">
-              <a:ea typeface="Calibri"/>
-            </a:endParaRPr>
-          </a:p>
-          <a:p>
-            <a:pPr>
-              <a:tabLst/>
-              <a:defRPr/>
-            </a:pPr>
-            <a:endParaRPr lang="en-GB" dirty="0">
-              <a:solidFill>
-                <a:prstClr val="black"/>
-              </a:solidFill>
-            </a:endParaRPr>
+              <a:rPr lang="en-US" i="1" dirty="0"/>
+              <a:t>"To ensure High Availability, systems must include:“</a:t>
+            </a:r>
+          </a:p>
+          <a:p>
+            <a:br>
+              <a:rPr lang="en-US" dirty="0"/>
+            </a:br>
+            <a:r>
+              <a:rPr lang="en-US" dirty="0"/>
+              <a:t>✅ </a:t>
+            </a:r>
+            <a:r>
+              <a:rPr lang="en-US" b="1" dirty="0"/>
+              <a:t>Multiple servers</a:t>
+            </a:r>
+            <a:r>
+              <a:rPr lang="en-US" dirty="0"/>
+              <a:t> – Redundancy in case of failure.</a:t>
+            </a:r>
+            <a:br>
+              <a:rPr lang="en-US" dirty="0"/>
+            </a:br>
+            <a:r>
+              <a:rPr lang="en-US" dirty="0"/>
+              <a:t>✅ </a:t>
+            </a:r>
+            <a:r>
+              <a:rPr lang="en-US" b="1" dirty="0"/>
+              <a:t>Failover mechanisms</a:t>
+            </a:r>
+            <a:r>
+              <a:rPr lang="en-US" dirty="0"/>
+              <a:t> – Seamless switching between primary and backup systems.</a:t>
+            </a:r>
+            <a:br>
+              <a:rPr lang="en-US" dirty="0"/>
+            </a:br>
+            <a:r>
+              <a:rPr lang="en-US" dirty="0"/>
+              <a:t>✅ </a:t>
+            </a:r>
+            <a:r>
+              <a:rPr lang="en-US" b="1" dirty="0"/>
+              <a:t>Load balancing</a:t>
+            </a:r>
+            <a:r>
+              <a:rPr lang="en-US" dirty="0"/>
+              <a:t> – Distributes traffic to prevent overloads.</a:t>
+            </a:r>
+            <a:br>
+              <a:rPr lang="en-US" dirty="0"/>
+            </a:br>
+            <a:r>
+              <a:rPr lang="en-US" dirty="0"/>
+              <a:t>✅ </a:t>
+            </a:r>
+            <a:r>
+              <a:rPr lang="en-US" b="1" dirty="0"/>
+              <a:t>Data replication</a:t>
+            </a:r>
+            <a:r>
+              <a:rPr lang="en-US" dirty="0"/>
+              <a:t> – Keeps multiple copies of critical data.</a:t>
+            </a:r>
+          </a:p>
+          <a:p>
+            <a:endParaRPr lang="en-US" dirty="0"/>
+          </a:p>
+          <a:p>
+            <a:r>
+              <a:rPr lang="en-US" i="1" dirty="0"/>
+              <a:t>"These elements ensure that services remain operational even when failures occur."</a:t>
+            </a:r>
+            <a:endParaRPr lang="en-US" dirty="0"/>
+          </a:p>
+          <a:p>
+            <a:endParaRPr lang="en-US" dirty="0"/>
+          </a:p>
+        </p:txBody>
+      </p:sp>
+      <p:sp>
+        <p:nvSpPr>
+          <p:cNvPr id="4" name="Slide Number Placeholder 3"/>
+          <p:cNvSpPr>
+            <a:spLocks noGrp="1"/>
+          </p:cNvSpPr>
+          <p:nvPr>
+            <p:ph type="sldNum" sz="quarter" idx="5"/>
+          </p:nvPr>
+        </p:nvSpPr>
+        <p:spPr/>
+        <p:txBody>
+          <a:bodyPr/>
+          <a:lstStyle/>
+          <a:p>
+            <a:fld id="{C0F4A2C8-6C88-4E71-83EE-698B9D4FE22F}" type="slidenum">
+              <a:rPr lang="en-US" smtClean="0"/>
+              <a:pPr/>
+              <a:t>8</a:t>
+            </a:fld>
+            <a:endParaRPr lang="en-US" dirty="0"/>
           </a:p>
         </p:txBody>
       </p:sp>
     </p:spTree>
     <p:extLst>
       <p:ext uri="{BB962C8B-B14F-4D97-AF65-F5344CB8AC3E}">
-        <p14:creationId xmlns:p14="http://schemas.microsoft.com/office/powerpoint/2010/main" val="1538899141"/>
+        <p14:creationId xmlns:p14="http://schemas.microsoft.com/office/powerpoint/2010/main" val="64165907"/>
       </p:ext>
     </p:extLst>
   </p:cSld>
@@ -7295,7 +4883,7 @@
     </p:spTree>
     <p:extLst>
       <p:ext uri="{BB962C8B-B14F-4D97-AF65-F5344CB8AC3E}">
-        <p14:creationId xmlns:p14="http://schemas.microsoft.com/office/powerpoint/2010/main" val="4259457877"/>
+        <p14:creationId xmlns:p14="http://schemas.microsoft.com/office/powerpoint/2010/main" val="3257941541"/>
       </p:ext>
     </p:extLst>
   </p:cSld>
@@ -12962,7 +10550,7 @@
                 <a:buFont typeface="Arial"/>
                 <a:buNone/>
               </a:pPr>
-              <a:t>‹#›</a:t>
+              <a:t>‹Nº›</a:t>
             </a:fld>
             <a:endParaRPr lang="en-US" sz="900" noProof="0" dirty="0">
               <a:solidFill>
@@ -20447,7 +18035,7 @@
                 <a:buFont typeface="Arial"/>
                 <a:buNone/>
               </a:pPr>
-              <a:t>‹#›</a:t>
+              <a:t>‹Nº›</a:t>
             </a:fld>
             <a:endParaRPr lang="en-US" sz="800" noProof="0" dirty="0">
               <a:solidFill>
@@ -20878,7 +18466,7 @@
           </p:nvPr>
         </p:nvPicPr>
         <p:blipFill>
-          <a:blip r:embed="rId2" cstate="email">
+          <a:blip r:embed="rId3" cstate="email">
             <a:extLst>
               <a:ext uri="{28A0092B-C50C-407E-A947-70E740481C1C}">
                 <a14:useLocalDpi xmlns:a14="http://schemas.microsoft.com/office/drawing/2010/main"/>
@@ -20944,7 +18532,7 @@
           <p:nvPr/>
         </p:nvPicPr>
         <p:blipFill>
-          <a:blip r:embed="rId3" cstate="email">
+          <a:blip r:embed="rId4" cstate="email">
             <a:extLst>
               <a:ext uri="{28A0092B-C50C-407E-A947-70E740481C1C}">
                 <a14:useLocalDpi xmlns:a14="http://schemas.microsoft.com/office/drawing/2010/main"/>
@@ -38682,15 +36270,6 @@
               <a:srgbClr val="C0C0C0"/>
             </a:contourClr>
           </a:sp3d>
-          <a:extLst>
-            <a:ext uri="{909E8E84-426E-40DD-AFC4-6F175D3DCCD1}">
-              <a14:hiddenFill xmlns:a14="http://schemas.microsoft.com/office/drawing/2010/main">
-                <a:solidFill>
-                  <a:srgbClr val="FFFFFF"/>
-                </a:solidFill>
-              </a14:hiddenFill>
-            </a:ext>
-          </a:extLst>
         </p:spPr>
       </p:pic>
     </p:spTree>
@@ -43176,7 +40755,7 @@
         </p:xfrm>
         <a:graphic>
           <a:graphicData uri="http://schemas.openxmlformats.org/drawingml/2006/chart">
-            <c:chart xmlns:c="http://schemas.openxmlformats.org/drawingml/2006/chart" xmlns:r="http://schemas.openxmlformats.org/officeDocument/2006/relationships" r:id="rId2"/>
+            <c:chart xmlns:c="http://schemas.openxmlformats.org/drawingml/2006/chart" xmlns:r="http://schemas.openxmlformats.org/officeDocument/2006/relationships" r:id="rId3"/>
           </a:graphicData>
         </a:graphic>
       </p:graphicFrame>
@@ -46975,17 +44554,6 @@
 </file>
 
 <file path=customXml/item1.xml><?xml version="1.0" encoding="utf-8"?>
-<p:properties xmlns:p="http://schemas.microsoft.com/office/2006/metadata/properties" xmlns:xsi="http://www.w3.org/2001/XMLSchema-instance" xmlns:pc="http://schemas.microsoft.com/office/infopath/2007/PartnerControls">
-  <documentManagement>
-    <lcf76f155ced4ddcb4097134ff3c332f xmlns="af335053-5c13-4208-99bf-938eb2315e22">
-      <Terms xmlns="http://schemas.microsoft.com/office/infopath/2007/PartnerControls"/>
-    </lcf76f155ced4ddcb4097134ff3c332f>
-    <TaxCatchAll xmlns="e05afce5-37c3-4abc-bc01-188d39936319" xsi:nil="true"/>
-  </documentManagement>
-</p:properties>
-</file>
-
-<file path=customXml/item2.xml><?xml version="1.0" encoding="utf-8"?>
 <ct:contentTypeSchema xmlns:ct="http://schemas.microsoft.com/office/2006/metadata/contentType" xmlns:ma="http://schemas.microsoft.com/office/2006/metadata/properties/metaAttributes" ct:_="" ma:_="" ma:contentTypeName="Document" ma:contentTypeID="0x010100FEC0AAA1F7DA114DA868E1ACE6E5C35D" ma:contentTypeVersion="14" ma:contentTypeDescription="Create a new document." ma:contentTypeScope="" ma:versionID="55852f54d9e97267c436eca5c0a9b60f">
   <xsd:schema xmlns:xsd="http://www.w3.org/2001/XMLSchema" xmlns:xs="http://www.w3.org/2001/XMLSchema" xmlns:p="http://schemas.microsoft.com/office/2006/metadata/properties" xmlns:ns2="e05afce5-37c3-4abc-bc01-188d39936319" xmlns:ns3="af335053-5c13-4208-99bf-938eb2315e22" targetNamespace="http://schemas.microsoft.com/office/2006/metadata/properties" ma:root="true" ma:fieldsID="7c713b77445c0154734b4b6e6ab5d17f" ns2:_="" ns3:_="">
     <xsd:import namespace="e05afce5-37c3-4abc-bc01-188d39936319"/>
@@ -47214,6 +44782,17 @@
 </ct:contentTypeSchema>
 </file>
 
+<file path=customXml/item2.xml><?xml version="1.0" encoding="utf-8"?>
+<p:properties xmlns:p="http://schemas.microsoft.com/office/2006/metadata/properties" xmlns:xsi="http://www.w3.org/2001/XMLSchema-instance" xmlns:pc="http://schemas.microsoft.com/office/infopath/2007/PartnerControls">
+  <documentManagement>
+    <lcf76f155ced4ddcb4097134ff3c332f xmlns="af335053-5c13-4208-99bf-938eb2315e22">
+      <Terms xmlns="http://schemas.microsoft.com/office/infopath/2007/PartnerControls"/>
+    </lcf76f155ced4ddcb4097134ff3c332f>
+    <TaxCatchAll xmlns="e05afce5-37c3-4abc-bc01-188d39936319" xsi:nil="true"/>
+  </documentManagement>
+</p:properties>
+</file>
+
 <file path=customXml/item3.xml><?xml version="1.0" encoding="utf-8"?>
 <?mso-contentType ?>
 <FormTemplates xmlns="http://schemas.microsoft.com/sharepoint/v3/contenttype/forms">
@@ -47224,23 +44803,6 @@
 </file>
 
 <file path=customXml/itemProps1.xml><?xml version="1.0" encoding="utf-8"?>
-<ds:datastoreItem xmlns:ds="http://schemas.openxmlformats.org/officeDocument/2006/customXml" ds:itemID="{D5F0D35A-E0F3-477C-A926-88D47843BC7D}">
-  <ds:schemaRefs>
-    <ds:schemaRef ds:uri="http://purl.org/dc/dcmitype/"/>
-    <ds:schemaRef ds:uri="e05afce5-37c3-4abc-bc01-188d39936319"/>
-    <ds:schemaRef ds:uri="http://schemas.microsoft.com/office/2006/documentManagement/types"/>
-    <ds:schemaRef ds:uri="af335053-5c13-4208-99bf-938eb2315e22"/>
-    <ds:schemaRef ds:uri="http://purl.org/dc/terms/"/>
-    <ds:schemaRef ds:uri="http://purl.org/dc/elements/1.1/"/>
-    <ds:schemaRef ds:uri="http://schemas.microsoft.com/office/2006/metadata/properties"/>
-    <ds:schemaRef ds:uri="http://schemas.microsoft.com/office/infopath/2007/PartnerControls"/>
-    <ds:schemaRef ds:uri="http://schemas.openxmlformats.org/package/2006/metadata/core-properties"/>
-    <ds:schemaRef ds:uri="http://www.w3.org/XML/1998/namespace"/>
-  </ds:schemaRefs>
-</ds:datastoreItem>
-</file>
-
-<file path=customXml/itemProps2.xml><?xml version="1.0" encoding="utf-8"?>
 <ds:datastoreItem xmlns:ds="http://schemas.openxmlformats.org/officeDocument/2006/customXml" ds:itemID="{3D3F04C6-A508-41E4-B4B6-766021DFB934}">
   <ds:schemaRefs>
     <ds:schemaRef ds:uri="http://schemas.microsoft.com/office/2006/metadata/contentType"/>
@@ -47259,6 +44821,23 @@
 </ds:datastoreItem>
 </file>
 
+<file path=customXml/itemProps2.xml><?xml version="1.0" encoding="utf-8"?>
+<ds:datastoreItem xmlns:ds="http://schemas.openxmlformats.org/officeDocument/2006/customXml" ds:itemID="{D5F0D35A-E0F3-477C-A926-88D47843BC7D}">
+  <ds:schemaRefs>
+    <ds:schemaRef ds:uri="http://purl.org/dc/dcmitype/"/>
+    <ds:schemaRef ds:uri="e05afce5-37c3-4abc-bc01-188d39936319"/>
+    <ds:schemaRef ds:uri="http://schemas.microsoft.com/office/2006/documentManagement/types"/>
+    <ds:schemaRef ds:uri="af335053-5c13-4208-99bf-938eb2315e22"/>
+    <ds:schemaRef ds:uri="http://purl.org/dc/terms/"/>
+    <ds:schemaRef ds:uri="http://purl.org/dc/elements/1.1/"/>
+    <ds:schemaRef ds:uri="http://schemas.microsoft.com/office/2006/metadata/properties"/>
+    <ds:schemaRef ds:uri="http://schemas.microsoft.com/office/infopath/2007/PartnerControls"/>
+    <ds:schemaRef ds:uri="http://schemas.openxmlformats.org/package/2006/metadata/core-properties"/>
+    <ds:schemaRef ds:uri="http://www.w3.org/XML/1998/namespace"/>
+  </ds:schemaRefs>
+</ds:datastoreItem>
+</file>
+
 <file path=customXml/itemProps3.xml><?xml version="1.0" encoding="utf-8"?>
 <ds:datastoreItem xmlns:ds="http://schemas.openxmlformats.org/officeDocument/2006/customXml" ds:itemID="{C759A333-EF14-4153-939A-86E133257A7B}">
   <ds:schemaRefs>
